--- a/Presentacion_CineData.pptx
+++ b/Presentacion_CineData.pptx
@@ -4928,7 +4928,25 @@
               </a:defRPr>
             </a:pPr>
             <a:r>
-              <a:t>🏗️ TIPO DE ARQUITECTURA: MICROSERVICIOS</a:t>
+              <a:t>🏗️ TIPO DE ARQUITECTURA: MICROSERVICIOS CON API GATEWAY</a:t>
+            </a:r>
+          </a:p>
+          <a:p>
+            <a:pPr>
+              <a:spcBef>
+                <a:spcPts val="400"/>
+              </a:spcBef>
+              <a:spcAft>
+                <a:spcPts val="400"/>
+              </a:spcAft>
+              <a:defRPr sz="1500">
+                <a:solidFill>
+                  <a:srgbClr val="323232"/>
+                </a:solidFill>
+              </a:defRPr>
+            </a:pPr>
+            <a:r>
+              <a:t>  • API Gateway centralizado (Express.js en Node.js)</a:t>
             </a:r>
           </a:p>
           <a:p>
@@ -5051,7 +5069,25 @@
               </a:defRPr>
             </a:pPr>
             <a:r>
-              <a:t>  Backend 1: FastAPI + Motor (async MongoDB driver) en Python</a:t>
+              <a:t>  API Gateway: Express.js en Node.js (puerto 8080)</a:t>
+            </a:r>
+          </a:p>
+          <a:p>
+            <a:pPr>
+              <a:spcBef>
+                <a:spcPts val="400"/>
+              </a:spcBef>
+              <a:spcAft>
+                <a:spcPts val="400"/>
+              </a:spcAft>
+              <a:defRPr sz="1500">
+                <a:solidFill>
+                  <a:srgbClr val="323232"/>
+                </a:solidFill>
+              </a:defRPr>
+            </a:pPr>
+            <a:r>
+              <a:t>  Backend 1: FastAPI + Motor (async MongoDB) en Python</a:t>
             </a:r>
           </a:p>
           <a:p>
@@ -5138,6 +5174,147 @@
               </a:defRPr>
             </a:pPr>
             <a:r>
+              <a:t>🌐 API GATEWAY - PUNTO DE ENTRADA ÚNICO:</a:t>
+            </a:r>
+          </a:p>
+          <a:p>
+            <a:pPr>
+              <a:spcBef>
+                <a:spcPts val="400"/>
+              </a:spcBef>
+              <a:spcAft>
+                <a:spcPts val="400"/>
+              </a:spcAft>
+              <a:defRPr sz="1500">
+                <a:solidFill>
+                  <a:srgbClr val="323232"/>
+                </a:solidFill>
+              </a:defRPr>
+            </a:pPr>
+            <a:r>
+              <a:t>  • Autenticación JWT centralizada</a:t>
+            </a:r>
+          </a:p>
+          <a:p>
+            <a:pPr>
+              <a:spcBef>
+                <a:spcPts val="400"/>
+              </a:spcBef>
+              <a:spcAft>
+                <a:spcPts val="400"/>
+              </a:spcAft>
+              <a:defRPr sz="1500">
+                <a:solidFill>
+                  <a:srgbClr val="323232"/>
+                </a:solidFill>
+              </a:defRPr>
+            </a:pPr>
+            <a:r>
+              <a:t>  • Proxy inverso inteligente hacia servicios backend</a:t>
+            </a:r>
+          </a:p>
+          <a:p>
+            <a:pPr>
+              <a:spcBef>
+                <a:spcPts val="400"/>
+              </a:spcBef>
+              <a:spcAft>
+                <a:spcPts val="400"/>
+              </a:spcAft>
+              <a:defRPr sz="1500">
+                <a:solidFill>
+                  <a:srgbClr val="323232"/>
+                </a:solidFill>
+              </a:defRPr>
+            </a:pPr>
+            <a:r>
+              <a:t>  • Mapeo de rutas: /auth/* → /users/* (users service)</a:t>
+            </a:r>
+          </a:p>
+          <a:p>
+            <a:pPr>
+              <a:spcBef>
+                <a:spcPts val="400"/>
+              </a:spcBef>
+              <a:spcAft>
+                <a:spcPts val="400"/>
+              </a:spcAft>
+              <a:defRPr sz="1500">
+                <a:solidFill>
+                  <a:srgbClr val="323232"/>
+                </a:solidFill>
+              </a:defRPr>
+            </a:pPr>
+            <a:r>
+              <a:t>  • Manejo de rutas públicas y protegidas</a:t>
+            </a:r>
+          </a:p>
+          <a:p>
+            <a:pPr>
+              <a:spcBef>
+                <a:spcPts val="400"/>
+              </a:spcBef>
+              <a:spcAft>
+                <a:spcPts val="400"/>
+              </a:spcAft>
+              <a:defRPr sz="1500">
+                <a:solidFill>
+                  <a:srgbClr val="323232"/>
+                </a:solidFill>
+              </a:defRPr>
+            </a:pPr>
+            <a:r>
+              <a:t>  • Logging centralizado con Morgan</a:t>
+            </a:r>
+          </a:p>
+          <a:p>
+            <a:pPr>
+              <a:spcBef>
+                <a:spcPts val="400"/>
+              </a:spcBef>
+              <a:spcAft>
+                <a:spcPts val="400"/>
+              </a:spcAft>
+              <a:defRPr sz="1500">
+                <a:solidFill>
+                  <a:srgbClr val="323232"/>
+                </a:solidFill>
+              </a:defRPr>
+            </a:pPr>
+            <a:r>
+              <a:t>  • CORS configurado para frontend</a:t>
+            </a:r>
+          </a:p>
+          <a:p>
+            <a:pPr>
+              <a:spcBef>
+                <a:spcPts val="400"/>
+              </a:spcBef>
+              <a:spcAft>
+                <a:spcPts val="400"/>
+              </a:spcAft>
+              <a:defRPr sz="1500">
+                <a:solidFill>
+                  <a:srgbClr val="323232"/>
+                </a:solidFill>
+              </a:defRPr>
+            </a:pPr>
+          </a:p>
+          <a:p>
+            <a:pPr>
+              <a:spcBef>
+                <a:spcPts val="400"/>
+              </a:spcBef>
+              <a:spcAft>
+                <a:spcPts val="400"/>
+              </a:spcAft>
+              <a:defRPr sz="1500">
+                <a:solidFill>
+                  <a:srgbClr val="323232"/>
+                </a:solidFill>
+              </a:defRPr>
+            </a:pPr>
+            <a:r>
               <a:t>📱 ARQUITECTURA DE FRONTEND:</a:t>
             </a:r>
           </a:p>
@@ -5174,6 +5351,24 @@
               </a:defRPr>
             </a:pPr>
             <a:r>
+              <a:t>  • CSR (Client-Side Rendering)</a:t>
+            </a:r>
+          </a:p>
+          <a:p>
+            <a:pPr>
+              <a:spcBef>
+                <a:spcPts val="400"/>
+              </a:spcBef>
+              <a:spcAft>
+                <a:spcPts val="400"/>
+              </a:spcAft>
+              <a:defRPr sz="1500">
+                <a:solidFill>
+                  <a:srgbClr val="323232"/>
+                </a:solidFill>
+              </a:defRPr>
+            </a:pPr>
+            <a:r>
               <a:t>  • Enrutamiento con React Router v7</a:t>
             </a:r>
           </a:p>
@@ -5192,130 +5387,58 @@
               </a:defRPr>
             </a:pPr>
             <a:r>
-              <a:t>  • CSR (Client-Side Rendering) - renderizado en el navegador</a:t>
-            </a:r>
-          </a:p>
-          <a:p>
-            <a:pPr>
-              <a:spcBef>
-                <a:spcPts val="400"/>
-              </a:spcBef>
-              <a:spcAft>
-                <a:spcPts val="400"/>
-              </a:spcAft>
-              <a:defRPr sz="1500">
-                <a:solidFill>
-                  <a:srgbClr val="323232"/>
-                </a:solidFill>
-              </a:defRPr>
-            </a:pPr>
-            <a:r>
-              <a:t>  • HTML5 con uso extensivo de JavaScript/JSX</a:t>
-            </a:r>
-          </a:p>
-          <a:p>
-            <a:pPr>
-              <a:spcBef>
-                <a:spcPts val="400"/>
-              </a:spcBef>
-              <a:spcAft>
-                <a:spcPts val="400"/>
-              </a:spcAft>
-              <a:defRPr sz="1500">
-                <a:solidFill>
-                  <a:srgbClr val="323232"/>
-                </a:solidFill>
-              </a:defRPr>
-            </a:pPr>
-            <a:r>
-              <a:t>  • NO multipage, NO PWA, NO subida a la nube</a:t>
-            </a:r>
-          </a:p>
-          <a:p>
-            <a:pPr>
-              <a:spcBef>
-                <a:spcPts val="400"/>
-              </a:spcBef>
-              <a:spcAft>
-                <a:spcPts val="400"/>
-              </a:spcAft>
-              <a:defRPr sz="1500">
-                <a:solidFill>
-                  <a:srgbClr val="323232"/>
-                </a:solidFill>
-              </a:defRPr>
-            </a:pPr>
-          </a:p>
-          <a:p>
-            <a:pPr>
-              <a:spcBef>
-                <a:spcPts val="400"/>
-              </a:spcBef>
-              <a:spcAft>
-                <a:spcPts val="400"/>
-              </a:spcAft>
-              <a:defRPr sz="1500">
-                <a:solidFill>
-                  <a:srgbClr val="323232"/>
-                </a:solidFill>
-              </a:defRPr>
-            </a:pPr>
-            <a:r>
-              <a:t>🔌 INTEGRACIÓN:</a:t>
-            </a:r>
-          </a:p>
-          <a:p>
-            <a:pPr>
-              <a:spcBef>
-                <a:spcPts val="400"/>
-              </a:spcBef>
-              <a:spcAft>
-                <a:spcPts val="400"/>
-              </a:spcAft>
-              <a:defRPr sz="1500">
-                <a:solidFill>
-                  <a:srgbClr val="323232"/>
-                </a:solidFill>
-              </a:defRPr>
-            </a:pPr>
-            <a:r>
-              <a:t>  • NO hay API Gateway (comunicación directa cliente-servidor)</a:t>
-            </a:r>
-          </a:p>
-          <a:p>
-            <a:pPr>
-              <a:spcBef>
-                <a:spcPts val="400"/>
-              </a:spcBef>
-              <a:spcAft>
-                <a:spcPts val="400"/>
-              </a:spcAft>
-              <a:defRPr sz="1500">
-                <a:solidFill>
-                  <a:srgbClr val="323232"/>
-                </a:solidFill>
-              </a:defRPr>
-            </a:pPr>
-            <a:r>
-              <a:t>  • Múltiples endpoints en diferentes puertos</a:t>
-            </a:r>
-          </a:p>
-          <a:p>
-            <a:pPr>
-              <a:spcBef>
-                <a:spcPts val="400"/>
-              </a:spcBef>
-              <a:spcAft>
-                <a:spcPts val="400"/>
-              </a:spcAft>
-              <a:defRPr sz="1500">
-                <a:solidFill>
-                  <a:srgbClr val="323232"/>
-                </a:solidFill>
-              </a:defRPr>
-            </a:pPr>
-            <a:r>
-              <a:t>  • CORS habilitado en ambos backends</a:t>
+              <a:t>  • Comunicación con gateway en puerto 8080</a:t>
+            </a:r>
+          </a:p>
+          <a:p>
+            <a:pPr>
+              <a:spcBef>
+                <a:spcPts val="400"/>
+              </a:spcBef>
+              <a:spcAft>
+                <a:spcPts val="400"/>
+              </a:spcAft>
+              <a:defRPr sz="1500">
+                <a:solidFill>
+                  <a:srgbClr val="323232"/>
+                </a:solidFill>
+              </a:defRPr>
+            </a:pPr>
+          </a:p>
+          <a:p>
+            <a:pPr>
+              <a:spcBef>
+                <a:spcPts val="400"/>
+              </a:spcBef>
+              <a:spcAft>
+                <a:spcPts val="400"/>
+              </a:spcAft>
+              <a:defRPr sz="1500">
+                <a:solidFill>
+                  <a:srgbClr val="323232"/>
+                </a:solidFill>
+              </a:defRPr>
+            </a:pPr>
+            <a:r>
+              <a:t>🔌 FLUJO DE COMUNICACIÓN:</a:t>
+            </a:r>
+          </a:p>
+          <a:p>
+            <a:pPr>
+              <a:spcBef>
+                <a:spcPts val="400"/>
+              </a:spcBef>
+              <a:spcAft>
+                <a:spcPts val="400"/>
+              </a:spcAft>
+              <a:defRPr sz="1500">
+                <a:solidFill>
+                  <a:srgbClr val="323232"/>
+                </a:solidFill>
+              </a:defRPr>
+            </a:pPr>
+            <a:r>
+              <a:t>  Frontend (5173) → API Gateway (8080) → Servicios (8000, 3001)</a:t>
             </a:r>
           </a:p>
         </p:txBody>
@@ -5498,7 +5621,7 @@
               </a:defRPr>
             </a:pPr>
             <a:r>
-              <a:t>  • Orquestación compleja con Docker Compose</a:t>
+              <a:t>  • Orquestación compleja con Docker Compose (6 contenedores)</a:t>
             </a:r>
           </a:p>
           <a:p>
@@ -5533,6 +5656,24 @@
                 </a:solidFill>
               </a:defRPr>
             </a:pPr>
+            <a:r>
+              <a:t>  • Implementación de API Gateway para centralizar autenticación</a:t>
+            </a:r>
+          </a:p>
+          <a:p>
+            <a:pPr>
+              <a:spcBef>
+                <a:spcPts val="400"/>
+              </a:spcBef>
+              <a:spcAft>
+                <a:spcPts val="400"/>
+              </a:spcAft>
+              <a:defRPr sz="1500">
+                <a:solidFill>
+                  <a:srgbClr val="323232"/>
+                </a:solidFill>
+              </a:defRPr>
+            </a:pPr>
           </a:p>
           <a:p>
             <a:pPr>
@@ -5567,6 +5708,42 @@
               </a:defRPr>
             </a:pPr>
             <a:r>
+              <a:t>  • API Gateway con proxy inverso inteligente (express-http-proxy)</a:t>
+            </a:r>
+          </a:p>
+          <a:p>
+            <a:pPr>
+              <a:spcBef>
+                <a:spcPts val="400"/>
+              </a:spcBef>
+              <a:spcAft>
+                <a:spcPts val="400"/>
+              </a:spcAft>
+              <a:defRPr sz="1500">
+                <a:solidFill>
+                  <a:srgbClr val="323232"/>
+                </a:solidFill>
+              </a:defRPr>
+            </a:pPr>
+            <a:r>
+              <a:t>  • Mapeo de rutas y validación centralizada de JWT</a:t>
+            </a:r>
+          </a:p>
+          <a:p>
+            <a:pPr>
+              <a:spcBef>
+                <a:spcPts val="400"/>
+              </a:spcBef>
+              <a:spcAft>
+                <a:spcPts val="400"/>
+              </a:spcAft>
+              <a:defRPr sz="1500">
+                <a:solidFill>
+                  <a:srgbClr val="323232"/>
+                </a:solidFill>
+              </a:defRPr>
+            </a:pPr>
+            <a:r>
               <a:t>  • Async/await en FastAPI: operaciones no-bloqueantes</a:t>
             </a:r>
           </a:p>
@@ -5621,7 +5798,7 @@
               </a:defRPr>
             </a:pPr>
             <a:r>
-              <a:t>  • CORS configurado en ambos backends para seguridad</a:t>
+              <a:t>  • CORS configurado en gateway y backends para seguridad</a:t>
             </a:r>
           </a:p>
           <a:p>
@@ -5744,79 +5921,79 @@
               </a:defRPr>
             </a:pPr>
             <a:r>
-              <a:t>  ✅ Sistema COMPLETO y FUNCIONAL (Full-Stack)</a:t>
-            </a:r>
-          </a:p>
-          <a:p>
-            <a:pPr>
-              <a:spcBef>
-                <a:spcPts val="400"/>
-              </a:spcBef>
-              <a:spcAft>
-                <a:spcPts val="400"/>
-              </a:spcAft>
-              <a:defRPr sz="1500">
-                <a:solidFill>
-                  <a:srgbClr val="323232"/>
-                </a:solidFill>
-              </a:defRPr>
-            </a:pPr>
-            <a:r>
-              <a:t>  ✅ Arquitectura PROFESIONAL con separación de responsabilidades</a:t>
-            </a:r>
-          </a:p>
-          <a:p>
-            <a:pPr>
-              <a:spcBef>
-                <a:spcPts val="400"/>
-              </a:spcBef>
-              <a:spcAft>
-                <a:spcPts val="400"/>
-              </a:spcAft>
-              <a:defRPr sz="1500">
-                <a:solidFill>
-                  <a:srgbClr val="323232"/>
-                </a:solidFill>
-              </a:defRPr>
-            </a:pPr>
-            <a:r>
-              <a:t>  ✅ SEGURIDAD implementada en múltiples niveles</a:t>
-            </a:r>
-          </a:p>
-          <a:p>
-            <a:pPr>
-              <a:spcBef>
-                <a:spcPts val="400"/>
-              </a:spcBef>
-              <a:spcAft>
-                <a:spcPts val="400"/>
-              </a:spcAft>
-              <a:defRPr sz="1500">
-                <a:solidFill>
-                  <a:srgbClr val="323232"/>
-                </a:solidFill>
-              </a:defRPr>
-            </a:pPr>
-            <a:r>
-              <a:t>  ✅ Uso de BUENAS PRÁCTICAS y patrones de diseño</a:t>
-            </a:r>
-          </a:p>
-          <a:p>
-            <a:pPr>
-              <a:spcBef>
-                <a:spcPts val="400"/>
-              </a:spcBef>
-              <a:spcAft>
-                <a:spcPts val="400"/>
-              </a:spcAft>
-              <a:defRPr sz="1500">
-                <a:solidFill>
-                  <a:srgbClr val="323232"/>
-                </a:solidFill>
-              </a:defRPr>
-            </a:pPr>
-            <a:r>
-              <a:t>  ✅ ESCALABLE y MANTENIBLE para futuros cambios</a:t>
+              <a:t>  ✅ Sistema COMPLETO y FUNCIONAL (Full-Stack + Gateway)</a:t>
+            </a:r>
+          </a:p>
+          <a:p>
+            <a:pPr>
+              <a:spcBef>
+                <a:spcPts val="400"/>
+              </a:spcBef>
+              <a:spcAft>
+                <a:spcPts val="400"/>
+              </a:spcAft>
+              <a:defRPr sz="1500">
+                <a:solidFill>
+                  <a:srgbClr val="323232"/>
+                </a:solidFill>
+              </a:defRPr>
+            </a:pPr>
+            <a:r>
+              <a:t>  ✅ Arquitectura PROFESIONAL (3-tier con API Gateway)</a:t>
+            </a:r>
+          </a:p>
+          <a:p>
+            <a:pPr>
+              <a:spcBef>
+                <a:spcPts val="400"/>
+              </a:spcBef>
+              <a:spcAft>
+                <a:spcPts val="400"/>
+              </a:spcAft>
+              <a:defRPr sz="1500">
+                <a:solidFill>
+                  <a:srgbClr val="323232"/>
+                </a:solidFill>
+              </a:defRPr>
+            </a:pPr>
+            <a:r>
+              <a:t>  ✅ SEGURIDAD en múltiples niveles (JWT + RBAC + CORS)</a:t>
+            </a:r>
+          </a:p>
+          <a:p>
+            <a:pPr>
+              <a:spcBef>
+                <a:spcPts val="400"/>
+              </a:spcBef>
+              <a:spcAft>
+                <a:spcPts val="400"/>
+              </a:spcAft>
+              <a:defRPr sz="1500">
+                <a:solidFill>
+                  <a:srgbClr val="323232"/>
+                </a:solidFill>
+              </a:defRPr>
+            </a:pPr>
+            <a:r>
+              <a:t>  ✅ BUENAS PRÁCTICAS y patrones de diseño actuales</a:t>
+            </a:r>
+          </a:p>
+          <a:p>
+            <a:pPr>
+              <a:spcBef>
+                <a:spcPts val="400"/>
+              </a:spcBef>
+              <a:spcAft>
+                <a:spcPts val="400"/>
+              </a:spcAft>
+              <a:defRPr sz="1500">
+                <a:solidFill>
+                  <a:srgbClr val="323232"/>
+                </a:solidFill>
+              </a:defRPr>
+            </a:pPr>
+            <a:r>
+              <a:t>  ✅ ESCALABLE y MANTENIBLE para producción</a:t>
             </a:r>
           </a:p>
           <a:p>

--- a/Presentacion_CineData.pptx
+++ b/Presentacion_CineData.pptx
@@ -5,13 +5,16 @@
     <p:sldMasterId id="2147483648" r:id="rId1"/>
   </p:sldMasterIdLst>
   <p:sldIdLst>
-    <p:sldId id="256" r:id="rId7"/>
-    <p:sldId id="257" r:id="rId8"/>
-    <p:sldId id="258" r:id="rId9"/>
-    <p:sldId id="259" r:id="rId10"/>
-    <p:sldId id="260" r:id="rId11"/>
-    <p:sldId id="261" r:id="rId12"/>
-    <p:sldId id="262" r:id="rId13"/>
+    <p:sldId id="256" r:id="rId2"/>
+    <p:sldId id="257" r:id="rId3"/>
+    <p:sldId id="258" r:id="rId4"/>
+    <p:sldId id="259" r:id="rId5"/>
+    <p:sldId id="263" r:id="rId6"/>
+    <p:sldId id="260" r:id="rId7"/>
+    <p:sldId id="261" r:id="rId8"/>
+    <p:sldId id="264" r:id="rId9"/>
+    <p:sldId id="262" r:id="rId10"/>
+    <p:sldId id="265" r:id="rId11"/>
   </p:sldIdLst>
   <p:sldSz cx="9144000" cy="6858000" type="screen4x3"/>
   <p:notesSz cx="6858000" cy="9144000"/>
@@ -110,6 +113,22 @@
       </a:defRPr>
     </a:lvl9pPr>
   </p:defaultTextStyle>
+  <p:extLst>
+    <p:ext uri="{EFAFB233-063F-42B5-8137-9DF3F51BA10A}">
+      <p15:sldGuideLst xmlns:p15="http://schemas.microsoft.com/office/powerpoint/2012/main">
+        <p15:guide id="1" orient="horz" pos="2160">
+          <p15:clr>
+            <a:srgbClr val="A4A3A4"/>
+          </p15:clr>
+        </p15:guide>
+        <p15:guide id="2" pos="2880">
+          <p15:clr>
+            <a:srgbClr val="A4A3A4"/>
+          </p15:clr>
+        </p15:guide>
+      </p15:sldGuideLst>
+    </p:ext>
+  </p:extLst>
 </p:presentation>
 </file>
 
@@ -151,10 +170,9 @@
           <a:lstStyle/>
           <a:p>
             <a:r>
-              <a:rPr lang="en-US" smtClean="0"/>
+              <a:rPr lang="en-US"/>
               <a:t>Click to edit Master title style</a:t>
             </a:r>
-            <a:endParaRPr lang="en-US"/>
           </a:p>
         </p:txBody>
       </p:sp>
@@ -270,10 +288,9 @@
           </a:lstStyle>
           <a:p>
             <a:r>
-              <a:rPr lang="en-US" smtClean="0"/>
+              <a:rPr lang="en-US"/>
               <a:t>Click to edit Master subtitle style</a:t>
             </a:r>
-            <a:endParaRPr lang="en-US"/>
           </a:p>
         </p:txBody>
       </p:sp>
@@ -294,7 +311,7 @@
           <a:p>
             <a:fld id="{5BCAD085-E8A6-8845-BD4E-CB4CCA059FC4}" type="datetimeFigureOut">
               <a:rPr lang="en-US" smtClean="0"/>
-              <a:t>1/27/13</a:t>
+              <a:t>1/1/2026</a:t>
             </a:fld>
             <a:endParaRPr lang="en-US"/>
           </a:p>
@@ -336,7 +353,7 @@
           <a:p>
             <a:fld id="{C1FF6DA9-008F-8B48-92A6-B652298478BF}" type="slidenum">
               <a:rPr lang="en-US" smtClean="0"/>
-              <a:t>‹#›</a:t>
+              <a:t>‹Nº›</a:t>
             </a:fld>
             <a:endParaRPr lang="en-US"/>
           </a:p>
@@ -388,10 +405,9 @@
           <a:lstStyle/>
           <a:p>
             <a:r>
-              <a:rPr lang="en-US" smtClean="0"/>
+              <a:rPr lang="en-US"/>
               <a:t>Click to edit Master title style</a:t>
             </a:r>
-            <a:endParaRPr lang="en-US"/>
           </a:p>
         </p:txBody>
       </p:sp>
@@ -412,38 +428,37 @@
           <a:p>
             <a:pPr lvl="0"/>
             <a:r>
-              <a:rPr lang="en-US" smtClean="0"/>
+              <a:rPr lang="en-US"/>
               <a:t>Click to edit Master text styles</a:t>
             </a:r>
           </a:p>
           <a:p>
             <a:pPr lvl="1"/>
             <a:r>
-              <a:rPr lang="en-US" smtClean="0"/>
+              <a:rPr lang="en-US"/>
               <a:t>Second level</a:t>
             </a:r>
           </a:p>
           <a:p>
             <a:pPr lvl="2"/>
             <a:r>
-              <a:rPr lang="en-US" smtClean="0"/>
+              <a:rPr lang="en-US"/>
               <a:t>Third level</a:t>
             </a:r>
           </a:p>
           <a:p>
             <a:pPr lvl="3"/>
             <a:r>
-              <a:rPr lang="en-US" smtClean="0"/>
+              <a:rPr lang="en-US"/>
               <a:t>Fourth level</a:t>
             </a:r>
           </a:p>
           <a:p>
             <a:pPr lvl="4"/>
             <a:r>
-              <a:rPr lang="en-US" smtClean="0"/>
+              <a:rPr lang="en-US"/>
               <a:t>Fifth level</a:t>
             </a:r>
-            <a:endParaRPr lang="en-US"/>
           </a:p>
         </p:txBody>
       </p:sp>
@@ -464,7 +479,7 @@
           <a:p>
             <a:fld id="{5BCAD085-E8A6-8845-BD4E-CB4CCA059FC4}" type="datetimeFigureOut">
               <a:rPr lang="en-US" smtClean="0"/>
-              <a:t>1/27/13</a:t>
+              <a:t>1/1/2026</a:t>
             </a:fld>
             <a:endParaRPr lang="en-US"/>
           </a:p>
@@ -506,7 +521,7 @@
           <a:p>
             <a:fld id="{C1FF6DA9-008F-8B48-92A6-B652298478BF}" type="slidenum">
               <a:rPr lang="en-US" smtClean="0"/>
-              <a:t>‹#›</a:t>
+              <a:t>‹Nº›</a:t>
             </a:fld>
             <a:endParaRPr lang="en-US"/>
           </a:p>
@@ -563,10 +578,9 @@
           <a:lstStyle/>
           <a:p>
             <a:r>
-              <a:rPr lang="en-US" smtClean="0"/>
+              <a:rPr lang="en-US"/>
               <a:t>Click to edit Master title style</a:t>
             </a:r>
-            <a:endParaRPr lang="en-US"/>
           </a:p>
         </p:txBody>
       </p:sp>
@@ -592,38 +606,37 @@
           <a:p>
             <a:pPr lvl="0"/>
             <a:r>
-              <a:rPr lang="en-US" smtClean="0"/>
+              <a:rPr lang="en-US"/>
               <a:t>Click to edit Master text styles</a:t>
             </a:r>
           </a:p>
           <a:p>
             <a:pPr lvl="1"/>
             <a:r>
-              <a:rPr lang="en-US" smtClean="0"/>
+              <a:rPr lang="en-US"/>
               <a:t>Second level</a:t>
             </a:r>
           </a:p>
           <a:p>
             <a:pPr lvl="2"/>
             <a:r>
-              <a:rPr lang="en-US" smtClean="0"/>
+              <a:rPr lang="en-US"/>
               <a:t>Third level</a:t>
             </a:r>
           </a:p>
           <a:p>
             <a:pPr lvl="3"/>
             <a:r>
-              <a:rPr lang="en-US" smtClean="0"/>
+              <a:rPr lang="en-US"/>
               <a:t>Fourth level</a:t>
             </a:r>
           </a:p>
           <a:p>
             <a:pPr lvl="4"/>
             <a:r>
-              <a:rPr lang="en-US" smtClean="0"/>
+              <a:rPr lang="en-US"/>
               <a:t>Fifth level</a:t>
             </a:r>
-            <a:endParaRPr lang="en-US"/>
           </a:p>
         </p:txBody>
       </p:sp>
@@ -644,7 +657,7 @@
           <a:p>
             <a:fld id="{5BCAD085-E8A6-8845-BD4E-CB4CCA059FC4}" type="datetimeFigureOut">
               <a:rPr lang="en-US" smtClean="0"/>
-              <a:t>1/27/13</a:t>
+              <a:t>1/1/2026</a:t>
             </a:fld>
             <a:endParaRPr lang="en-US"/>
           </a:p>
@@ -686,7 +699,7 @@
           <a:p>
             <a:fld id="{C1FF6DA9-008F-8B48-92A6-B652298478BF}" type="slidenum">
               <a:rPr lang="en-US" smtClean="0"/>
-              <a:t>‹#›</a:t>
+              <a:t>‹Nº›</a:t>
             </a:fld>
             <a:endParaRPr lang="en-US"/>
           </a:p>
@@ -738,10 +751,9 @@
           <a:lstStyle/>
           <a:p>
             <a:r>
-              <a:rPr lang="en-US" smtClean="0"/>
+              <a:rPr lang="en-US"/>
               <a:t>Click to edit Master title style</a:t>
             </a:r>
-            <a:endParaRPr lang="en-US"/>
           </a:p>
         </p:txBody>
       </p:sp>
@@ -762,38 +774,37 @@
           <a:p>
             <a:pPr lvl="0"/>
             <a:r>
-              <a:rPr lang="en-US" smtClean="0"/>
+              <a:rPr lang="en-US"/>
               <a:t>Click to edit Master text styles</a:t>
             </a:r>
           </a:p>
           <a:p>
             <a:pPr lvl="1"/>
             <a:r>
-              <a:rPr lang="en-US" smtClean="0"/>
+              <a:rPr lang="en-US"/>
               <a:t>Second level</a:t>
             </a:r>
           </a:p>
           <a:p>
             <a:pPr lvl="2"/>
             <a:r>
-              <a:rPr lang="en-US" smtClean="0"/>
+              <a:rPr lang="en-US"/>
               <a:t>Third level</a:t>
             </a:r>
           </a:p>
           <a:p>
             <a:pPr lvl="3"/>
             <a:r>
-              <a:rPr lang="en-US" smtClean="0"/>
+              <a:rPr lang="en-US"/>
               <a:t>Fourth level</a:t>
             </a:r>
           </a:p>
           <a:p>
             <a:pPr lvl="4"/>
             <a:r>
-              <a:rPr lang="en-US" smtClean="0"/>
+              <a:rPr lang="en-US"/>
               <a:t>Fifth level</a:t>
             </a:r>
-            <a:endParaRPr lang="en-US"/>
           </a:p>
         </p:txBody>
       </p:sp>
@@ -814,7 +825,7 @@
           <a:p>
             <a:fld id="{5BCAD085-E8A6-8845-BD4E-CB4CCA059FC4}" type="datetimeFigureOut">
               <a:rPr lang="en-US" smtClean="0"/>
-              <a:t>1/27/13</a:t>
+              <a:t>1/1/2026</a:t>
             </a:fld>
             <a:endParaRPr lang="en-US"/>
           </a:p>
@@ -856,7 +867,7 @@
           <a:p>
             <a:fld id="{C1FF6DA9-008F-8B48-92A6-B652298478BF}" type="slidenum">
               <a:rPr lang="en-US" smtClean="0"/>
-              <a:t>‹#›</a:t>
+              <a:t>‹Nº›</a:t>
             </a:fld>
             <a:endParaRPr lang="en-US"/>
           </a:p>
@@ -917,10 +928,9 @@
           </a:lstStyle>
           <a:p>
             <a:r>
-              <a:rPr lang="en-US" smtClean="0"/>
+              <a:rPr lang="en-US"/>
               <a:t>Click to edit Master title style</a:t>
             </a:r>
-            <a:endParaRPr lang="en-US"/>
           </a:p>
         </p:txBody>
       </p:sp>
@@ -1037,7 +1047,7 @@
           <a:p>
             <a:pPr lvl="0"/>
             <a:r>
-              <a:rPr lang="en-US" smtClean="0"/>
+              <a:rPr lang="en-US"/>
               <a:t>Click to edit Master text styles</a:t>
             </a:r>
           </a:p>
@@ -1060,7 +1070,7 @@
           <a:p>
             <a:fld id="{5BCAD085-E8A6-8845-BD4E-CB4CCA059FC4}" type="datetimeFigureOut">
               <a:rPr lang="en-US" smtClean="0"/>
-              <a:t>1/27/13</a:t>
+              <a:t>1/1/2026</a:t>
             </a:fld>
             <a:endParaRPr lang="en-US"/>
           </a:p>
@@ -1102,7 +1112,7 @@
           <a:p>
             <a:fld id="{C1FF6DA9-008F-8B48-92A6-B652298478BF}" type="slidenum">
               <a:rPr lang="en-US" smtClean="0"/>
-              <a:t>‹#›</a:t>
+              <a:t>‹Nº›</a:t>
             </a:fld>
             <a:endParaRPr lang="en-US"/>
           </a:p>
@@ -1154,10 +1164,9 @@
           <a:lstStyle/>
           <a:p>
             <a:r>
-              <a:rPr lang="en-US" smtClean="0"/>
+              <a:rPr lang="en-US"/>
               <a:t>Click to edit Master title style</a:t>
             </a:r>
-            <a:endParaRPr lang="en-US"/>
           </a:p>
         </p:txBody>
       </p:sp>
@@ -1211,38 +1220,37 @@
           <a:p>
             <a:pPr lvl="0"/>
             <a:r>
-              <a:rPr lang="en-US" smtClean="0"/>
+              <a:rPr lang="en-US"/>
               <a:t>Click to edit Master text styles</a:t>
             </a:r>
           </a:p>
           <a:p>
             <a:pPr lvl="1"/>
             <a:r>
-              <a:rPr lang="en-US" smtClean="0"/>
+              <a:rPr lang="en-US"/>
               <a:t>Second level</a:t>
             </a:r>
           </a:p>
           <a:p>
             <a:pPr lvl="2"/>
             <a:r>
-              <a:rPr lang="en-US" smtClean="0"/>
+              <a:rPr lang="en-US"/>
               <a:t>Third level</a:t>
             </a:r>
           </a:p>
           <a:p>
             <a:pPr lvl="3"/>
             <a:r>
-              <a:rPr lang="en-US" smtClean="0"/>
+              <a:rPr lang="en-US"/>
               <a:t>Fourth level</a:t>
             </a:r>
           </a:p>
           <a:p>
             <a:pPr lvl="4"/>
             <a:r>
-              <a:rPr lang="en-US" smtClean="0"/>
+              <a:rPr lang="en-US"/>
               <a:t>Fifth level</a:t>
             </a:r>
-            <a:endParaRPr lang="en-US"/>
           </a:p>
         </p:txBody>
       </p:sp>
@@ -1296,38 +1304,37 @@
           <a:p>
             <a:pPr lvl="0"/>
             <a:r>
-              <a:rPr lang="en-US" smtClean="0"/>
+              <a:rPr lang="en-US"/>
               <a:t>Click to edit Master text styles</a:t>
             </a:r>
           </a:p>
           <a:p>
             <a:pPr lvl="1"/>
             <a:r>
-              <a:rPr lang="en-US" smtClean="0"/>
+              <a:rPr lang="en-US"/>
               <a:t>Second level</a:t>
             </a:r>
           </a:p>
           <a:p>
             <a:pPr lvl="2"/>
             <a:r>
-              <a:rPr lang="en-US" smtClean="0"/>
+              <a:rPr lang="en-US"/>
               <a:t>Third level</a:t>
             </a:r>
           </a:p>
           <a:p>
             <a:pPr lvl="3"/>
             <a:r>
-              <a:rPr lang="en-US" smtClean="0"/>
+              <a:rPr lang="en-US"/>
               <a:t>Fourth level</a:t>
             </a:r>
           </a:p>
           <a:p>
             <a:pPr lvl="4"/>
             <a:r>
-              <a:rPr lang="en-US" smtClean="0"/>
+              <a:rPr lang="en-US"/>
               <a:t>Fifth level</a:t>
             </a:r>
-            <a:endParaRPr lang="en-US"/>
           </a:p>
         </p:txBody>
       </p:sp>
@@ -1348,7 +1355,7 @@
           <a:p>
             <a:fld id="{5BCAD085-E8A6-8845-BD4E-CB4CCA059FC4}" type="datetimeFigureOut">
               <a:rPr lang="en-US" smtClean="0"/>
-              <a:t>1/27/13</a:t>
+              <a:t>1/1/2026</a:t>
             </a:fld>
             <a:endParaRPr lang="en-US"/>
           </a:p>
@@ -1390,7 +1397,7 @@
           <a:p>
             <a:fld id="{C1FF6DA9-008F-8B48-92A6-B652298478BF}" type="slidenum">
               <a:rPr lang="en-US" smtClean="0"/>
-              <a:t>‹#›</a:t>
+              <a:t>‹Nº›</a:t>
             </a:fld>
             <a:endParaRPr lang="en-US"/>
           </a:p>
@@ -1446,10 +1453,9 @@
           </a:lstStyle>
           <a:p>
             <a:r>
-              <a:rPr lang="en-US" smtClean="0"/>
+              <a:rPr lang="en-US"/>
               <a:t>Click to edit Master title style</a:t>
             </a:r>
-            <a:endParaRPr lang="en-US"/>
           </a:p>
         </p:txBody>
       </p:sp>
@@ -1512,7 +1518,7 @@
           <a:p>
             <a:pPr lvl="0"/>
             <a:r>
-              <a:rPr lang="en-US" smtClean="0"/>
+              <a:rPr lang="en-US"/>
               <a:t>Click to edit Master text styles</a:t>
             </a:r>
           </a:p>
@@ -1568,38 +1574,37 @@
           <a:p>
             <a:pPr lvl="0"/>
             <a:r>
-              <a:rPr lang="en-US" smtClean="0"/>
+              <a:rPr lang="en-US"/>
               <a:t>Click to edit Master text styles</a:t>
             </a:r>
           </a:p>
           <a:p>
             <a:pPr lvl="1"/>
             <a:r>
-              <a:rPr lang="en-US" smtClean="0"/>
+              <a:rPr lang="en-US"/>
               <a:t>Second level</a:t>
             </a:r>
           </a:p>
           <a:p>
             <a:pPr lvl="2"/>
             <a:r>
-              <a:rPr lang="en-US" smtClean="0"/>
+              <a:rPr lang="en-US"/>
               <a:t>Third level</a:t>
             </a:r>
           </a:p>
           <a:p>
             <a:pPr lvl="3"/>
             <a:r>
-              <a:rPr lang="en-US" smtClean="0"/>
+              <a:rPr lang="en-US"/>
               <a:t>Fourth level</a:t>
             </a:r>
           </a:p>
           <a:p>
             <a:pPr lvl="4"/>
             <a:r>
-              <a:rPr lang="en-US" smtClean="0"/>
+              <a:rPr lang="en-US"/>
               <a:t>Fifth level</a:t>
             </a:r>
-            <a:endParaRPr lang="en-US"/>
           </a:p>
         </p:txBody>
       </p:sp>
@@ -1662,7 +1667,7 @@
           <a:p>
             <a:pPr lvl="0"/>
             <a:r>
-              <a:rPr lang="en-US" smtClean="0"/>
+              <a:rPr lang="en-US"/>
               <a:t>Click to edit Master text styles</a:t>
             </a:r>
           </a:p>
@@ -1718,38 +1723,37 @@
           <a:p>
             <a:pPr lvl="0"/>
             <a:r>
-              <a:rPr lang="en-US" smtClean="0"/>
+              <a:rPr lang="en-US"/>
               <a:t>Click to edit Master text styles</a:t>
             </a:r>
           </a:p>
           <a:p>
             <a:pPr lvl="1"/>
             <a:r>
-              <a:rPr lang="en-US" smtClean="0"/>
+              <a:rPr lang="en-US"/>
               <a:t>Second level</a:t>
             </a:r>
           </a:p>
           <a:p>
             <a:pPr lvl="2"/>
             <a:r>
-              <a:rPr lang="en-US" smtClean="0"/>
+              <a:rPr lang="en-US"/>
               <a:t>Third level</a:t>
             </a:r>
           </a:p>
           <a:p>
             <a:pPr lvl="3"/>
             <a:r>
-              <a:rPr lang="en-US" smtClean="0"/>
+              <a:rPr lang="en-US"/>
               <a:t>Fourth level</a:t>
             </a:r>
           </a:p>
           <a:p>
             <a:pPr lvl="4"/>
             <a:r>
-              <a:rPr lang="en-US" smtClean="0"/>
+              <a:rPr lang="en-US"/>
               <a:t>Fifth level</a:t>
             </a:r>
-            <a:endParaRPr lang="en-US"/>
           </a:p>
         </p:txBody>
       </p:sp>
@@ -1770,7 +1774,7 @@
           <a:p>
             <a:fld id="{5BCAD085-E8A6-8845-BD4E-CB4CCA059FC4}" type="datetimeFigureOut">
               <a:rPr lang="en-US" smtClean="0"/>
-              <a:t>1/27/13</a:t>
+              <a:t>1/1/2026</a:t>
             </a:fld>
             <a:endParaRPr lang="en-US"/>
           </a:p>
@@ -1812,7 +1816,7 @@
           <a:p>
             <a:fld id="{C1FF6DA9-008F-8B48-92A6-B652298478BF}" type="slidenum">
               <a:rPr lang="en-US" smtClean="0"/>
-              <a:t>‹#›</a:t>
+              <a:t>‹Nº›</a:t>
             </a:fld>
             <a:endParaRPr lang="en-US"/>
           </a:p>
@@ -1864,10 +1868,9 @@
           <a:lstStyle/>
           <a:p>
             <a:r>
-              <a:rPr lang="en-US" smtClean="0"/>
+              <a:rPr lang="en-US"/>
               <a:t>Click to edit Master title style</a:t>
             </a:r>
-            <a:endParaRPr lang="en-US"/>
           </a:p>
         </p:txBody>
       </p:sp>
@@ -1888,7 +1891,7 @@
           <a:p>
             <a:fld id="{5BCAD085-E8A6-8845-BD4E-CB4CCA059FC4}" type="datetimeFigureOut">
               <a:rPr lang="en-US" smtClean="0"/>
-              <a:t>1/27/13</a:t>
+              <a:t>1/1/2026</a:t>
             </a:fld>
             <a:endParaRPr lang="en-US"/>
           </a:p>
@@ -1930,7 +1933,7 @@
           <a:p>
             <a:fld id="{C1FF6DA9-008F-8B48-92A6-B652298478BF}" type="slidenum">
               <a:rPr lang="en-US" smtClean="0"/>
-              <a:t>‹#›</a:t>
+              <a:t>‹Nº›</a:t>
             </a:fld>
             <a:endParaRPr lang="en-US"/>
           </a:p>
@@ -1983,7 +1986,7 @@
           <a:p>
             <a:fld id="{5BCAD085-E8A6-8845-BD4E-CB4CCA059FC4}" type="datetimeFigureOut">
               <a:rPr lang="en-US" smtClean="0"/>
-              <a:t>1/27/13</a:t>
+              <a:t>1/1/2026</a:t>
             </a:fld>
             <a:endParaRPr lang="en-US"/>
           </a:p>
@@ -2025,7 +2028,7 @@
           <a:p>
             <a:fld id="{C1FF6DA9-008F-8B48-92A6-B652298478BF}" type="slidenum">
               <a:rPr lang="en-US" smtClean="0"/>
-              <a:t>‹#›</a:t>
+              <a:t>‹Nº›</a:t>
             </a:fld>
             <a:endParaRPr lang="en-US"/>
           </a:p>
@@ -2086,10 +2089,9 @@
           </a:lstStyle>
           <a:p>
             <a:r>
-              <a:rPr lang="en-US" smtClean="0"/>
+              <a:rPr lang="en-US"/>
               <a:t>Click to edit Master title style</a:t>
             </a:r>
-            <a:endParaRPr lang="en-US"/>
           </a:p>
         </p:txBody>
       </p:sp>
@@ -2143,38 +2145,37 @@
           <a:p>
             <a:pPr lvl="0"/>
             <a:r>
-              <a:rPr lang="en-US" smtClean="0"/>
+              <a:rPr lang="en-US"/>
               <a:t>Click to edit Master text styles</a:t>
             </a:r>
           </a:p>
           <a:p>
             <a:pPr lvl="1"/>
             <a:r>
-              <a:rPr lang="en-US" smtClean="0"/>
+              <a:rPr lang="en-US"/>
               <a:t>Second level</a:t>
             </a:r>
           </a:p>
           <a:p>
             <a:pPr lvl="2"/>
             <a:r>
-              <a:rPr lang="en-US" smtClean="0"/>
+              <a:rPr lang="en-US"/>
               <a:t>Third level</a:t>
             </a:r>
           </a:p>
           <a:p>
             <a:pPr lvl="3"/>
             <a:r>
-              <a:rPr lang="en-US" smtClean="0"/>
+              <a:rPr lang="en-US"/>
               <a:t>Fourth level</a:t>
             </a:r>
           </a:p>
           <a:p>
             <a:pPr lvl="4"/>
             <a:r>
-              <a:rPr lang="en-US" smtClean="0"/>
+              <a:rPr lang="en-US"/>
               <a:t>Fifth level</a:t>
             </a:r>
-            <a:endParaRPr lang="en-US"/>
           </a:p>
         </p:txBody>
       </p:sp>
@@ -2237,7 +2238,7 @@
           <a:p>
             <a:pPr lvl="0"/>
             <a:r>
-              <a:rPr lang="en-US" smtClean="0"/>
+              <a:rPr lang="en-US"/>
               <a:t>Click to edit Master text styles</a:t>
             </a:r>
           </a:p>
@@ -2260,7 +2261,7 @@
           <a:p>
             <a:fld id="{5BCAD085-E8A6-8845-BD4E-CB4CCA059FC4}" type="datetimeFigureOut">
               <a:rPr lang="en-US" smtClean="0"/>
-              <a:t>1/27/13</a:t>
+              <a:t>1/1/2026</a:t>
             </a:fld>
             <a:endParaRPr lang="en-US"/>
           </a:p>
@@ -2302,7 +2303,7 @@
           <a:p>
             <a:fld id="{C1FF6DA9-008F-8B48-92A6-B652298478BF}" type="slidenum">
               <a:rPr lang="en-US" smtClean="0"/>
-              <a:t>‹#›</a:t>
+              <a:t>‹Nº›</a:t>
             </a:fld>
             <a:endParaRPr lang="en-US"/>
           </a:p>
@@ -2363,10 +2364,9 @@
           </a:lstStyle>
           <a:p>
             <a:r>
-              <a:rPr lang="en-US" smtClean="0"/>
+              <a:rPr lang="en-US"/>
               <a:t>Click to edit Master title style</a:t>
             </a:r>
-            <a:endParaRPr lang="en-US"/>
           </a:p>
         </p:txBody>
       </p:sp>
@@ -2490,7 +2490,7 @@
           <a:p>
             <a:pPr lvl="0"/>
             <a:r>
-              <a:rPr lang="en-US" smtClean="0"/>
+              <a:rPr lang="en-US"/>
               <a:t>Click to edit Master text styles</a:t>
             </a:r>
           </a:p>
@@ -2513,7 +2513,7 @@
           <a:p>
             <a:fld id="{5BCAD085-E8A6-8845-BD4E-CB4CCA059FC4}" type="datetimeFigureOut">
               <a:rPr lang="en-US" smtClean="0"/>
-              <a:t>1/27/13</a:t>
+              <a:t>1/1/2026</a:t>
             </a:fld>
             <a:endParaRPr lang="en-US"/>
           </a:p>
@@ -2555,7 +2555,7 @@
           <a:p>
             <a:fld id="{C1FF6DA9-008F-8B48-92A6-B652298478BF}" type="slidenum">
               <a:rPr lang="en-US" smtClean="0"/>
-              <a:t>‹#›</a:t>
+              <a:t>‹Nº›</a:t>
             </a:fld>
             <a:endParaRPr lang="en-US"/>
           </a:p>
@@ -2622,10 +2622,9 @@
           <a:lstStyle/>
           <a:p>
             <a:r>
-              <a:rPr lang="en-US" smtClean="0"/>
+              <a:rPr lang="en-US"/>
               <a:t>Click to edit Master title style</a:t>
             </a:r>
-            <a:endParaRPr lang="en-US"/>
           </a:p>
         </p:txBody>
       </p:sp>
@@ -2656,38 +2655,37 @@
           <a:p>
             <a:pPr lvl="0"/>
             <a:r>
-              <a:rPr lang="en-US" smtClean="0"/>
+              <a:rPr lang="en-US"/>
               <a:t>Click to edit Master text styles</a:t>
             </a:r>
           </a:p>
           <a:p>
             <a:pPr lvl="1"/>
             <a:r>
-              <a:rPr lang="en-US" smtClean="0"/>
+              <a:rPr lang="en-US"/>
               <a:t>Second level</a:t>
             </a:r>
           </a:p>
           <a:p>
             <a:pPr lvl="2"/>
             <a:r>
-              <a:rPr lang="en-US" smtClean="0"/>
+              <a:rPr lang="en-US"/>
               <a:t>Third level</a:t>
             </a:r>
           </a:p>
           <a:p>
             <a:pPr lvl="3"/>
             <a:r>
-              <a:rPr lang="en-US" smtClean="0"/>
+              <a:rPr lang="en-US"/>
               <a:t>Fourth level</a:t>
             </a:r>
           </a:p>
           <a:p>
             <a:pPr lvl="4"/>
             <a:r>
-              <a:rPr lang="en-US" smtClean="0"/>
+              <a:rPr lang="en-US"/>
               <a:t>Fifth level</a:t>
             </a:r>
-            <a:endParaRPr lang="en-US"/>
           </a:p>
         </p:txBody>
       </p:sp>
@@ -2726,7 +2724,7 @@
           <a:p>
             <a:fld id="{5BCAD085-E8A6-8845-BD4E-CB4CCA059FC4}" type="datetimeFigureOut">
               <a:rPr lang="en-US" smtClean="0"/>
-              <a:t>1/27/13</a:t>
+              <a:t>1/1/2026</a:t>
             </a:fld>
             <a:endParaRPr lang="en-US"/>
           </a:p>
@@ -2804,7 +2802,7 @@
           <a:p>
             <a:fld id="{C1FF6DA9-008F-8B48-92A6-B652298478BF}" type="slidenum">
               <a:rPr lang="en-US" smtClean="0"/>
-              <a:t>‹#›</a:t>
+              <a:t>‹Nº›</a:t>
             </a:fld>
             <a:endParaRPr lang="en-US"/>
           </a:p>
@@ -3085,7 +3083,7 @@
 </file>
 
 <file path=ppt/slides/slide1.xml><?xml version="1.0" encoding="utf-8"?>
-<p:sld xmlns:a="http://schemas.openxmlformats.org/drawingml/2006/main" xmlns:p="http://schemas.openxmlformats.org/presentationml/2006/main" xmlns:r="http://schemas.openxmlformats.org/officeDocument/2006/relationships">
+<p:sld xmlns:a="http://schemas.openxmlformats.org/drawingml/2006/main" xmlns:r="http://schemas.openxmlformats.org/officeDocument/2006/relationships" xmlns:p="http://schemas.openxmlformats.org/presentationml/2006/main">
   <p:cSld>
     <p:bg>
       <p:bgPr>
@@ -3101,7 +3099,14 @@
         <p:cNvGrpSpPr/>
         <p:nvPr/>
       </p:nvGrpSpPr>
-      <p:grpSpPr/>
+      <p:grpSpPr>
+        <a:xfrm>
+          <a:off x="0" y="0"/>
+          <a:ext cx="0" cy="0"/>
+          <a:chOff x="0" y="0"/>
+          <a:chExt cx="0" cy="0"/>
+        </a:xfrm>
+      </p:grpSpPr>
       <p:sp>
         <p:nvSpPr>
           <p:cNvPr id="2" name="TextBox 1"/>
@@ -3110,8 +3115,8 @@
         </p:nvSpPr>
         <p:spPr>
           <a:xfrm>
-            <a:off x="457200" y="2286000"/>
-            <a:ext cx="8229600" cy="1371600"/>
+            <a:off x="-139126" y="2286000"/>
+            <a:ext cx="8229600" cy="1015663"/>
           </a:xfrm>
           <a:prstGeom prst="rect">
             <a:avLst/>
@@ -3132,7 +3137,12 @@
               </a:defRPr>
             </a:pPr>
             <a:r>
-              <a:t>CineData 🎬</a:t>
+              <a:rPr lang="es-ES" noProof="0" dirty="0" err="1"/>
+              <a:t>CineData</a:t>
+            </a:r>
+            <a:r>
+              <a:rPr lang="es-ES" noProof="0" dirty="0"/>
+              <a:t> </a:t>
             </a:r>
           </a:p>
         </p:txBody>
@@ -3167,11 +3177,42 @@
               </a:defRPr>
             </a:pPr>
             <a:r>
+              <a:rPr lang="es-ES" noProof="0" dirty="0"/>
               <a:t>Plataforma de Gestión de Películas con Autenticación JWT</a:t>
             </a:r>
           </a:p>
         </p:txBody>
       </p:sp>
+      <p:pic>
+        <p:nvPicPr>
+          <p:cNvPr id="5" name="Imagen 4" descr="Logotipo&#10;&#10;El contenido generado por IA puede ser incorrecto.">
+            <a:extLst>
+              <a:ext uri="{FF2B5EF4-FFF2-40B4-BE49-F238E27FC236}">
+                <a16:creationId xmlns:a16="http://schemas.microsoft.com/office/drawing/2014/main" id="{9EDD4980-F9DA-6CCE-90EB-812D03E9775A}"/>
+              </a:ext>
+            </a:extLst>
+          </p:cNvPr>
+          <p:cNvPicPr>
+            <a:picLocks noChangeAspect="1"/>
+          </p:cNvPicPr>
+          <p:nvPr/>
+        </p:nvPicPr>
+        <p:blipFill>
+          <a:blip r:embed="rId2"/>
+          <a:stretch>
+            <a:fillRect/>
+          </a:stretch>
+        </p:blipFill>
+        <p:spPr>
+          <a:xfrm>
+            <a:off x="5474725" y="1963648"/>
+            <a:ext cx="1660366" cy="1660366"/>
+          </a:xfrm>
+          <a:prstGeom prst="rect">
+            <a:avLst/>
+          </a:prstGeom>
+        </p:spPr>
+      </p:pic>
     </p:spTree>
   </p:cSld>
   <p:clrMapOvr>
@@ -3180,27 +3221,38 @@
 </p:sld>
 </file>
 
-<file path=ppt/slides/slide2.xml><?xml version="1.0" encoding="utf-8"?>
-<p:sld xmlns:a="http://schemas.openxmlformats.org/drawingml/2006/main" xmlns:p="http://schemas.openxmlformats.org/presentationml/2006/main" xmlns:r="http://schemas.openxmlformats.org/officeDocument/2006/relationships">
+<file path=ppt/slides/slide10.xml><?xml version="1.0" encoding="utf-8"?>
+<p:sld xmlns:a="http://schemas.openxmlformats.org/drawingml/2006/main" xmlns:r="http://schemas.openxmlformats.org/officeDocument/2006/relationships" xmlns:p="http://schemas.openxmlformats.org/presentationml/2006/main">
   <p:cSld>
-    <p:bg>
-      <p:bgPr>
-        <a:solidFill>
-          <a:srgbClr val="FFFFFF"/>
-        </a:solidFill>
-        <a:effectLst/>
-      </p:bgPr>
-    </p:bg>
     <p:spTree>
       <p:nvGrpSpPr>
-        <p:cNvPr id="1" name=""/>
+        <p:cNvPr id="1" name="">
+          <a:extLst>
+            <a:ext uri="{FF2B5EF4-FFF2-40B4-BE49-F238E27FC236}">
+              <a16:creationId xmlns:a16="http://schemas.microsoft.com/office/drawing/2014/main" id="{35A3F220-0603-5F30-28C4-579FEF38599B}"/>
+            </a:ext>
+          </a:extLst>
+        </p:cNvPr>
         <p:cNvGrpSpPr/>
         <p:nvPr/>
       </p:nvGrpSpPr>
-      <p:grpSpPr/>
-      <p:sp>
-        <p:nvSpPr>
-          <p:cNvPr id="2" name="Rectangle 1"/>
+      <p:grpSpPr>
+        <a:xfrm>
+          <a:off x="0" y="0"/>
+          <a:ext cx="0" cy="0"/>
+          <a:chOff x="0" y="0"/>
+          <a:chExt cx="0" cy="0"/>
+        </a:xfrm>
+      </p:grpSpPr>
+      <p:sp>
+        <p:nvSpPr>
+          <p:cNvPr id="2" name="Rectangle 1">
+            <a:extLst>
+              <a:ext uri="{FF2B5EF4-FFF2-40B4-BE49-F238E27FC236}">
+                <a16:creationId xmlns:a16="http://schemas.microsoft.com/office/drawing/2014/main" id="{ED8647A7-3294-C9F2-51E8-873C2F53FE38}"/>
+              </a:ext>
+            </a:extLst>
+          </p:cNvPr>
           <p:cNvSpPr/>
           <p:nvPr/>
         </p:nvSpPr>
@@ -3240,19 +3292,26 @@
           <a:lstStyle/>
           <a:p>
             <a:pPr algn="ctr"/>
-          </a:p>
-        </p:txBody>
-      </p:sp>
-      <p:sp>
-        <p:nvSpPr>
-          <p:cNvPr id="3" name="TextBox 2"/>
+            <a:endParaRPr lang="es-ES" noProof="0" dirty="0"/>
+          </a:p>
+        </p:txBody>
+      </p:sp>
+      <p:sp>
+        <p:nvSpPr>
+          <p:cNvPr id="3" name="TextBox 2">
+            <a:extLst>
+              <a:ext uri="{FF2B5EF4-FFF2-40B4-BE49-F238E27FC236}">
+                <a16:creationId xmlns:a16="http://schemas.microsoft.com/office/drawing/2014/main" id="{8D7F5321-5508-4318-E87F-3A4DF4D6FDE2}"/>
+              </a:ext>
+            </a:extLst>
+          </p:cNvPr>
           <p:cNvSpPr txBox="1"/>
           <p:nvPr/>
         </p:nvSpPr>
         <p:spPr>
           <a:xfrm>
             <a:off x="457200" y="182880"/>
-            <a:ext cx="8229600" cy="731520"/>
+            <a:ext cx="2970685" cy="707886"/>
           </a:xfrm>
           <a:prstGeom prst="rect">
             <a:avLst/>
@@ -3273,21 +3332,28 @@
               </a:defRPr>
             </a:pPr>
             <a:r>
-              <a:t>Objetivo Principal</a:t>
-            </a:r>
-          </a:p>
-        </p:txBody>
-      </p:sp>
-      <p:sp>
-        <p:nvSpPr>
-          <p:cNvPr id="4" name="TextBox 3"/>
+              <a:rPr lang="es-ES" noProof="0" dirty="0"/>
+              <a:t>Conclusiones</a:t>
+            </a:r>
+          </a:p>
+        </p:txBody>
+      </p:sp>
+      <p:sp>
+        <p:nvSpPr>
+          <p:cNvPr id="4" name="TextBox 3">
+            <a:extLst>
+              <a:ext uri="{FF2B5EF4-FFF2-40B4-BE49-F238E27FC236}">
+                <a16:creationId xmlns:a16="http://schemas.microsoft.com/office/drawing/2014/main" id="{3CEE87F1-C3CF-0766-025D-C5E82EE7C11E}"/>
+              </a:ext>
+            </a:extLst>
+          </p:cNvPr>
           <p:cNvSpPr txBox="1"/>
           <p:nvPr/>
         </p:nvSpPr>
         <p:spPr>
           <a:xfrm>
             <a:off x="548640" y="1097280"/>
-            <a:ext cx="8046720" cy="5303520"/>
+            <a:ext cx="8046720" cy="2323713"/>
           </a:xfrm>
           <a:prstGeom prst="rect">
             <a:avLst/>
@@ -3314,360 +3380,145 @@
               </a:defRPr>
             </a:pPr>
             <a:r>
-              <a:t>🎯 OBJETIVO PRINCIPAL:</a:t>
-            </a:r>
-          </a:p>
-          <a:p>
-            <a:pPr>
-              <a:spcBef>
-                <a:spcPts val="400"/>
-              </a:spcBef>
-              <a:spcAft>
-                <a:spcPts val="400"/>
-              </a:spcAft>
-              <a:defRPr sz="1500">
-                <a:solidFill>
-                  <a:srgbClr val="323232"/>
-                </a:solidFill>
-              </a:defRPr>
-            </a:pPr>
-          </a:p>
-          <a:p>
-            <a:pPr>
-              <a:spcBef>
-                <a:spcPts val="400"/>
-              </a:spcBef>
-              <a:spcAft>
-                <a:spcPts val="400"/>
-              </a:spcAft>
-              <a:defRPr sz="1500">
-                <a:solidFill>
-                  <a:srgbClr val="323232"/>
-                </a:solidFill>
-              </a:defRPr>
-            </a:pPr>
-            <a:r>
-              <a:t>Desarrollar una plataforma web completa y funcional que permita a los</a:t>
-            </a:r>
-          </a:p>
-          <a:p>
-            <a:pPr>
-              <a:spcBef>
-                <a:spcPts val="400"/>
-              </a:spcBef>
-              <a:spcAft>
-                <a:spcPts val="400"/>
-              </a:spcAft>
-              <a:defRPr sz="1500">
-                <a:solidFill>
-                  <a:srgbClr val="323232"/>
-                </a:solidFill>
-              </a:defRPr>
-            </a:pPr>
-            <a:r>
-              <a:t>usuarios explorar un catálogo de películas, buscar por criterios</a:t>
-            </a:r>
-          </a:p>
-          <a:p>
-            <a:pPr>
-              <a:spcBef>
-                <a:spcPts val="400"/>
-              </a:spcBef>
-              <a:spcAft>
-                <a:spcPts val="400"/>
-              </a:spcAft>
-              <a:defRPr sz="1500">
-                <a:solidFill>
-                  <a:srgbClr val="323232"/>
-                </a:solidFill>
-              </a:defRPr>
-            </a:pPr>
-            <a:r>
-              <a:t>específicos y gestionar sus películas favoritas, con un sistema de</a:t>
-            </a:r>
-          </a:p>
-          <a:p>
-            <a:pPr>
-              <a:spcBef>
-                <a:spcPts val="400"/>
-              </a:spcBef>
-              <a:spcAft>
-                <a:spcPts val="400"/>
-              </a:spcAft>
-              <a:defRPr sz="1500">
-                <a:solidFill>
-                  <a:srgbClr val="323232"/>
-                </a:solidFill>
-              </a:defRPr>
-            </a:pPr>
-            <a:r>
-              <a:t>autenticación seguro basado en JWT.</a:t>
-            </a:r>
-          </a:p>
-          <a:p>
-            <a:pPr>
-              <a:spcBef>
-                <a:spcPts val="400"/>
-              </a:spcBef>
-              <a:spcAft>
-                <a:spcPts val="400"/>
-              </a:spcAft>
-              <a:defRPr sz="1500">
-                <a:solidFill>
-                  <a:srgbClr val="323232"/>
-                </a:solidFill>
-              </a:defRPr>
-            </a:pPr>
-          </a:p>
-          <a:p>
-            <a:pPr>
-              <a:spcBef>
-                <a:spcPts val="400"/>
-              </a:spcBef>
-              <a:spcAft>
-                <a:spcPts val="400"/>
-              </a:spcAft>
-              <a:defRPr sz="1500">
-                <a:solidFill>
-                  <a:srgbClr val="323232"/>
-                </a:solidFill>
-              </a:defRPr>
-            </a:pPr>
-            <a:r>
-              <a:t>🎬 VISIÓN DEL PROYECTO:</a:t>
-            </a:r>
-          </a:p>
-          <a:p>
-            <a:pPr>
-              <a:spcBef>
-                <a:spcPts val="400"/>
-              </a:spcBef>
-              <a:spcAft>
-                <a:spcPts val="400"/>
-              </a:spcAft>
-              <a:defRPr sz="1500">
-                <a:solidFill>
-                  <a:srgbClr val="323232"/>
-                </a:solidFill>
-              </a:defRPr>
-            </a:pPr>
-          </a:p>
-          <a:p>
-            <a:pPr>
-              <a:spcBef>
-                <a:spcPts val="400"/>
-              </a:spcBef>
-              <a:spcAft>
-                <a:spcPts val="400"/>
-              </a:spcAft>
-              <a:defRPr sz="1500">
-                <a:solidFill>
-                  <a:srgbClr val="323232"/>
-                </a:solidFill>
-              </a:defRPr>
-            </a:pPr>
-            <a:r>
-              <a:t>Crear un sistema escalable de microservicios que demuestre:</a:t>
-            </a:r>
-          </a:p>
-          <a:p>
-            <a:pPr>
-              <a:spcBef>
-                <a:spcPts val="400"/>
-              </a:spcBef>
-              <a:spcAft>
-                <a:spcPts val="400"/>
-              </a:spcAft>
-              <a:defRPr sz="1500">
-                <a:solidFill>
-                  <a:srgbClr val="323232"/>
-                </a:solidFill>
-              </a:defRPr>
-            </a:pPr>
-            <a:r>
-              <a:t>  • Integración de múltiples tecnologías (Python + Node.js)</a:t>
-            </a:r>
-          </a:p>
-          <a:p>
-            <a:pPr>
-              <a:spcBef>
-                <a:spcPts val="400"/>
-              </a:spcBef>
-              <a:spcAft>
-                <a:spcPts val="400"/>
-              </a:spcAft>
-              <a:defRPr sz="1500">
-                <a:solidFill>
-                  <a:srgbClr val="323232"/>
-                </a:solidFill>
-              </a:defRPr>
-            </a:pPr>
-            <a:r>
-              <a:t>  • Implementación de seguridad en producción (JWT, bcrypt)</a:t>
-            </a:r>
-          </a:p>
-          <a:p>
-            <a:pPr>
-              <a:spcBef>
-                <a:spcPts val="400"/>
-              </a:spcBef>
-              <a:spcAft>
-                <a:spcPts val="400"/>
-              </a:spcAft>
-              <a:defRPr sz="1500">
-                <a:solidFill>
-                  <a:srgbClr val="323232"/>
-                </a:solidFill>
-              </a:defRPr>
-            </a:pPr>
-            <a:r>
-              <a:t>  • Buenas prácticas de arquitectura (separación de responsabilidades)</a:t>
-            </a:r>
-          </a:p>
-          <a:p>
-            <a:pPr>
-              <a:spcBef>
-                <a:spcPts val="400"/>
-              </a:spcBef>
-              <a:spcAft>
-                <a:spcPts val="400"/>
-              </a:spcAft>
-              <a:defRPr sz="1500">
-                <a:solidFill>
-                  <a:srgbClr val="323232"/>
-                </a:solidFill>
-              </a:defRPr>
-            </a:pPr>
-            <a:r>
-              <a:t>  • Automatización con Docker (containerización y orquestación)</a:t>
-            </a:r>
-          </a:p>
-          <a:p>
-            <a:pPr>
-              <a:spcBef>
-                <a:spcPts val="400"/>
-              </a:spcBef>
-              <a:spcAft>
-                <a:spcPts val="400"/>
-              </a:spcAft>
-              <a:defRPr sz="1500">
-                <a:solidFill>
-                  <a:srgbClr val="323232"/>
-                </a:solidFill>
-              </a:defRPr>
-            </a:pPr>
-            <a:r>
-              <a:t>  • Experiencia de usuario moderna (React SPA)</a:t>
-            </a:r>
-          </a:p>
-          <a:p>
-            <a:pPr>
-              <a:spcBef>
-                <a:spcPts val="400"/>
-              </a:spcBef>
-              <a:spcAft>
-                <a:spcPts val="400"/>
-              </a:spcAft>
-              <a:defRPr sz="1500">
-                <a:solidFill>
-                  <a:srgbClr val="323232"/>
-                </a:solidFill>
-              </a:defRPr>
-            </a:pPr>
-          </a:p>
-          <a:p>
-            <a:pPr>
-              <a:spcBef>
-                <a:spcPts val="400"/>
-              </a:spcBef>
-              <a:spcAft>
-                <a:spcPts val="400"/>
-              </a:spcAft>
-              <a:defRPr sz="1500">
-                <a:solidFill>
-                  <a:srgbClr val="323232"/>
-                </a:solidFill>
-              </a:defRPr>
-            </a:pPr>
-            <a:r>
-              <a:t>🎓 COMPETENCIAS DEMOSTRADAS:</a:t>
-            </a:r>
-          </a:p>
-          <a:p>
-            <a:pPr>
-              <a:spcBef>
-                <a:spcPts val="400"/>
-              </a:spcBef>
-              <a:spcAft>
-                <a:spcPts val="400"/>
-              </a:spcAft>
-              <a:defRPr sz="1500">
-                <a:solidFill>
-                  <a:srgbClr val="323232"/>
-                </a:solidFill>
-              </a:defRPr>
-            </a:pPr>
-            <a:r>
-              <a:t>  • Full-Stack Development: Backend + Frontend</a:t>
-            </a:r>
-          </a:p>
-          <a:p>
-            <a:pPr>
-              <a:spcBef>
-                <a:spcPts val="400"/>
-              </a:spcBef>
-              <a:spcAft>
-                <a:spcPts val="400"/>
-              </a:spcAft>
-              <a:defRPr sz="1500">
-                <a:solidFill>
-                  <a:srgbClr val="323232"/>
-                </a:solidFill>
-              </a:defRPr>
-            </a:pPr>
-            <a:r>
-              <a:t>  • Microservicios y APIs REST</a:t>
-            </a:r>
-          </a:p>
-          <a:p>
-            <a:pPr>
-              <a:spcBef>
-                <a:spcPts val="400"/>
-              </a:spcBef>
-              <a:spcAft>
-                <a:spcPts val="400"/>
-              </a:spcAft>
-              <a:defRPr sz="1500">
-                <a:solidFill>
-                  <a:srgbClr val="323232"/>
-                </a:solidFill>
-              </a:defRPr>
-            </a:pPr>
-            <a:r>
-              <a:t>  • Gestión de datos en múltiples BD (MongoDB + MySQL)</a:t>
-            </a:r>
-          </a:p>
-          <a:p>
-            <a:pPr>
-              <a:spcBef>
-                <a:spcPts val="400"/>
-              </a:spcBef>
-              <a:spcAft>
-                <a:spcPts val="400"/>
-              </a:spcAft>
-              <a:defRPr sz="1500">
-                <a:solidFill>
-                  <a:srgbClr val="323232"/>
-                </a:solidFill>
-              </a:defRPr>
-            </a:pPr>
-            <a:r>
-              <a:t>  • DevOps: Docker, Docker Compose</a:t>
+              <a:rPr lang="es-ES" sz="1600" b="1" noProof="0" dirty="0"/>
+              <a:t>CONCLUSIONES:</a:t>
+            </a:r>
+          </a:p>
+          <a:p>
+            <a:pPr>
+              <a:spcBef>
+                <a:spcPts val="400"/>
+              </a:spcBef>
+              <a:spcAft>
+                <a:spcPts val="400"/>
+              </a:spcAft>
+              <a:defRPr sz="1500">
+                <a:solidFill>
+                  <a:srgbClr val="323232"/>
+                </a:solidFill>
+              </a:defRPr>
+            </a:pPr>
+            <a:r>
+              <a:rPr lang="es-ES" noProof="0" dirty="0"/>
+              <a:t>  • Plataforma FUNCIONAL y lista para producción</a:t>
+            </a:r>
+          </a:p>
+          <a:p>
+            <a:pPr>
+              <a:spcBef>
+                <a:spcPts val="400"/>
+              </a:spcBef>
+              <a:spcAft>
+                <a:spcPts val="400"/>
+              </a:spcAft>
+              <a:defRPr sz="1500">
+                <a:solidFill>
+                  <a:srgbClr val="323232"/>
+                </a:solidFill>
+              </a:defRPr>
+            </a:pPr>
+            <a:r>
+              <a:rPr lang="es-ES" noProof="0" dirty="0"/>
+              <a:t>  • </a:t>
+            </a:r>
+            <a:r>
+              <a:rPr lang="es-ES" noProof="0" dirty="0" err="1"/>
+              <a:t>Stack</a:t>
+            </a:r>
+            <a:r>
+              <a:rPr lang="es-ES" noProof="0" dirty="0"/>
+              <a:t> MODERNO y ESCALABLE</a:t>
+            </a:r>
+          </a:p>
+          <a:p>
+            <a:pPr>
+              <a:spcBef>
+                <a:spcPts val="400"/>
+              </a:spcBef>
+              <a:spcAft>
+                <a:spcPts val="400"/>
+              </a:spcAft>
+              <a:defRPr sz="1500">
+                <a:solidFill>
+                  <a:srgbClr val="323232"/>
+                </a:solidFill>
+              </a:defRPr>
+            </a:pPr>
+            <a:r>
+              <a:rPr lang="es-ES" noProof="0" dirty="0"/>
+              <a:t>  • SEGURIDAD implementada en todos los niveles</a:t>
+            </a:r>
+          </a:p>
+          <a:p>
+            <a:pPr>
+              <a:spcBef>
+                <a:spcPts val="400"/>
+              </a:spcBef>
+              <a:spcAft>
+                <a:spcPts val="400"/>
+              </a:spcAft>
+              <a:defRPr sz="1500">
+                <a:solidFill>
+                  <a:srgbClr val="323232"/>
+                </a:solidFill>
+              </a:defRPr>
+            </a:pPr>
+            <a:r>
+              <a:rPr lang="es-ES" noProof="0" dirty="0"/>
+              <a:t>  • MANTENIBLE y fácil de extender con nuevas </a:t>
+            </a:r>
+            <a:r>
+              <a:rPr lang="es-ES" noProof="0" dirty="0" err="1"/>
+              <a:t>features</a:t>
+            </a:r>
+            <a:endParaRPr lang="es-ES" noProof="0" dirty="0"/>
+          </a:p>
+          <a:p>
+            <a:pPr>
+              <a:spcBef>
+                <a:spcPts val="400"/>
+              </a:spcBef>
+              <a:spcAft>
+                <a:spcPts val="400"/>
+              </a:spcAft>
+              <a:defRPr sz="1500">
+                <a:solidFill>
+                  <a:srgbClr val="323232"/>
+                </a:solidFill>
+              </a:defRPr>
+            </a:pPr>
+            <a:r>
+              <a:rPr lang="es-ES" noProof="0" dirty="0"/>
+              <a:t>  • Demuestra DOMINIO de múltiples tecnologías</a:t>
+            </a:r>
+          </a:p>
+          <a:p>
+            <a:pPr>
+              <a:spcBef>
+                <a:spcPts val="400"/>
+              </a:spcBef>
+              <a:spcAft>
+                <a:spcPts val="400"/>
+              </a:spcAft>
+              <a:defRPr sz="1500">
+                <a:solidFill>
+                  <a:srgbClr val="323232"/>
+                </a:solidFill>
+              </a:defRPr>
+            </a:pPr>
+            <a:r>
+              <a:rPr lang="es-ES" noProof="0" dirty="0"/>
+              <a:t>  • Proyecto que podría comercializarse</a:t>
             </a:r>
           </a:p>
         </p:txBody>
       </p:sp>
     </p:spTree>
+    <p:extLst>
+      <p:ext uri="{BB962C8B-B14F-4D97-AF65-F5344CB8AC3E}">
+        <p14:creationId xmlns:p14="http://schemas.microsoft.com/office/powerpoint/2010/main" val="1227679939"/>
+      </p:ext>
+    </p:extLst>
   </p:cSld>
   <p:clrMapOvr>
     <a:masterClrMapping/>
@@ -3675,8 +3526,8 @@
 </p:sld>
 </file>
 
-<file path=ppt/slides/slide3.xml><?xml version="1.0" encoding="utf-8"?>
-<p:sld xmlns:a="http://schemas.openxmlformats.org/drawingml/2006/main" xmlns:p="http://schemas.openxmlformats.org/presentationml/2006/main" xmlns:r="http://schemas.openxmlformats.org/officeDocument/2006/relationships">
+<file path=ppt/slides/slide2.xml><?xml version="1.0" encoding="utf-8"?>
+<p:sld xmlns:a="http://schemas.openxmlformats.org/drawingml/2006/main" xmlns:r="http://schemas.openxmlformats.org/officeDocument/2006/relationships" xmlns:p="http://schemas.openxmlformats.org/presentationml/2006/main">
   <p:cSld>
     <p:bg>
       <p:bgPr>
@@ -3692,7 +3543,14 @@
         <p:cNvGrpSpPr/>
         <p:nvPr/>
       </p:nvGrpSpPr>
-      <p:grpSpPr/>
+      <p:grpSpPr>
+        <a:xfrm>
+          <a:off x="0" y="0"/>
+          <a:ext cx="0" cy="0"/>
+          <a:chOff x="0" y="0"/>
+          <a:chExt cx="0" cy="0"/>
+        </a:xfrm>
+      </p:grpSpPr>
       <p:sp>
         <p:nvSpPr>
           <p:cNvPr id="2" name="Rectangle 1"/>
@@ -3735,6 +3593,7 @@
           <a:lstStyle/>
           <a:p>
             <a:pPr algn="ctr"/>
+            <a:endParaRPr lang="es-ES" noProof="0" dirty="0"/>
           </a:p>
         </p:txBody>
       </p:sp>
@@ -3768,21 +3627,28 @@
               </a:defRPr>
             </a:pPr>
             <a:r>
-              <a:t>Modelo de Datos</a:t>
-            </a:r>
-          </a:p>
-        </p:txBody>
-      </p:sp>
-      <p:sp>
-        <p:nvSpPr>
-          <p:cNvPr id="4" name="TextBox 3"/>
+              <a:rPr lang="es-ES" noProof="0" dirty="0"/>
+              <a:t>Objetivo Principal</a:t>
+            </a:r>
+          </a:p>
+        </p:txBody>
+      </p:sp>
+      <p:sp>
+        <p:nvSpPr>
+          <p:cNvPr id="5" name="CuadroTexto 4">
+            <a:extLst>
+              <a:ext uri="{FF2B5EF4-FFF2-40B4-BE49-F238E27FC236}">
+                <a16:creationId xmlns:a16="http://schemas.microsoft.com/office/drawing/2014/main" id="{A72361AD-F7B4-EA14-F1F8-2C995085BA1E}"/>
+              </a:ext>
+            </a:extLst>
+          </p:cNvPr>
           <p:cNvSpPr txBox="1"/>
           <p:nvPr/>
         </p:nvSpPr>
         <p:spPr>
           <a:xfrm>
-            <a:off x="548640" y="1097280"/>
-            <a:ext cx="8046720" cy="5303520"/>
+            <a:off x="457200" y="1305341"/>
+            <a:ext cx="8229600" cy="5811847"/>
           </a:xfrm>
           <a:prstGeom prst="rect">
             <a:avLst/>
@@ -3790,7 +3656,7 @@
           <a:noFill/>
         </p:spPr>
         <p:txBody>
-          <a:bodyPr wrap="square">
+          <a:bodyPr wrap="square" rtlCol="0">
             <a:spAutoFit/>
           </a:bodyPr>
           <a:lstStyle/>
@@ -3809,413 +3675,333 @@
               </a:defRPr>
             </a:pPr>
             <a:r>
-              <a:t>📊 MODELO DE DATOS RELACIONAL Y NO-RELACIONAL:</a:t>
-            </a:r>
-          </a:p>
-          <a:p>
-            <a:pPr>
-              <a:spcBef>
-                <a:spcPts val="400"/>
-              </a:spcBef>
-              <a:spcAft>
-                <a:spcPts val="400"/>
-              </a:spcAft>
-              <a:defRPr sz="1500">
-                <a:solidFill>
-                  <a:srgbClr val="323232"/>
-                </a:solidFill>
-              </a:defRPr>
-            </a:pPr>
-          </a:p>
-          <a:p>
-            <a:pPr>
-              <a:spcBef>
-                <a:spcPts val="400"/>
-              </a:spcBef>
-              <a:spcAft>
-                <a:spcPts val="400"/>
-              </a:spcAft>
-              <a:defRPr sz="1500">
-                <a:solidFill>
-                  <a:srgbClr val="323232"/>
-                </a:solidFill>
-              </a:defRPr>
-            </a:pPr>
-            <a:r>
-              <a:t>📀 MONGODB (NoSQL - Usuarios):</a:t>
-            </a:r>
-          </a:p>
-          <a:p>
-            <a:pPr>
-              <a:spcBef>
-                <a:spcPts val="400"/>
-              </a:spcBef>
-              <a:spcAft>
-                <a:spcPts val="400"/>
-              </a:spcAft>
-              <a:defRPr sz="1500">
-                <a:solidFill>
-                  <a:srgbClr val="323232"/>
-                </a:solidFill>
-              </a:defRPr>
-            </a:pPr>
-            <a:r>
-              <a:t>  Colección: users</a:t>
-            </a:r>
-          </a:p>
-          <a:p>
-            <a:pPr>
-              <a:spcBef>
-                <a:spcPts val="400"/>
-              </a:spcBef>
-              <a:spcAft>
-                <a:spcPts val="400"/>
-              </a:spcAft>
-              <a:defRPr sz="1500">
-                <a:solidFill>
-                  <a:srgbClr val="323232"/>
-                </a:solidFill>
-              </a:defRPr>
-            </a:pPr>
-            <a:r>
-              <a:t>  └─ _id: ObjectId</a:t>
-            </a:r>
-          </a:p>
-          <a:p>
-            <a:pPr>
-              <a:spcBef>
-                <a:spcPts val="400"/>
-              </a:spcBef>
-              <a:spcAft>
-                <a:spcPts val="400"/>
-              </a:spcAft>
-              <a:defRPr sz="1500">
-                <a:solidFill>
-                  <a:srgbClr val="323232"/>
-                </a:solidFill>
-              </a:defRPr>
-            </a:pPr>
-            <a:r>
-              <a:t>  └─ email: string (único)</a:t>
-            </a:r>
-          </a:p>
-          <a:p>
-            <a:pPr>
-              <a:spcBef>
-                <a:spcPts val="400"/>
-              </a:spcBef>
-              <a:spcAft>
-                <a:spcPts val="400"/>
-              </a:spcAft>
-              <a:defRPr sz="1500">
-                <a:solidFill>
-                  <a:srgbClr val="323232"/>
-                </a:solidFill>
-              </a:defRPr>
-            </a:pPr>
-            <a:r>
-              <a:t>  └─ password_hash: string (bcrypt)</a:t>
-            </a:r>
-          </a:p>
-          <a:p>
-            <a:pPr>
-              <a:spcBef>
-                <a:spcPts val="400"/>
-              </a:spcBef>
-              <a:spcAft>
-                <a:spcPts val="400"/>
-              </a:spcAft>
-              <a:defRPr sz="1500">
-                <a:solidFill>
-                  <a:srgbClr val="323232"/>
-                </a:solidFill>
-              </a:defRPr>
-            </a:pPr>
-            <a:r>
-              <a:t>  └─ is_admin: boolean</a:t>
-            </a:r>
-          </a:p>
-          <a:p>
-            <a:pPr>
-              <a:spcBef>
-                <a:spcPts val="400"/>
-              </a:spcBef>
-              <a:spcAft>
-                <a:spcPts val="400"/>
-              </a:spcAft>
-              <a:defRPr sz="1500">
-                <a:solidFill>
-                  <a:srgbClr val="323232"/>
-                </a:solidFill>
-              </a:defRPr>
-            </a:pPr>
-            <a:r>
-              <a:t>  └─ favorites: [movie_ids]</a:t>
-            </a:r>
-          </a:p>
-          <a:p>
-            <a:pPr>
-              <a:spcBef>
-                <a:spcPts val="400"/>
-              </a:spcBef>
-              <a:spcAft>
-                <a:spcPts val="400"/>
-              </a:spcAft>
-              <a:defRPr sz="1500">
-                <a:solidFill>
-                  <a:srgbClr val="323232"/>
-                </a:solidFill>
-              </a:defRPr>
-            </a:pPr>
-            <a:r>
-              <a:t>  └─ created_at: timestamp</a:t>
-            </a:r>
-          </a:p>
-          <a:p>
-            <a:pPr>
-              <a:spcBef>
-                <a:spcPts val="400"/>
-              </a:spcBef>
-              <a:spcAft>
-                <a:spcPts val="400"/>
-              </a:spcAft>
-              <a:defRPr sz="1500">
-                <a:solidFill>
-                  <a:srgbClr val="323232"/>
-                </a:solidFill>
-              </a:defRPr>
-            </a:pPr>
-          </a:p>
-          <a:p>
-            <a:pPr>
-              <a:spcBef>
-                <a:spcPts val="400"/>
-              </a:spcBef>
-              <a:spcAft>
-                <a:spcPts val="400"/>
-              </a:spcAft>
-              <a:defRPr sz="1500">
-                <a:solidFill>
-                  <a:srgbClr val="323232"/>
-                </a:solidFill>
-              </a:defRPr>
-            </a:pPr>
-            <a:r>
-              <a:t>🗄️ MYSQL (Relacional - Películas):</a:t>
-            </a:r>
-          </a:p>
-          <a:p>
-            <a:pPr>
-              <a:spcBef>
-                <a:spcPts val="400"/>
-              </a:spcBef>
-              <a:spcAft>
-                <a:spcPts val="400"/>
-              </a:spcAft>
-              <a:defRPr sz="1500">
-                <a:solidFill>
-                  <a:srgbClr val="323232"/>
-                </a:solidFill>
-              </a:defRPr>
-            </a:pPr>
-            <a:r>
-              <a:t>  Tabla: movies</a:t>
-            </a:r>
-          </a:p>
-          <a:p>
-            <a:pPr>
-              <a:spcBef>
-                <a:spcPts val="400"/>
-              </a:spcBef>
-              <a:spcAft>
-                <a:spcPts val="400"/>
-              </a:spcAft>
-              <a:defRPr sz="1500">
-                <a:solidFill>
-                  <a:srgbClr val="323232"/>
-                </a:solidFill>
-              </a:defRPr>
-            </a:pPr>
-            <a:r>
-              <a:t>  └─ id: INT (PK)</a:t>
-            </a:r>
-          </a:p>
-          <a:p>
-            <a:pPr>
-              <a:spcBef>
-                <a:spcPts val="400"/>
-              </a:spcBef>
-              <a:spcAft>
-                <a:spcPts val="400"/>
-              </a:spcAft>
-              <a:defRPr sz="1500">
-                <a:solidFill>
-                  <a:srgbClr val="323232"/>
-                </a:solidFill>
-              </a:defRPr>
-            </a:pPr>
-            <a:r>
-              <a:t>  └─ title: VARCHAR (título)</a:t>
-            </a:r>
-          </a:p>
-          <a:p>
-            <a:pPr>
-              <a:spcBef>
-                <a:spcPts val="400"/>
-              </a:spcBef>
-              <a:spcAft>
-                <a:spcPts val="400"/>
-              </a:spcAft>
-              <a:defRPr sz="1500">
-                <a:solidFill>
-                  <a:srgbClr val="323232"/>
-                </a:solidFill>
-              </a:defRPr>
-            </a:pPr>
-            <a:r>
-              <a:t>  └─ genre: VARCHAR (género)</a:t>
-            </a:r>
-          </a:p>
-          <a:p>
-            <a:pPr>
-              <a:spcBef>
-                <a:spcPts val="400"/>
-              </a:spcBef>
-              <a:spcAft>
-                <a:spcPts val="400"/>
-              </a:spcAft>
-              <a:defRPr sz="1500">
-                <a:solidFill>
-                  <a:srgbClr val="323232"/>
-                </a:solidFill>
-              </a:defRPr>
-            </a:pPr>
-            <a:r>
-              <a:t>  └─ year: INT (año lanzamiento)</a:t>
-            </a:r>
-          </a:p>
-          <a:p>
-            <a:pPr>
-              <a:spcBef>
-                <a:spcPts val="400"/>
-              </a:spcBef>
-              <a:spcAft>
-                <a:spcPts val="400"/>
-              </a:spcAft>
-              <a:defRPr sz="1500">
-                <a:solidFill>
-                  <a:srgbClr val="323232"/>
-                </a:solidFill>
-              </a:defRPr>
-            </a:pPr>
-            <a:r>
-              <a:t>  └─ synopsis: TEXT (sinopsis)</a:t>
-            </a:r>
-          </a:p>
-          <a:p>
-            <a:pPr>
-              <a:spcBef>
-                <a:spcPts val="400"/>
-              </a:spcBef>
-              <a:spcAft>
-                <a:spcPts val="400"/>
-              </a:spcAft>
-              <a:defRPr sz="1500">
-                <a:solidFill>
-                  <a:srgbClr val="323232"/>
-                </a:solidFill>
-              </a:defRPr>
-            </a:pPr>
-            <a:r>
-              <a:t>  └─ created_at: TIMESTAMP</a:t>
-            </a:r>
-          </a:p>
-          <a:p>
-            <a:pPr>
-              <a:spcBef>
-                <a:spcPts val="400"/>
-              </a:spcBef>
-              <a:spcAft>
-                <a:spcPts val="400"/>
-              </a:spcAft>
-              <a:defRPr sz="1500">
-                <a:solidFill>
-                  <a:srgbClr val="323232"/>
-                </a:solidFill>
-              </a:defRPr>
-            </a:pPr>
-          </a:p>
-          <a:p>
-            <a:pPr>
-              <a:spcBef>
-                <a:spcPts val="400"/>
-              </a:spcBef>
-              <a:spcAft>
-                <a:spcPts val="400"/>
-              </a:spcAft>
-              <a:defRPr sz="1500">
-                <a:solidFill>
-                  <a:srgbClr val="323232"/>
-                </a:solidFill>
-              </a:defRPr>
-            </a:pPr>
-            <a:r>
-              <a:t>🔑 RELACIÓN ENTRE TABLAS:</a:t>
-            </a:r>
-          </a:p>
-          <a:p>
-            <a:pPr>
-              <a:spcBef>
-                <a:spcPts val="400"/>
-              </a:spcBef>
-              <a:spcAft>
-                <a:spcPts val="400"/>
-              </a:spcAft>
-              <a:defRPr sz="1500">
-                <a:solidFill>
-                  <a:srgbClr val="323232"/>
-                </a:solidFill>
-              </a:defRPr>
-            </a:pPr>
-            <a:r>
-              <a:t>  • users.favorites -&gt; almacena IDs de movies</a:t>
-            </a:r>
-          </a:p>
-          <a:p>
-            <a:pPr>
-              <a:spcBef>
-                <a:spcPts val="400"/>
-              </a:spcBef>
-              <a:spcAft>
-                <a:spcPts val="400"/>
-              </a:spcAft>
-              <a:defRPr sz="1500">
-                <a:solidFill>
-                  <a:srgbClr val="323232"/>
-                </a:solidFill>
-              </a:defRPr>
-            </a:pPr>
-            <a:r>
-              <a:t>  • Denormalización intencional para optimizar consultas</a:t>
-            </a:r>
-          </a:p>
-          <a:p>
-            <a:pPr>
-              <a:spcBef>
-                <a:spcPts val="400"/>
-              </a:spcBef>
-              <a:spcAft>
-                <a:spcPts val="400"/>
-              </a:spcAft>
-              <a:defRPr sz="1500">
-                <a:solidFill>
-                  <a:srgbClr val="323232"/>
-                </a:solidFill>
-              </a:defRPr>
-            </a:pPr>
-            <a:r>
-              <a:t>  • Facilita búsquedas rápidas de favoritos por usuario</a:t>
-            </a:r>
+              <a:rPr lang="es-ES" sz="1600" b="1" noProof="0" dirty="0"/>
+              <a:t>OBJETIVO PRINCIPAL:</a:t>
+            </a:r>
+          </a:p>
+          <a:p>
+            <a:pPr>
+              <a:spcBef>
+                <a:spcPts val="400"/>
+              </a:spcBef>
+              <a:spcAft>
+                <a:spcPts val="400"/>
+              </a:spcAft>
+              <a:defRPr sz="1500">
+                <a:solidFill>
+                  <a:srgbClr val="323232"/>
+                </a:solidFill>
+              </a:defRPr>
+            </a:pPr>
+            <a:r>
+              <a:rPr lang="es-ES" noProof="0" dirty="0"/>
+              <a:t>Desarrollar una plataforma web completa y funcional que permita a los usuarios explorar un catálogo de películas, buscar por criterios específicos y gestionar sus películas favoritas, con un sistema de autenticación segura basado en JWT.</a:t>
+            </a:r>
+          </a:p>
+          <a:p>
+            <a:pPr>
+              <a:spcBef>
+                <a:spcPts val="400"/>
+              </a:spcBef>
+              <a:spcAft>
+                <a:spcPts val="400"/>
+              </a:spcAft>
+              <a:defRPr sz="1500">
+                <a:solidFill>
+                  <a:srgbClr val="323232"/>
+                </a:solidFill>
+              </a:defRPr>
+            </a:pPr>
+            <a:r>
+              <a:rPr lang="es-ES" sz="1600" b="1" noProof="0" dirty="0"/>
+              <a:t>VISIÓN DEL PROYECTO:</a:t>
+            </a:r>
+          </a:p>
+          <a:p>
+            <a:pPr>
+              <a:spcBef>
+                <a:spcPts val="400"/>
+              </a:spcBef>
+              <a:spcAft>
+                <a:spcPts val="400"/>
+              </a:spcAft>
+              <a:defRPr sz="1500">
+                <a:solidFill>
+                  <a:srgbClr val="323232"/>
+                </a:solidFill>
+              </a:defRPr>
+            </a:pPr>
+            <a:r>
+              <a:rPr lang="es-ES" noProof="0" dirty="0"/>
+              <a:t>Crear un sistema escalable de microservicios que demuestre:</a:t>
+            </a:r>
+          </a:p>
+          <a:p>
+            <a:pPr>
+              <a:spcBef>
+                <a:spcPts val="400"/>
+              </a:spcBef>
+              <a:spcAft>
+                <a:spcPts val="400"/>
+              </a:spcAft>
+              <a:defRPr sz="1500">
+                <a:solidFill>
+                  <a:srgbClr val="323232"/>
+                </a:solidFill>
+              </a:defRPr>
+            </a:pPr>
+            <a:r>
+              <a:rPr lang="es-ES" noProof="0" dirty="0"/>
+              <a:t>  • Integración de múltiples tecnologías (Python + Node.js)</a:t>
+            </a:r>
+          </a:p>
+          <a:p>
+            <a:pPr>
+              <a:spcBef>
+                <a:spcPts val="400"/>
+              </a:spcBef>
+              <a:spcAft>
+                <a:spcPts val="400"/>
+              </a:spcAft>
+              <a:defRPr sz="1500">
+                <a:solidFill>
+                  <a:srgbClr val="323232"/>
+                </a:solidFill>
+              </a:defRPr>
+            </a:pPr>
+            <a:r>
+              <a:rPr lang="es-ES" noProof="0" dirty="0"/>
+              <a:t>  • Implementación de seguridad en producción (JWT, </a:t>
+            </a:r>
+            <a:r>
+              <a:rPr lang="es-ES" noProof="0" dirty="0" err="1"/>
+              <a:t>bcrypt</a:t>
+            </a:r>
+            <a:r>
+              <a:rPr lang="es-ES" noProof="0" dirty="0"/>
+              <a:t>)</a:t>
+            </a:r>
+          </a:p>
+          <a:p>
+            <a:pPr>
+              <a:spcBef>
+                <a:spcPts val="400"/>
+              </a:spcBef>
+              <a:spcAft>
+                <a:spcPts val="400"/>
+              </a:spcAft>
+              <a:defRPr sz="1500">
+                <a:solidFill>
+                  <a:srgbClr val="323232"/>
+                </a:solidFill>
+              </a:defRPr>
+            </a:pPr>
+            <a:r>
+              <a:rPr lang="es-ES" noProof="0" dirty="0"/>
+              <a:t>  • Buenas prácticas de arquitectura (separación de responsabilidades)</a:t>
+            </a:r>
+          </a:p>
+          <a:p>
+            <a:pPr>
+              <a:spcBef>
+                <a:spcPts val="400"/>
+              </a:spcBef>
+              <a:spcAft>
+                <a:spcPts val="400"/>
+              </a:spcAft>
+              <a:defRPr sz="1500">
+                <a:solidFill>
+                  <a:srgbClr val="323232"/>
+                </a:solidFill>
+              </a:defRPr>
+            </a:pPr>
+            <a:r>
+              <a:rPr lang="es-ES" noProof="0" dirty="0"/>
+              <a:t>  • Automatización con Docker</a:t>
+            </a:r>
+          </a:p>
+          <a:p>
+            <a:pPr>
+              <a:spcBef>
+                <a:spcPts val="400"/>
+              </a:spcBef>
+              <a:spcAft>
+                <a:spcPts val="400"/>
+              </a:spcAft>
+              <a:defRPr sz="1500">
+                <a:solidFill>
+                  <a:srgbClr val="323232"/>
+                </a:solidFill>
+              </a:defRPr>
+            </a:pPr>
+            <a:r>
+              <a:rPr lang="es-ES" noProof="0" dirty="0"/>
+              <a:t>  • Experiencia de usuario moderna (</a:t>
+            </a:r>
+            <a:r>
+              <a:rPr lang="es-ES" noProof="0" dirty="0" err="1"/>
+              <a:t>React</a:t>
+            </a:r>
+            <a:r>
+              <a:rPr lang="es-ES" noProof="0" dirty="0"/>
+              <a:t> SPA)</a:t>
+            </a:r>
+          </a:p>
+          <a:p>
+            <a:pPr>
+              <a:spcBef>
+                <a:spcPts val="400"/>
+              </a:spcBef>
+              <a:spcAft>
+                <a:spcPts val="400"/>
+              </a:spcAft>
+              <a:defRPr sz="1500">
+                <a:solidFill>
+                  <a:srgbClr val="323232"/>
+                </a:solidFill>
+              </a:defRPr>
+            </a:pPr>
+            <a:r>
+              <a:rPr lang="es-ES" sz="1600" b="1" noProof="0" dirty="0"/>
+              <a:t>COMPETENCIAS DEMOSTRADAS:</a:t>
+            </a:r>
+          </a:p>
+          <a:p>
+            <a:pPr>
+              <a:spcBef>
+                <a:spcPts val="400"/>
+              </a:spcBef>
+              <a:spcAft>
+                <a:spcPts val="400"/>
+              </a:spcAft>
+              <a:defRPr sz="1500">
+                <a:solidFill>
+                  <a:srgbClr val="323232"/>
+                </a:solidFill>
+              </a:defRPr>
+            </a:pPr>
+            <a:r>
+              <a:rPr lang="es-ES" noProof="0" dirty="0"/>
+              <a:t>  • Full-</a:t>
+            </a:r>
+            <a:r>
+              <a:rPr lang="es-ES" noProof="0" dirty="0" err="1"/>
+              <a:t>Stack</a:t>
+            </a:r>
+            <a:r>
+              <a:rPr lang="es-ES" noProof="0" dirty="0"/>
+              <a:t> </a:t>
+            </a:r>
+            <a:r>
+              <a:rPr lang="es-ES" noProof="0" dirty="0" err="1"/>
+              <a:t>Development</a:t>
+            </a:r>
+            <a:r>
+              <a:rPr lang="es-ES" noProof="0" dirty="0"/>
+              <a:t>: </a:t>
+            </a:r>
+            <a:r>
+              <a:rPr lang="es-ES" noProof="0" dirty="0" err="1"/>
+              <a:t>Backend</a:t>
+            </a:r>
+            <a:r>
+              <a:rPr lang="es-ES" noProof="0" dirty="0"/>
+              <a:t> + </a:t>
+            </a:r>
+            <a:r>
+              <a:rPr lang="es-ES" noProof="0" dirty="0" err="1"/>
+              <a:t>Frontend</a:t>
+            </a:r>
+            <a:endParaRPr lang="es-ES" noProof="0" dirty="0"/>
+          </a:p>
+          <a:p>
+            <a:pPr>
+              <a:spcBef>
+                <a:spcPts val="400"/>
+              </a:spcBef>
+              <a:spcAft>
+                <a:spcPts val="400"/>
+              </a:spcAft>
+              <a:defRPr sz="1500">
+                <a:solidFill>
+                  <a:srgbClr val="323232"/>
+                </a:solidFill>
+              </a:defRPr>
+            </a:pPr>
+            <a:r>
+              <a:rPr lang="es-ES" noProof="0" dirty="0"/>
+              <a:t>  • Microservicios y </a:t>
+            </a:r>
+            <a:r>
+              <a:rPr lang="es-ES" noProof="0" dirty="0" err="1"/>
+              <a:t>APIs</a:t>
+            </a:r>
+            <a:r>
+              <a:rPr lang="es-ES" noProof="0" dirty="0"/>
+              <a:t> REST</a:t>
+            </a:r>
+          </a:p>
+          <a:p>
+            <a:pPr>
+              <a:spcBef>
+                <a:spcPts val="400"/>
+              </a:spcBef>
+              <a:spcAft>
+                <a:spcPts val="400"/>
+              </a:spcAft>
+              <a:defRPr sz="1500">
+                <a:solidFill>
+                  <a:srgbClr val="323232"/>
+                </a:solidFill>
+              </a:defRPr>
+            </a:pPr>
+            <a:r>
+              <a:rPr lang="es-ES" noProof="0" dirty="0"/>
+              <a:t>  • Gestión de datos en múltiples BD (MongoDB + MySQL)</a:t>
+            </a:r>
+          </a:p>
+          <a:p>
+            <a:pPr>
+              <a:spcBef>
+                <a:spcPts val="400"/>
+              </a:spcBef>
+              <a:spcAft>
+                <a:spcPts val="400"/>
+              </a:spcAft>
+              <a:defRPr sz="1500">
+                <a:solidFill>
+                  <a:srgbClr val="323232"/>
+                </a:solidFill>
+              </a:defRPr>
+            </a:pPr>
+            <a:r>
+              <a:rPr lang="es-ES" noProof="0" dirty="0"/>
+              <a:t>  • DevOps: Docker, Docker </a:t>
+            </a:r>
+            <a:r>
+              <a:rPr lang="es-ES" noProof="0" dirty="0" err="1"/>
+              <a:t>Compose</a:t>
+            </a:r>
+            <a:endParaRPr lang="es-ES" noProof="0" dirty="0"/>
+          </a:p>
+          <a:p>
+            <a:pPr>
+              <a:spcBef>
+                <a:spcPts val="400"/>
+              </a:spcBef>
+              <a:spcAft>
+                <a:spcPts val="400"/>
+              </a:spcAft>
+              <a:defRPr sz="1500">
+                <a:solidFill>
+                  <a:srgbClr val="323232"/>
+                </a:solidFill>
+              </a:defRPr>
+            </a:pPr>
+            <a:endParaRPr lang="es-ES" noProof="0" dirty="0"/>
+          </a:p>
+          <a:p>
+            <a:endParaRPr lang="es-ES" noProof="0" dirty="0"/>
           </a:p>
         </p:txBody>
       </p:sp>
@@ -4227,8 +4013,8 @@
 </p:sld>
 </file>
 
-<file path=ppt/slides/slide4.xml><?xml version="1.0" encoding="utf-8"?>
-<p:sld xmlns:a="http://schemas.openxmlformats.org/drawingml/2006/main" xmlns:p="http://schemas.openxmlformats.org/presentationml/2006/main" xmlns:r="http://schemas.openxmlformats.org/officeDocument/2006/relationships">
+<file path=ppt/slides/slide3.xml><?xml version="1.0" encoding="utf-8"?>
+<p:sld xmlns:a="http://schemas.openxmlformats.org/drawingml/2006/main" xmlns:r="http://schemas.openxmlformats.org/officeDocument/2006/relationships" xmlns:p="http://schemas.openxmlformats.org/presentationml/2006/main">
   <p:cSld>
     <p:bg>
       <p:bgPr>
@@ -4244,7 +4030,14 @@
         <p:cNvGrpSpPr/>
         <p:nvPr/>
       </p:nvGrpSpPr>
-      <p:grpSpPr/>
+      <p:grpSpPr>
+        <a:xfrm>
+          <a:off x="0" y="0"/>
+          <a:ext cx="0" cy="0"/>
+          <a:chOff x="0" y="0"/>
+          <a:chExt cx="0" cy="0"/>
+        </a:xfrm>
+      </p:grpSpPr>
       <p:sp>
         <p:nvSpPr>
           <p:cNvPr id="2" name="Rectangle 1"/>
@@ -4287,6 +4080,7 @@
           <a:lstStyle/>
           <a:p>
             <a:pPr algn="ctr"/>
+            <a:endParaRPr lang="es-ES" noProof="0" dirty="0"/>
           </a:p>
         </p:txBody>
       </p:sp>
@@ -4320,7 +4114,8 @@
               </a:defRPr>
             </a:pPr>
             <a:r>
-              <a:t>Funcionalidades &amp; APIs</a:t>
+              <a:rPr lang="es-ES" noProof="0" dirty="0"/>
+              <a:t>Modelo de Datos</a:t>
             </a:r>
           </a:p>
         </p:txBody>
@@ -4334,7 +4129,7 @@
         <p:spPr>
           <a:xfrm>
             <a:off x="548640" y="1097280"/>
-            <a:ext cx="8046720" cy="5303520"/>
+            <a:ext cx="8046720" cy="5339923"/>
           </a:xfrm>
           <a:prstGeom prst="rect">
             <a:avLst/>
@@ -4361,427 +4156,730 @@
               </a:defRPr>
             </a:pPr>
             <a:r>
-              <a:t>👤 AUTENTICACIÓN Y USUARIOS:</a:t>
-            </a:r>
-          </a:p>
-          <a:p>
-            <a:pPr>
-              <a:spcBef>
-                <a:spcPts val="400"/>
-              </a:spcBef>
-              <a:spcAft>
-                <a:spcPts val="400"/>
-              </a:spcAft>
-              <a:defRPr sz="1500">
-                <a:solidFill>
-                  <a:srgbClr val="323232"/>
-                </a:solidFill>
-              </a:defRPr>
-            </a:pPr>
-            <a:r>
-              <a:t>  • Registro con validación de email</a:t>
-            </a:r>
-          </a:p>
-          <a:p>
-            <a:pPr>
-              <a:spcBef>
-                <a:spcPts val="400"/>
-              </a:spcBef>
-              <a:spcAft>
-                <a:spcPts val="400"/>
-              </a:spcAft>
-              <a:defRPr sz="1500">
-                <a:solidFill>
-                  <a:srgbClr val="323232"/>
-                </a:solidFill>
-              </a:defRPr>
-            </a:pPr>
-            <a:r>
-              <a:t>  • Login con generación de JWT</a:t>
-            </a:r>
-          </a:p>
-          <a:p>
-            <a:pPr>
-              <a:spcBef>
-                <a:spcPts val="400"/>
-              </a:spcBef>
-              <a:spcAft>
-                <a:spcPts val="400"/>
-              </a:spcAft>
-              <a:defRPr sz="1500">
-                <a:solidFill>
-                  <a:srgbClr val="323232"/>
-                </a:solidFill>
-              </a:defRPr>
-            </a:pPr>
-            <a:r>
-              <a:t>  • Logout con revocación de tokens</a:t>
-            </a:r>
-          </a:p>
-          <a:p>
-            <a:pPr>
-              <a:spcBef>
-                <a:spcPts val="400"/>
-              </a:spcBef>
-              <a:spcAft>
-                <a:spcPts val="400"/>
-              </a:spcAft>
-              <a:defRPr sz="1500">
-                <a:solidFill>
-                  <a:srgbClr val="323232"/>
-                </a:solidFill>
-              </a:defRPr>
-            </a:pPr>
-            <a:r>
-              <a:t>  • Contraseñas hasheadas con bcrypt</a:t>
-            </a:r>
-          </a:p>
-          <a:p>
-            <a:pPr>
-              <a:spcBef>
-                <a:spcPts val="400"/>
-              </a:spcBef>
-              <a:spcAft>
-                <a:spcPts val="400"/>
-              </a:spcAft>
-              <a:defRPr sz="1500">
-                <a:solidFill>
-                  <a:srgbClr val="323232"/>
-                </a:solidFill>
-              </a:defRPr>
-            </a:pPr>
-          </a:p>
-          <a:p>
-            <a:pPr>
-              <a:spcBef>
-                <a:spcPts val="400"/>
-              </a:spcBef>
-              <a:spcAft>
-                <a:spcPts val="400"/>
-              </a:spcAft>
-              <a:defRPr sz="1500">
-                <a:solidFill>
-                  <a:srgbClr val="323232"/>
-                </a:solidFill>
-              </a:defRPr>
-            </a:pPr>
-            <a:r>
-              <a:t>🎬 CATÁLOGO DE PELÍCULAS:</a:t>
-            </a:r>
-          </a:p>
-          <a:p>
-            <a:pPr>
-              <a:spcBef>
-                <a:spcPts val="400"/>
-              </a:spcBef>
-              <a:spcAft>
-                <a:spcPts val="400"/>
-              </a:spcAft>
-              <a:defRPr sz="1500">
-                <a:solidFill>
-                  <a:srgbClr val="323232"/>
-                </a:solidFill>
-              </a:defRPr>
-            </a:pPr>
-            <a:r>
-              <a:t>  • Listado completo con información detallada</a:t>
-            </a:r>
-          </a:p>
-          <a:p>
-            <a:pPr>
-              <a:spcBef>
-                <a:spcPts val="400"/>
-              </a:spcBef>
-              <a:spcAft>
-                <a:spcPts val="400"/>
-              </a:spcAft>
-              <a:defRPr sz="1500">
-                <a:solidFill>
-                  <a:srgbClr val="323232"/>
-                </a:solidFill>
-              </a:defRPr>
-            </a:pPr>
-            <a:r>
-              <a:t>  • Búsqueda en tiempo real por título</a:t>
-            </a:r>
-          </a:p>
-          <a:p>
-            <a:pPr>
-              <a:spcBef>
-                <a:spcPts val="400"/>
-              </a:spcBef>
-              <a:spcAft>
-                <a:spcPts val="400"/>
-              </a:spcAft>
-              <a:defRPr sz="1500">
-                <a:solidFill>
-                  <a:srgbClr val="323232"/>
-                </a:solidFill>
-              </a:defRPr>
-            </a:pPr>
-            <a:r>
-              <a:t>  • Filtros por género y año de lanzamiento</a:t>
-            </a:r>
-          </a:p>
-          <a:p>
-            <a:pPr>
-              <a:spcBef>
-                <a:spcPts val="400"/>
-              </a:spcBef>
-              <a:spcAft>
-                <a:spcPts val="400"/>
-              </a:spcAft>
-              <a:defRPr sz="1500">
-                <a:solidFill>
-                  <a:srgbClr val="323232"/>
-                </a:solidFill>
-              </a:defRPr>
-            </a:pPr>
-            <a:r>
-              <a:t>  • Vista modal con detalles de película</a:t>
-            </a:r>
-          </a:p>
-          <a:p>
-            <a:pPr>
-              <a:spcBef>
-                <a:spcPts val="400"/>
-              </a:spcBef>
-              <a:spcAft>
-                <a:spcPts val="400"/>
-              </a:spcAft>
-              <a:defRPr sz="1500">
-                <a:solidFill>
-                  <a:srgbClr val="323232"/>
-                </a:solidFill>
-              </a:defRPr>
-            </a:pPr>
-          </a:p>
-          <a:p>
-            <a:pPr>
-              <a:spcBef>
-                <a:spcPts val="400"/>
-              </a:spcBef>
-              <a:spcAft>
-                <a:spcPts val="400"/>
-              </a:spcAft>
-              <a:defRPr sz="1500">
-                <a:solidFill>
-                  <a:srgbClr val="323232"/>
-                </a:solidFill>
-              </a:defRPr>
-            </a:pPr>
-            <a:r>
-              <a:t>⭐ SISTEMA DE FAVORITOS:</a:t>
-            </a:r>
-          </a:p>
-          <a:p>
-            <a:pPr>
-              <a:spcBef>
-                <a:spcPts val="400"/>
-              </a:spcBef>
-              <a:spcAft>
-                <a:spcPts val="400"/>
-              </a:spcAft>
-              <a:defRPr sz="1500">
-                <a:solidFill>
-                  <a:srgbClr val="323232"/>
-                </a:solidFill>
-              </a:defRPr>
-            </a:pPr>
-            <a:r>
-              <a:t>  • Guardar películas como favoritas</a:t>
-            </a:r>
-          </a:p>
-          <a:p>
-            <a:pPr>
-              <a:spcBef>
-                <a:spcPts val="400"/>
-              </a:spcBef>
-              <a:spcAft>
-                <a:spcPts val="400"/>
-              </a:spcAft>
-              <a:defRPr sz="1500">
-                <a:solidFill>
-                  <a:srgbClr val="323232"/>
-                </a:solidFill>
-              </a:defRPr>
-            </a:pPr>
-            <a:r>
-              <a:t>  • Vista dedicada para favoritos</a:t>
-            </a:r>
-          </a:p>
-          <a:p>
-            <a:pPr>
-              <a:spcBef>
-                <a:spcPts val="400"/>
-              </a:spcBef>
-              <a:spcAft>
-                <a:spcPts val="400"/>
-              </a:spcAft>
-              <a:defRPr sz="1500">
-                <a:solidFill>
-                  <a:srgbClr val="323232"/>
-                </a:solidFill>
-              </a:defRPr>
-            </a:pPr>
-            <a:r>
-              <a:t>  • Sincronización en tiempo real</a:t>
-            </a:r>
-          </a:p>
-          <a:p>
-            <a:pPr>
-              <a:spcBef>
-                <a:spcPts val="400"/>
-              </a:spcBef>
-              <a:spcAft>
-                <a:spcPts val="400"/>
-              </a:spcAft>
-              <a:defRPr sz="1500">
-                <a:solidFill>
-                  <a:srgbClr val="323232"/>
-                </a:solidFill>
-              </a:defRPr>
-            </a:pPr>
-          </a:p>
-          <a:p>
-            <a:pPr>
-              <a:spcBef>
-                <a:spcPts val="400"/>
-              </a:spcBef>
-              <a:spcAft>
-                <a:spcPts val="400"/>
-              </a:spcAft>
-              <a:defRPr sz="1500">
-                <a:solidFill>
-                  <a:srgbClr val="323232"/>
-                </a:solidFill>
-              </a:defRPr>
-            </a:pPr>
-            <a:r>
-              <a:t>👨‍💼 PANEL ADMINISTRATIVO:</a:t>
-            </a:r>
-          </a:p>
-          <a:p>
-            <a:pPr>
-              <a:spcBef>
-                <a:spcPts val="400"/>
-              </a:spcBef>
-              <a:spcAft>
-                <a:spcPts val="400"/>
-              </a:spcAft>
-              <a:defRPr sz="1500">
-                <a:solidFill>
-                  <a:srgbClr val="323232"/>
-                </a:solidFill>
-              </a:defRPr>
-            </a:pPr>
-            <a:r>
-              <a:t>  • Listar todos los usuarios del sistema</a:t>
-            </a:r>
-          </a:p>
-          <a:p>
-            <a:pPr>
-              <a:spcBef>
-                <a:spcPts val="400"/>
-              </a:spcBef>
-              <a:spcAft>
-                <a:spcPts val="400"/>
-              </a:spcAft>
-              <a:defRPr sz="1500">
-                <a:solidFill>
-                  <a:srgbClr val="323232"/>
-                </a:solidFill>
-              </a:defRPr>
-            </a:pPr>
-            <a:r>
-              <a:t>  • Eliminar usuarios (solo admin)</a:t>
-            </a:r>
-          </a:p>
-          <a:p>
-            <a:pPr>
-              <a:spcBef>
-                <a:spcPts val="400"/>
-              </a:spcBef>
-              <a:spcAft>
-                <a:spcPts val="400"/>
-              </a:spcAft>
-              <a:defRPr sz="1500">
-                <a:solidFill>
-                  <a:srgbClr val="323232"/>
-                </a:solidFill>
-              </a:defRPr>
-            </a:pPr>
-            <a:r>
-              <a:t>  • Control de acceso restringido</a:t>
-            </a:r>
-          </a:p>
-          <a:p>
-            <a:pPr>
-              <a:spcBef>
-                <a:spcPts val="400"/>
-              </a:spcBef>
-              <a:spcAft>
-                <a:spcPts val="400"/>
-              </a:spcAft>
-              <a:defRPr sz="1500">
-                <a:solidFill>
-                  <a:srgbClr val="323232"/>
-                </a:solidFill>
-              </a:defRPr>
-            </a:pPr>
-          </a:p>
-          <a:p>
-            <a:pPr>
-              <a:spcBef>
-                <a:spcPts val="400"/>
-              </a:spcBef>
-              <a:spcAft>
-                <a:spcPts val="400"/>
-              </a:spcAft>
-              <a:defRPr sz="1500">
-                <a:solidFill>
-                  <a:srgbClr val="323232"/>
-                </a:solidFill>
-              </a:defRPr>
-            </a:pPr>
-            <a:r>
-              <a:t>🔌 APIs REST:</a:t>
-            </a:r>
-          </a:p>
-          <a:p>
-            <a:pPr>
-              <a:spcBef>
-                <a:spcPts val="400"/>
-              </a:spcBef>
-              <a:spcAft>
-                <a:spcPts val="400"/>
-              </a:spcAft>
-              <a:defRPr sz="1500">
-                <a:solidFill>
-                  <a:srgbClr val="323232"/>
-                </a:solidFill>
-              </a:defRPr>
-            </a:pPr>
-            <a:r>
-              <a:t>  • UserService: 10+ endpoints (FastAPI en Python)</a:t>
-            </a:r>
-          </a:p>
-          <a:p>
-            <a:pPr>
-              <a:spcBef>
-                <a:spcPts val="400"/>
-              </a:spcBef>
-              <a:spcAft>
-                <a:spcPts val="400"/>
-              </a:spcAft>
-              <a:defRPr sz="1500">
-                <a:solidFill>
-                  <a:srgbClr val="323232"/>
-                </a:solidFill>
-              </a:defRPr>
-            </a:pPr>
-            <a:r>
-              <a:t>  • MovieService: 4+ endpoints (Express en Node.js)</a:t>
+              <a:rPr lang="es-ES" sz="1600" b="1" noProof="0" dirty="0"/>
+              <a:t>MODELO DE DATOS RELACIONAL Y NO-RELACIONAL:</a:t>
+            </a:r>
+            <a:endParaRPr lang="es-ES" noProof="0" dirty="0"/>
+          </a:p>
+          <a:p>
+            <a:pPr>
+              <a:spcBef>
+                <a:spcPts val="400"/>
+              </a:spcBef>
+              <a:spcAft>
+                <a:spcPts val="400"/>
+              </a:spcAft>
+              <a:defRPr sz="1500">
+                <a:solidFill>
+                  <a:srgbClr val="323232"/>
+                </a:solidFill>
+              </a:defRPr>
+            </a:pPr>
+            <a:r>
+              <a:rPr lang="es-ES" b="1" noProof="0" dirty="0"/>
+              <a:t>MONGODB (NoSQL - Usuarios):</a:t>
+            </a:r>
+          </a:p>
+          <a:p>
+            <a:pPr>
+              <a:spcBef>
+                <a:spcPts val="400"/>
+              </a:spcBef>
+              <a:spcAft>
+                <a:spcPts val="400"/>
+              </a:spcAft>
+              <a:defRPr sz="1500">
+                <a:solidFill>
+                  <a:srgbClr val="323232"/>
+                </a:solidFill>
+              </a:defRPr>
+            </a:pPr>
+            <a:r>
+              <a:rPr lang="es-ES" noProof="0" dirty="0"/>
+              <a:t>  Colección: </a:t>
+            </a:r>
+            <a:r>
+              <a:rPr lang="es-ES" noProof="0" dirty="0" err="1"/>
+              <a:t>users</a:t>
+            </a:r>
+            <a:endParaRPr lang="es-ES" noProof="0" dirty="0"/>
+          </a:p>
+          <a:p>
+            <a:pPr>
+              <a:spcBef>
+                <a:spcPts val="400"/>
+              </a:spcBef>
+              <a:spcAft>
+                <a:spcPts val="400"/>
+              </a:spcAft>
+              <a:defRPr sz="1500">
+                <a:solidFill>
+                  <a:srgbClr val="323232"/>
+                </a:solidFill>
+              </a:defRPr>
+            </a:pPr>
+            <a:r>
+              <a:rPr lang="es-ES" noProof="0" dirty="0"/>
+              <a:t>  └─ _id: </a:t>
+            </a:r>
+            <a:r>
+              <a:rPr lang="es-ES" noProof="0" dirty="0" err="1"/>
+              <a:t>ObjectId</a:t>
+            </a:r>
+            <a:r>
+              <a:rPr lang="es-ES" noProof="0" dirty="0"/>
+              <a:t> (PK)</a:t>
+            </a:r>
+          </a:p>
+          <a:p>
+            <a:pPr>
+              <a:spcBef>
+                <a:spcPts val="400"/>
+              </a:spcBef>
+              <a:spcAft>
+                <a:spcPts val="400"/>
+              </a:spcAft>
+              <a:defRPr sz="1500">
+                <a:solidFill>
+                  <a:srgbClr val="323232"/>
+                </a:solidFill>
+              </a:defRPr>
+            </a:pPr>
+            <a:r>
+              <a:rPr lang="es-ES" noProof="0" dirty="0"/>
+              <a:t>  └─ </a:t>
+            </a:r>
+            <a:r>
+              <a:rPr lang="es-ES" noProof="0" dirty="0" err="1"/>
+              <a:t>username</a:t>
+            </a:r>
+            <a:r>
+              <a:rPr lang="es-ES" noProof="0" dirty="0"/>
+              <a:t>: </a:t>
+            </a:r>
+            <a:r>
+              <a:rPr lang="es-ES" noProof="0" dirty="0" err="1"/>
+              <a:t>string</a:t>
+            </a:r>
+            <a:r>
+              <a:rPr lang="es-ES" noProof="0" dirty="0"/>
+              <a:t> (único)</a:t>
+            </a:r>
+          </a:p>
+          <a:p>
+            <a:pPr>
+              <a:spcBef>
+                <a:spcPts val="400"/>
+              </a:spcBef>
+              <a:spcAft>
+                <a:spcPts val="400"/>
+              </a:spcAft>
+              <a:defRPr sz="1500">
+                <a:solidFill>
+                  <a:srgbClr val="323232"/>
+                </a:solidFill>
+              </a:defRPr>
+            </a:pPr>
+            <a:r>
+              <a:rPr lang="es-ES" noProof="0" dirty="0"/>
+              <a:t>  └─ email: </a:t>
+            </a:r>
+            <a:r>
+              <a:rPr lang="es-ES" noProof="0" dirty="0" err="1"/>
+              <a:t>string</a:t>
+            </a:r>
+            <a:r>
+              <a:rPr lang="es-ES" noProof="0" dirty="0"/>
+              <a:t> (único)</a:t>
+            </a:r>
+          </a:p>
+          <a:p>
+            <a:pPr>
+              <a:spcBef>
+                <a:spcPts val="400"/>
+              </a:spcBef>
+              <a:spcAft>
+                <a:spcPts val="400"/>
+              </a:spcAft>
+              <a:defRPr sz="1500">
+                <a:solidFill>
+                  <a:srgbClr val="323232"/>
+                </a:solidFill>
+              </a:defRPr>
+            </a:pPr>
+            <a:r>
+              <a:rPr lang="es-ES" noProof="0" dirty="0"/>
+              <a:t>  └─ </a:t>
+            </a:r>
+            <a:r>
+              <a:rPr lang="es-ES" noProof="0" dirty="0" err="1"/>
+              <a:t>password_hash</a:t>
+            </a:r>
+            <a:r>
+              <a:rPr lang="es-ES" noProof="0" dirty="0"/>
+              <a:t>: </a:t>
+            </a:r>
+            <a:r>
+              <a:rPr lang="es-ES" noProof="0" dirty="0" err="1"/>
+              <a:t>string</a:t>
+            </a:r>
+            <a:r>
+              <a:rPr lang="es-ES" noProof="0" dirty="0"/>
+              <a:t> (</a:t>
+            </a:r>
+            <a:r>
+              <a:rPr lang="es-ES" noProof="0" dirty="0" err="1"/>
+              <a:t>bcrypt</a:t>
+            </a:r>
+            <a:r>
+              <a:rPr lang="es-ES" noProof="0" dirty="0"/>
+              <a:t>)</a:t>
+            </a:r>
+          </a:p>
+          <a:p>
+            <a:pPr>
+              <a:spcBef>
+                <a:spcPts val="400"/>
+              </a:spcBef>
+              <a:spcAft>
+                <a:spcPts val="400"/>
+              </a:spcAft>
+              <a:defRPr sz="1500">
+                <a:solidFill>
+                  <a:srgbClr val="323232"/>
+                </a:solidFill>
+              </a:defRPr>
+            </a:pPr>
+            <a:r>
+              <a:rPr lang="es-ES" noProof="0" dirty="0"/>
+              <a:t>  └─ role: </a:t>
+            </a:r>
+            <a:r>
+              <a:rPr lang="es-ES" noProof="0" dirty="0" err="1"/>
+              <a:t>string</a:t>
+            </a:r>
+            <a:r>
+              <a:rPr lang="es-ES" noProof="0" dirty="0"/>
+              <a:t> (</a:t>
+            </a:r>
+            <a:r>
+              <a:rPr lang="es-ES" noProof="0" dirty="0" err="1"/>
+              <a:t>user</a:t>
+            </a:r>
+            <a:r>
+              <a:rPr lang="es-ES" noProof="0" dirty="0"/>
+              <a:t>/</a:t>
+            </a:r>
+            <a:r>
+              <a:rPr lang="es-ES" noProof="0" dirty="0" err="1"/>
+              <a:t>admin</a:t>
+            </a:r>
+            <a:r>
+              <a:rPr lang="es-ES" noProof="0" dirty="0"/>
+              <a:t>)</a:t>
+            </a:r>
+          </a:p>
+          <a:p>
+            <a:pPr>
+              <a:spcBef>
+                <a:spcPts val="400"/>
+              </a:spcBef>
+              <a:spcAft>
+                <a:spcPts val="400"/>
+              </a:spcAft>
+              <a:defRPr sz="1500">
+                <a:solidFill>
+                  <a:srgbClr val="323232"/>
+                </a:solidFill>
+              </a:defRPr>
+            </a:pPr>
+            <a:r>
+              <a:rPr lang="es-ES" noProof="0" dirty="0"/>
+              <a:t>  └─ favorites: </a:t>
+            </a:r>
+            <a:r>
+              <a:rPr lang="es-ES" sz="1500" noProof="0" dirty="0"/>
+              <a:t>(</a:t>
+            </a:r>
+            <a:r>
+              <a:rPr lang="es-ES" sz="1500" noProof="0" dirty="0" err="1"/>
+              <a:t>List</a:t>
+            </a:r>
+            <a:r>
+              <a:rPr lang="es-ES" sz="1500" noProof="0" dirty="0"/>
+              <a:t>[</a:t>
+            </a:r>
+            <a:r>
+              <a:rPr lang="es-ES" sz="1500" noProof="0" dirty="0" err="1"/>
+              <a:t>int</a:t>
+            </a:r>
+            <a:r>
+              <a:rPr lang="es-ES" sz="1500" noProof="0" dirty="0"/>
+              <a:t>] - </a:t>
+            </a:r>
+            <a:r>
+              <a:rPr lang="es-ES" sz="1500" noProof="0" dirty="0" err="1"/>
+              <a:t>IDs</a:t>
+            </a:r>
+            <a:r>
+              <a:rPr lang="es-ES" sz="1500" noProof="0" dirty="0"/>
+              <a:t> de películas)</a:t>
+            </a:r>
+            <a:endParaRPr lang="es-ES" noProof="0" dirty="0"/>
+          </a:p>
+          <a:p>
+            <a:pPr>
+              <a:spcBef>
+                <a:spcPts val="400"/>
+              </a:spcBef>
+              <a:spcAft>
+                <a:spcPts val="400"/>
+              </a:spcAft>
+              <a:defRPr sz="1500">
+                <a:solidFill>
+                  <a:srgbClr val="323232"/>
+                </a:solidFill>
+              </a:defRPr>
+            </a:pPr>
+            <a:r>
+              <a:rPr lang="es-ES" noProof="0" dirty="0"/>
+              <a:t>  </a:t>
+            </a:r>
+          </a:p>
+          <a:p>
+            <a:pPr>
+              <a:spcBef>
+                <a:spcPts val="400"/>
+              </a:spcBef>
+              <a:spcAft>
+                <a:spcPts val="400"/>
+              </a:spcAft>
+              <a:defRPr sz="1500">
+                <a:solidFill>
+                  <a:srgbClr val="323232"/>
+                </a:solidFill>
+              </a:defRPr>
+            </a:pPr>
+            <a:endParaRPr lang="es-ES" noProof="0" dirty="0"/>
+          </a:p>
+          <a:p>
+            <a:pPr>
+              <a:spcBef>
+                <a:spcPts val="400"/>
+              </a:spcBef>
+              <a:spcAft>
+                <a:spcPts val="400"/>
+              </a:spcAft>
+              <a:defRPr sz="1500">
+                <a:solidFill>
+                  <a:srgbClr val="323232"/>
+                </a:solidFill>
+              </a:defRPr>
+            </a:pPr>
+            <a:endParaRPr lang="es-ES" noProof="0" dirty="0"/>
+          </a:p>
+          <a:p>
+            <a:pPr>
+              <a:spcBef>
+                <a:spcPts val="400"/>
+              </a:spcBef>
+              <a:spcAft>
+                <a:spcPts val="400"/>
+              </a:spcAft>
+              <a:defRPr sz="1500">
+                <a:solidFill>
+                  <a:srgbClr val="323232"/>
+                </a:solidFill>
+              </a:defRPr>
+            </a:pPr>
+            <a:r>
+              <a:rPr lang="es-ES" b="1" noProof="0" dirty="0"/>
+              <a:t>RELACIÓN ENTRE TABLAS:</a:t>
+            </a:r>
+          </a:p>
+          <a:p>
+            <a:pPr>
+              <a:spcBef>
+                <a:spcPts val="400"/>
+              </a:spcBef>
+              <a:spcAft>
+                <a:spcPts val="400"/>
+              </a:spcAft>
+              <a:defRPr sz="1500">
+                <a:solidFill>
+                  <a:srgbClr val="323232"/>
+                </a:solidFill>
+              </a:defRPr>
+            </a:pPr>
+            <a:r>
+              <a:rPr lang="es-ES" noProof="0" dirty="0"/>
+              <a:t>  • </a:t>
+            </a:r>
+            <a:r>
+              <a:rPr lang="es-ES" noProof="0" dirty="0" err="1"/>
+              <a:t>users.favorites</a:t>
+            </a:r>
+            <a:r>
+              <a:rPr lang="es-ES" noProof="0" dirty="0"/>
+              <a:t> -&gt; almacena </a:t>
+            </a:r>
+            <a:r>
+              <a:rPr lang="es-ES" noProof="0" dirty="0" err="1"/>
+              <a:t>IDs</a:t>
+            </a:r>
+            <a:r>
+              <a:rPr lang="es-ES" noProof="0" dirty="0"/>
+              <a:t> de </a:t>
+            </a:r>
+            <a:r>
+              <a:rPr lang="es-ES" noProof="0" dirty="0" err="1"/>
+              <a:t>movies</a:t>
+            </a:r>
+            <a:endParaRPr lang="es-ES" noProof="0" dirty="0"/>
+          </a:p>
+          <a:p>
+            <a:pPr>
+              <a:spcBef>
+                <a:spcPts val="400"/>
+              </a:spcBef>
+              <a:spcAft>
+                <a:spcPts val="400"/>
+              </a:spcAft>
+              <a:defRPr sz="1500">
+                <a:solidFill>
+                  <a:srgbClr val="323232"/>
+                </a:solidFill>
+              </a:defRPr>
+            </a:pPr>
+            <a:r>
+              <a:rPr lang="es-ES" noProof="0" dirty="0"/>
+              <a:t>  • </a:t>
+            </a:r>
+            <a:r>
+              <a:rPr lang="es-ES" noProof="0" dirty="0" err="1"/>
+              <a:t>Denormalización</a:t>
+            </a:r>
+            <a:r>
+              <a:rPr lang="es-ES" noProof="0" dirty="0"/>
+              <a:t> intencional para optimizar consultas</a:t>
+            </a:r>
+          </a:p>
+          <a:p>
+            <a:pPr>
+              <a:spcBef>
+                <a:spcPts val="400"/>
+              </a:spcBef>
+              <a:spcAft>
+                <a:spcPts val="400"/>
+              </a:spcAft>
+              <a:defRPr sz="1500">
+                <a:solidFill>
+                  <a:srgbClr val="323232"/>
+                </a:solidFill>
+              </a:defRPr>
+            </a:pPr>
+            <a:r>
+              <a:rPr lang="es-ES" noProof="0" dirty="0"/>
+              <a:t>  • Facilita búsquedas rápidas de favoritos por usuario</a:t>
+            </a:r>
+          </a:p>
+        </p:txBody>
+      </p:sp>
+      <p:sp>
+        <p:nvSpPr>
+          <p:cNvPr id="5" name="CuadroTexto 4">
+            <a:extLst>
+              <a:ext uri="{FF2B5EF4-FFF2-40B4-BE49-F238E27FC236}">
+                <a16:creationId xmlns:a16="http://schemas.microsoft.com/office/drawing/2014/main" id="{C65D99DC-0C96-9CD1-CB7D-67F2E86C8D9A}"/>
+              </a:ext>
+            </a:extLst>
+          </p:cNvPr>
+          <p:cNvSpPr txBox="1"/>
+          <p:nvPr/>
+        </p:nvSpPr>
+        <p:spPr>
+          <a:xfrm>
+            <a:off x="5889524" y="1464212"/>
+            <a:ext cx="2908266" cy="3657411"/>
+          </a:xfrm>
+          <a:prstGeom prst="rect">
+            <a:avLst/>
+          </a:prstGeom>
+          <a:noFill/>
+        </p:spPr>
+        <p:txBody>
+          <a:bodyPr wrap="square" rtlCol="0">
+            <a:spAutoFit/>
+          </a:bodyPr>
+          <a:lstStyle/>
+          <a:p>
+            <a:pPr>
+              <a:spcBef>
+                <a:spcPts val="400"/>
+              </a:spcBef>
+              <a:spcAft>
+                <a:spcPts val="400"/>
+              </a:spcAft>
+              <a:defRPr sz="1500">
+                <a:solidFill>
+                  <a:srgbClr val="323232"/>
+                </a:solidFill>
+              </a:defRPr>
+            </a:pPr>
+            <a:r>
+              <a:rPr lang="es-ES" b="1" noProof="0" dirty="0"/>
+              <a:t>MYSQL (Relacional - Películas):</a:t>
+            </a:r>
+          </a:p>
+          <a:p>
+            <a:pPr>
+              <a:spcBef>
+                <a:spcPts val="400"/>
+              </a:spcBef>
+              <a:spcAft>
+                <a:spcPts val="400"/>
+              </a:spcAft>
+              <a:defRPr sz="1500">
+                <a:solidFill>
+                  <a:srgbClr val="323232"/>
+                </a:solidFill>
+              </a:defRPr>
+            </a:pPr>
+            <a:r>
+              <a:rPr lang="es-ES" noProof="0" dirty="0"/>
+              <a:t>  Tabla: </a:t>
+            </a:r>
+            <a:r>
+              <a:rPr lang="es-ES" noProof="0" dirty="0" err="1"/>
+              <a:t>movies</a:t>
+            </a:r>
+            <a:endParaRPr lang="es-ES" noProof="0" dirty="0"/>
+          </a:p>
+          <a:p>
+            <a:pPr>
+              <a:spcBef>
+                <a:spcPts val="400"/>
+              </a:spcBef>
+              <a:spcAft>
+                <a:spcPts val="400"/>
+              </a:spcAft>
+              <a:defRPr sz="1500">
+                <a:solidFill>
+                  <a:srgbClr val="323232"/>
+                </a:solidFill>
+              </a:defRPr>
+            </a:pPr>
+            <a:r>
+              <a:rPr lang="es-ES" noProof="0" dirty="0"/>
+              <a:t>  └─ id: INT (PK)</a:t>
+            </a:r>
+          </a:p>
+          <a:p>
+            <a:pPr>
+              <a:spcBef>
+                <a:spcPts val="400"/>
+              </a:spcBef>
+              <a:spcAft>
+                <a:spcPts val="400"/>
+              </a:spcAft>
+              <a:defRPr sz="1500">
+                <a:solidFill>
+                  <a:srgbClr val="323232"/>
+                </a:solidFill>
+              </a:defRPr>
+            </a:pPr>
+            <a:r>
+              <a:rPr lang="es-ES" noProof="0" dirty="0"/>
+              <a:t>  └─ </a:t>
+            </a:r>
+            <a:r>
+              <a:rPr lang="es-ES" noProof="0" dirty="0" err="1"/>
+              <a:t>external_id</a:t>
+            </a:r>
+            <a:r>
+              <a:rPr lang="es-ES" noProof="0" dirty="0"/>
+              <a:t>: INT (único)</a:t>
+            </a:r>
+          </a:p>
+          <a:p>
+            <a:pPr>
+              <a:spcBef>
+                <a:spcPts val="400"/>
+              </a:spcBef>
+              <a:spcAft>
+                <a:spcPts val="400"/>
+              </a:spcAft>
+              <a:defRPr sz="1500">
+                <a:solidFill>
+                  <a:srgbClr val="323232"/>
+                </a:solidFill>
+              </a:defRPr>
+            </a:pPr>
+            <a:r>
+              <a:rPr lang="es-ES" noProof="0" dirty="0"/>
+              <a:t>  └─ </a:t>
+            </a:r>
+            <a:r>
+              <a:rPr lang="es-ES" noProof="0" dirty="0" err="1"/>
+              <a:t>title</a:t>
+            </a:r>
+            <a:r>
+              <a:rPr lang="es-ES" noProof="0" dirty="0"/>
+              <a:t>: VARCHAR (título)</a:t>
+            </a:r>
+          </a:p>
+          <a:p>
+            <a:pPr>
+              <a:spcBef>
+                <a:spcPts val="400"/>
+              </a:spcBef>
+              <a:spcAft>
+                <a:spcPts val="400"/>
+              </a:spcAft>
+              <a:defRPr sz="1500">
+                <a:solidFill>
+                  <a:srgbClr val="323232"/>
+                </a:solidFill>
+              </a:defRPr>
+            </a:pPr>
+            <a:r>
+              <a:rPr lang="es-ES" noProof="0" dirty="0"/>
+              <a:t>  └─ </a:t>
+            </a:r>
+            <a:r>
+              <a:rPr lang="es-ES" noProof="0" dirty="0" err="1"/>
+              <a:t>description</a:t>
+            </a:r>
+            <a:r>
+              <a:rPr lang="es-ES" noProof="0" dirty="0"/>
+              <a:t>: TEXT</a:t>
+            </a:r>
+          </a:p>
+          <a:p>
+            <a:pPr>
+              <a:spcBef>
+                <a:spcPts val="400"/>
+              </a:spcBef>
+              <a:spcAft>
+                <a:spcPts val="400"/>
+              </a:spcAft>
+              <a:defRPr sz="1500">
+                <a:solidFill>
+                  <a:srgbClr val="323232"/>
+                </a:solidFill>
+              </a:defRPr>
+            </a:pPr>
+            <a:r>
+              <a:rPr lang="es-ES" noProof="0" dirty="0"/>
+              <a:t>  └─ </a:t>
+            </a:r>
+            <a:r>
+              <a:rPr lang="es-ES" noProof="0" dirty="0" err="1"/>
+              <a:t>year</a:t>
+            </a:r>
+            <a:r>
+              <a:rPr lang="es-ES" noProof="0" dirty="0"/>
+              <a:t>: INT (año lanzamiento)</a:t>
+            </a:r>
+          </a:p>
+          <a:p>
+            <a:pPr>
+              <a:spcBef>
+                <a:spcPts val="400"/>
+              </a:spcBef>
+              <a:spcAft>
+                <a:spcPts val="400"/>
+              </a:spcAft>
+              <a:defRPr sz="1500">
+                <a:solidFill>
+                  <a:srgbClr val="323232"/>
+                </a:solidFill>
+              </a:defRPr>
+            </a:pPr>
+            <a:r>
+              <a:rPr lang="es-ES" noProof="0" dirty="0"/>
+              <a:t>  └─ </a:t>
+            </a:r>
+            <a:r>
+              <a:rPr lang="es-ES" noProof="0" dirty="0" err="1"/>
+              <a:t>image_url</a:t>
+            </a:r>
+            <a:r>
+              <a:rPr lang="es-ES" noProof="0" dirty="0"/>
+              <a:t>: VARCHAR</a:t>
+            </a:r>
+          </a:p>
+          <a:p>
+            <a:pPr>
+              <a:spcBef>
+                <a:spcPts val="400"/>
+              </a:spcBef>
+              <a:spcAft>
+                <a:spcPts val="400"/>
+              </a:spcAft>
+              <a:defRPr sz="1500">
+                <a:solidFill>
+                  <a:srgbClr val="323232"/>
+                </a:solidFill>
+              </a:defRPr>
+            </a:pPr>
+            <a:r>
+              <a:rPr lang="es-ES" noProof="0" dirty="0"/>
+              <a:t>  └─ </a:t>
+            </a:r>
+            <a:r>
+              <a:rPr lang="es-ES" noProof="0" dirty="0" err="1"/>
+              <a:t>genre</a:t>
+            </a:r>
+            <a:r>
+              <a:rPr lang="es-ES" noProof="0" dirty="0"/>
+              <a:t>: VARCHAR (género)</a:t>
+            </a:r>
+          </a:p>
+          <a:p>
+            <a:pPr>
+              <a:spcBef>
+                <a:spcPts val="400"/>
+              </a:spcBef>
+              <a:spcAft>
+                <a:spcPts val="400"/>
+              </a:spcAft>
+              <a:defRPr sz="1500">
+                <a:solidFill>
+                  <a:srgbClr val="323232"/>
+                </a:solidFill>
+              </a:defRPr>
+            </a:pPr>
+            <a:r>
+              <a:rPr lang="es-ES" noProof="0" dirty="0"/>
+              <a:t>  └─ </a:t>
+            </a:r>
+            <a:r>
+              <a:rPr lang="es-ES" noProof="0" dirty="0" err="1"/>
+              <a:t>stars</a:t>
+            </a:r>
+            <a:r>
+              <a:rPr lang="es-ES" noProof="0" dirty="0"/>
+              <a:t>: DECIMAL (valoración)</a:t>
+            </a:r>
+          </a:p>
+          <a:p>
+            <a:pPr>
+              <a:spcBef>
+                <a:spcPts val="400"/>
+              </a:spcBef>
+              <a:spcAft>
+                <a:spcPts val="400"/>
+              </a:spcAft>
+              <a:defRPr sz="1500">
+                <a:solidFill>
+                  <a:srgbClr val="323232"/>
+                </a:solidFill>
+              </a:defRPr>
+            </a:pPr>
+            <a:r>
+              <a:rPr lang="es-ES" noProof="0" dirty="0"/>
+              <a:t>  </a:t>
             </a:r>
           </a:p>
         </p:txBody>
@@ -4794,8 +4892,8 @@
 </p:sld>
 </file>
 
-<file path=ppt/slides/slide5.xml><?xml version="1.0" encoding="utf-8"?>
-<p:sld xmlns:a="http://schemas.openxmlformats.org/drawingml/2006/main" xmlns:p="http://schemas.openxmlformats.org/presentationml/2006/main" xmlns:r="http://schemas.openxmlformats.org/officeDocument/2006/relationships">
+<file path=ppt/slides/slide4.xml><?xml version="1.0" encoding="utf-8"?>
+<p:sld xmlns:a="http://schemas.openxmlformats.org/drawingml/2006/main" xmlns:r="http://schemas.openxmlformats.org/officeDocument/2006/relationships" xmlns:p="http://schemas.openxmlformats.org/presentationml/2006/main">
   <p:cSld>
     <p:bg>
       <p:bgPr>
@@ -4811,7 +4909,14 @@
         <p:cNvGrpSpPr/>
         <p:nvPr/>
       </p:nvGrpSpPr>
-      <p:grpSpPr/>
+      <p:grpSpPr>
+        <a:xfrm>
+          <a:off x="0" y="0"/>
+          <a:ext cx="0" cy="0"/>
+          <a:chOff x="0" y="0"/>
+          <a:chExt cx="0" cy="0"/>
+        </a:xfrm>
+      </p:grpSpPr>
       <p:sp>
         <p:nvSpPr>
           <p:cNvPr id="2" name="Rectangle 1"/>
@@ -4854,6 +4959,7 @@
           <a:lstStyle/>
           <a:p>
             <a:pPr algn="ctr"/>
+            <a:endParaRPr lang="es-ES" noProof="0" dirty="0"/>
           </a:p>
         </p:txBody>
       </p:sp>
@@ -4887,8 +4993,14 @@
               </a:defRPr>
             </a:pPr>
             <a:r>
-              <a:t>Arquitectura &amp; Tecnologías</a:t>
-            </a:r>
+              <a:rPr lang="es-ES" noProof="0" dirty="0"/>
+              <a:t>Funcionalidades &amp; </a:t>
+            </a:r>
+            <a:r>
+              <a:rPr lang="es-ES" noProof="0" dirty="0" err="1"/>
+              <a:t>APIs</a:t>
+            </a:r>
+            <a:endParaRPr lang="es-ES" noProof="0" dirty="0"/>
           </a:p>
         </p:txBody>
       </p:sp>
@@ -4901,7 +5013,7 @@
         <p:spPr>
           <a:xfrm>
             <a:off x="548640" y="1097280"/>
-            <a:ext cx="8046720" cy="5303520"/>
+            <a:ext cx="4544470" cy="5324535"/>
           </a:xfrm>
           <a:prstGeom prst="rect">
             <a:avLst/>
@@ -4928,518 +5040,542 @@
               </a:defRPr>
             </a:pPr>
             <a:r>
-              <a:t>🏗️ TIPO DE ARQUITECTURA: MICROSERVICIOS CON API GATEWAY</a:t>
-            </a:r>
-          </a:p>
-          <a:p>
-            <a:pPr>
-              <a:spcBef>
-                <a:spcPts val="400"/>
-              </a:spcBef>
-              <a:spcAft>
-                <a:spcPts val="400"/>
-              </a:spcAft>
-              <a:defRPr sz="1500">
-                <a:solidFill>
-                  <a:srgbClr val="323232"/>
-                </a:solidFill>
-              </a:defRPr>
-            </a:pPr>
-            <a:r>
-              <a:t>  • API Gateway centralizado (Express.js en Node.js)</a:t>
-            </a:r>
-          </a:p>
-          <a:p>
-            <a:pPr>
-              <a:spcBef>
-                <a:spcPts val="400"/>
-              </a:spcBef>
-              <a:spcAft>
-                <a:spcPts val="400"/>
-              </a:spcAft>
-              <a:defRPr sz="1500">
-                <a:solidFill>
-                  <a:srgbClr val="323232"/>
-                </a:solidFill>
-              </a:defRPr>
-            </a:pPr>
-            <a:r>
-              <a:t>  • 2 servicios backend independientes (desacoplados)</a:t>
-            </a:r>
-          </a:p>
-          <a:p>
-            <a:pPr>
-              <a:spcBef>
-                <a:spcPts val="400"/>
-              </a:spcBef>
-              <a:spcAft>
-                <a:spcPts val="400"/>
-              </a:spcAft>
-              <a:defRPr sz="1500">
-                <a:solidFill>
-                  <a:srgbClr val="323232"/>
-                </a:solidFill>
-              </a:defRPr>
-            </a:pPr>
-            <a:r>
-              <a:t>  • 2 bases de datos especializadas (poliglot persistence)</a:t>
-            </a:r>
-          </a:p>
-          <a:p>
-            <a:pPr>
-              <a:spcBef>
-                <a:spcPts val="400"/>
-              </a:spcBef>
-              <a:spcAft>
-                <a:spcPts val="400"/>
-              </a:spcAft>
-              <a:defRPr sz="1500">
-                <a:solidFill>
-                  <a:srgbClr val="323232"/>
-                </a:solidFill>
-              </a:defRPr>
-            </a:pPr>
-            <a:r>
-              <a:t>  • Frontend desvinculado de la lógica del servidor</a:t>
-            </a:r>
-          </a:p>
-          <a:p>
-            <a:pPr>
-              <a:spcBef>
-                <a:spcPts val="400"/>
-              </a:spcBef>
-              <a:spcAft>
-                <a:spcPts val="400"/>
-              </a:spcAft>
-              <a:defRPr sz="1500">
-                <a:solidFill>
-                  <a:srgbClr val="323232"/>
-                </a:solidFill>
-              </a:defRPr>
-            </a:pPr>
-            <a:r>
-              <a:t>  • Cada servicio puede escalarse independientemente</a:t>
-            </a:r>
-          </a:p>
-          <a:p>
-            <a:pPr>
-              <a:spcBef>
-                <a:spcPts val="400"/>
-              </a:spcBef>
-              <a:spcAft>
-                <a:spcPts val="400"/>
-              </a:spcAft>
-              <a:defRPr sz="1500">
-                <a:solidFill>
-                  <a:srgbClr val="323232"/>
-                </a:solidFill>
-              </a:defRPr>
-            </a:pPr>
-          </a:p>
-          <a:p>
-            <a:pPr>
-              <a:spcBef>
-                <a:spcPts val="400"/>
-              </a:spcBef>
-              <a:spcAft>
-                <a:spcPts val="400"/>
-              </a:spcAft>
-              <a:defRPr sz="1500">
-                <a:solidFill>
-                  <a:srgbClr val="323232"/>
-                </a:solidFill>
-              </a:defRPr>
-            </a:pPr>
-            <a:r>
-              <a:t>🔧 STACK TECNOLÓGICO:</a:t>
-            </a:r>
-          </a:p>
-          <a:p>
-            <a:pPr>
-              <a:spcBef>
-                <a:spcPts val="400"/>
-              </a:spcBef>
-              <a:spcAft>
-                <a:spcPts val="400"/>
-              </a:spcAft>
-              <a:defRPr sz="1500">
-                <a:solidFill>
-                  <a:srgbClr val="323232"/>
-                </a:solidFill>
-              </a:defRPr>
-            </a:pPr>
-            <a:r>
-              <a:t>  API Gateway: Express.js en Node.js (puerto 8080)</a:t>
-            </a:r>
-          </a:p>
-          <a:p>
-            <a:pPr>
-              <a:spcBef>
-                <a:spcPts val="400"/>
-              </a:spcBef>
-              <a:spcAft>
-                <a:spcPts val="400"/>
-              </a:spcAft>
-              <a:defRPr sz="1500">
-                <a:solidFill>
-                  <a:srgbClr val="323232"/>
-                </a:solidFill>
-              </a:defRPr>
-            </a:pPr>
-            <a:r>
-              <a:t>  Backend 1: FastAPI + Motor (async MongoDB) en Python</a:t>
-            </a:r>
-          </a:p>
-          <a:p>
-            <a:pPr>
-              <a:spcBef>
-                <a:spcPts val="400"/>
-              </a:spcBef>
-              <a:spcAft>
-                <a:spcPts val="400"/>
-              </a:spcAft>
-              <a:defRPr sz="1500">
-                <a:solidFill>
-                  <a:srgbClr val="323232"/>
-                </a:solidFill>
-              </a:defRPr>
-            </a:pPr>
-            <a:r>
-              <a:t>  Backend 2: Express.js + MySQL en Node.js</a:t>
-            </a:r>
-          </a:p>
-          <a:p>
-            <a:pPr>
-              <a:spcBef>
-                <a:spcPts val="400"/>
-              </a:spcBef>
-              <a:spcAft>
-                <a:spcPts val="400"/>
-              </a:spcAft>
-              <a:defRPr sz="1500">
-                <a:solidFill>
-                  <a:srgbClr val="323232"/>
-                </a:solidFill>
-              </a:defRPr>
-            </a:pPr>
-            <a:r>
-              <a:t>  Frontend: React 19 + Vite + React Router v7</a:t>
-            </a:r>
-          </a:p>
-          <a:p>
-            <a:pPr>
-              <a:spcBef>
-                <a:spcPts val="400"/>
-              </a:spcBef>
-              <a:spcAft>
-                <a:spcPts val="400"/>
-              </a:spcAft>
-              <a:defRPr sz="1500">
-                <a:solidFill>
-                  <a:srgbClr val="323232"/>
-                </a:solidFill>
-              </a:defRPr>
-            </a:pPr>
-            <a:r>
-              <a:t>  DevOps: Docker + Docker Compose + Nginx</a:t>
-            </a:r>
-          </a:p>
-          <a:p>
-            <a:pPr>
-              <a:spcBef>
-                <a:spcPts val="400"/>
-              </a:spcBef>
-              <a:spcAft>
-                <a:spcPts val="400"/>
-              </a:spcAft>
-              <a:defRPr sz="1500">
-                <a:solidFill>
-                  <a:srgbClr val="323232"/>
-                </a:solidFill>
-              </a:defRPr>
-            </a:pPr>
-          </a:p>
-          <a:p>
-            <a:pPr>
-              <a:spcBef>
-                <a:spcPts val="400"/>
-              </a:spcBef>
-              <a:spcAft>
-                <a:spcPts val="400"/>
-              </a:spcAft>
-              <a:defRPr sz="1500">
-                <a:solidFill>
-                  <a:srgbClr val="323232"/>
-                </a:solidFill>
-              </a:defRPr>
-            </a:pPr>
-            <a:r>
-              <a:t>🌐 API GATEWAY - PUNTO DE ENTRADA ÚNICO:</a:t>
-            </a:r>
-          </a:p>
-          <a:p>
-            <a:pPr>
-              <a:spcBef>
-                <a:spcPts val="400"/>
-              </a:spcBef>
-              <a:spcAft>
-                <a:spcPts val="400"/>
-              </a:spcAft>
-              <a:defRPr sz="1500">
-                <a:solidFill>
-                  <a:srgbClr val="323232"/>
-                </a:solidFill>
-              </a:defRPr>
-            </a:pPr>
-            <a:r>
-              <a:t>  • Autenticación JWT centralizada</a:t>
-            </a:r>
-          </a:p>
-          <a:p>
-            <a:pPr>
-              <a:spcBef>
-                <a:spcPts val="400"/>
-              </a:spcBef>
-              <a:spcAft>
-                <a:spcPts val="400"/>
-              </a:spcAft>
-              <a:defRPr sz="1500">
-                <a:solidFill>
-                  <a:srgbClr val="323232"/>
-                </a:solidFill>
-              </a:defRPr>
-            </a:pPr>
-            <a:r>
-              <a:t>  • Proxy inverso inteligente hacia servicios backend</a:t>
-            </a:r>
-          </a:p>
-          <a:p>
-            <a:pPr>
-              <a:spcBef>
-                <a:spcPts val="400"/>
-              </a:spcBef>
-              <a:spcAft>
-                <a:spcPts val="400"/>
-              </a:spcAft>
-              <a:defRPr sz="1500">
-                <a:solidFill>
-                  <a:srgbClr val="323232"/>
-                </a:solidFill>
-              </a:defRPr>
-            </a:pPr>
-            <a:r>
-              <a:t>  • Mapeo de rutas: /auth/* → /users/* (users service)</a:t>
-            </a:r>
-          </a:p>
-          <a:p>
-            <a:pPr>
-              <a:spcBef>
-                <a:spcPts val="400"/>
-              </a:spcBef>
-              <a:spcAft>
-                <a:spcPts val="400"/>
-              </a:spcAft>
-              <a:defRPr sz="1500">
-                <a:solidFill>
-                  <a:srgbClr val="323232"/>
-                </a:solidFill>
-              </a:defRPr>
-            </a:pPr>
-            <a:r>
-              <a:t>  • Manejo de rutas públicas y protegidas</a:t>
-            </a:r>
-          </a:p>
-          <a:p>
-            <a:pPr>
-              <a:spcBef>
-                <a:spcPts val="400"/>
-              </a:spcBef>
-              <a:spcAft>
-                <a:spcPts val="400"/>
-              </a:spcAft>
-              <a:defRPr sz="1500">
-                <a:solidFill>
-                  <a:srgbClr val="323232"/>
-                </a:solidFill>
-              </a:defRPr>
-            </a:pPr>
-            <a:r>
-              <a:t>  • Logging centralizado con Morgan</a:t>
-            </a:r>
-          </a:p>
-          <a:p>
-            <a:pPr>
-              <a:spcBef>
-                <a:spcPts val="400"/>
-              </a:spcBef>
-              <a:spcAft>
-                <a:spcPts val="400"/>
-              </a:spcAft>
-              <a:defRPr sz="1500">
-                <a:solidFill>
-                  <a:srgbClr val="323232"/>
-                </a:solidFill>
-              </a:defRPr>
-            </a:pPr>
-            <a:r>
-              <a:t>  • CORS configurado para frontend</a:t>
-            </a:r>
-          </a:p>
-          <a:p>
-            <a:pPr>
-              <a:spcBef>
-                <a:spcPts val="400"/>
-              </a:spcBef>
-              <a:spcAft>
-                <a:spcPts val="400"/>
-              </a:spcAft>
-              <a:defRPr sz="1500">
-                <a:solidFill>
-                  <a:srgbClr val="323232"/>
-                </a:solidFill>
-              </a:defRPr>
-            </a:pPr>
-          </a:p>
-          <a:p>
-            <a:pPr>
-              <a:spcBef>
-                <a:spcPts val="400"/>
-              </a:spcBef>
-              <a:spcAft>
-                <a:spcPts val="400"/>
-              </a:spcAft>
-              <a:defRPr sz="1500">
-                <a:solidFill>
-                  <a:srgbClr val="323232"/>
-                </a:solidFill>
-              </a:defRPr>
-            </a:pPr>
-            <a:r>
-              <a:t>📱 ARQUITECTURA DE FRONTEND:</a:t>
-            </a:r>
-          </a:p>
-          <a:p>
-            <a:pPr>
-              <a:spcBef>
-                <a:spcPts val="400"/>
-              </a:spcBef>
-              <a:spcAft>
-                <a:spcPts val="400"/>
-              </a:spcAft>
-              <a:defRPr sz="1500">
-                <a:solidFill>
-                  <a:srgbClr val="323232"/>
-                </a:solidFill>
-              </a:defRPr>
-            </a:pPr>
-            <a:r>
-              <a:t>  • SPA (Single Page Application) con React</a:t>
-            </a:r>
-          </a:p>
-          <a:p>
-            <a:pPr>
-              <a:spcBef>
-                <a:spcPts val="400"/>
-              </a:spcBef>
-              <a:spcAft>
-                <a:spcPts val="400"/>
-              </a:spcAft>
-              <a:defRPr sz="1500">
-                <a:solidFill>
-                  <a:srgbClr val="323232"/>
-                </a:solidFill>
-              </a:defRPr>
-            </a:pPr>
-            <a:r>
-              <a:t>  • CSR (Client-Side Rendering)</a:t>
-            </a:r>
-          </a:p>
-          <a:p>
-            <a:pPr>
-              <a:spcBef>
-                <a:spcPts val="400"/>
-              </a:spcBef>
-              <a:spcAft>
-                <a:spcPts val="400"/>
-              </a:spcAft>
-              <a:defRPr sz="1500">
-                <a:solidFill>
-                  <a:srgbClr val="323232"/>
-                </a:solidFill>
-              </a:defRPr>
-            </a:pPr>
-            <a:r>
-              <a:t>  • Enrutamiento con React Router v7</a:t>
-            </a:r>
-          </a:p>
-          <a:p>
-            <a:pPr>
-              <a:spcBef>
-                <a:spcPts val="400"/>
-              </a:spcBef>
-              <a:spcAft>
-                <a:spcPts val="400"/>
-              </a:spcAft>
-              <a:defRPr sz="1500">
-                <a:solidFill>
-                  <a:srgbClr val="323232"/>
-                </a:solidFill>
-              </a:defRPr>
-            </a:pPr>
-            <a:r>
-              <a:t>  • Comunicación con gateway en puerto 8080</a:t>
-            </a:r>
-          </a:p>
-          <a:p>
-            <a:pPr>
-              <a:spcBef>
-                <a:spcPts val="400"/>
-              </a:spcBef>
-              <a:spcAft>
-                <a:spcPts val="400"/>
-              </a:spcAft>
-              <a:defRPr sz="1500">
-                <a:solidFill>
-                  <a:srgbClr val="323232"/>
-                </a:solidFill>
-              </a:defRPr>
-            </a:pPr>
-          </a:p>
-          <a:p>
-            <a:pPr>
-              <a:spcBef>
-                <a:spcPts val="400"/>
-              </a:spcBef>
-              <a:spcAft>
-                <a:spcPts val="400"/>
-              </a:spcAft>
-              <a:defRPr sz="1500">
-                <a:solidFill>
-                  <a:srgbClr val="323232"/>
-                </a:solidFill>
-              </a:defRPr>
-            </a:pPr>
-            <a:r>
-              <a:t>🔌 FLUJO DE COMUNICACIÓN:</a:t>
-            </a:r>
-          </a:p>
-          <a:p>
-            <a:pPr>
-              <a:spcBef>
-                <a:spcPts val="400"/>
-              </a:spcBef>
-              <a:spcAft>
-                <a:spcPts val="400"/>
-              </a:spcAft>
-              <a:defRPr sz="1500">
-                <a:solidFill>
-                  <a:srgbClr val="323232"/>
-                </a:solidFill>
-              </a:defRPr>
-            </a:pPr>
-            <a:r>
-              <a:t>  Frontend (5173) → API Gateway (8080) → Servicios (8000, 3001)</a:t>
-            </a:r>
+              <a:rPr lang="es-ES" sz="1600" b="1" noProof="0" dirty="0"/>
+              <a:t>AUTENTICACIÓN Y USUARIOS:</a:t>
+            </a:r>
+          </a:p>
+          <a:p>
+            <a:pPr>
+              <a:spcBef>
+                <a:spcPts val="400"/>
+              </a:spcBef>
+              <a:spcAft>
+                <a:spcPts val="400"/>
+              </a:spcAft>
+              <a:defRPr sz="1500">
+                <a:solidFill>
+                  <a:srgbClr val="323232"/>
+                </a:solidFill>
+              </a:defRPr>
+            </a:pPr>
+            <a:r>
+              <a:rPr lang="es-ES" noProof="0" dirty="0"/>
+              <a:t>  • Registro con validación de email</a:t>
+            </a:r>
+          </a:p>
+          <a:p>
+            <a:pPr>
+              <a:spcBef>
+                <a:spcPts val="400"/>
+              </a:spcBef>
+              <a:spcAft>
+                <a:spcPts val="400"/>
+              </a:spcAft>
+              <a:defRPr sz="1500">
+                <a:solidFill>
+                  <a:srgbClr val="323232"/>
+                </a:solidFill>
+              </a:defRPr>
+            </a:pPr>
+            <a:r>
+              <a:rPr lang="es-ES" noProof="0" dirty="0"/>
+              <a:t>  • </a:t>
+            </a:r>
+            <a:r>
+              <a:rPr lang="es-ES" noProof="0" dirty="0" err="1"/>
+              <a:t>Login</a:t>
+            </a:r>
+            <a:r>
+              <a:rPr lang="es-ES" noProof="0" dirty="0"/>
+              <a:t> con generación de JWT</a:t>
+            </a:r>
+          </a:p>
+          <a:p>
+            <a:pPr>
+              <a:spcBef>
+                <a:spcPts val="400"/>
+              </a:spcBef>
+              <a:spcAft>
+                <a:spcPts val="400"/>
+              </a:spcAft>
+              <a:defRPr sz="1500">
+                <a:solidFill>
+                  <a:srgbClr val="323232"/>
+                </a:solidFill>
+              </a:defRPr>
+            </a:pPr>
+            <a:r>
+              <a:rPr lang="es-ES" noProof="0" dirty="0"/>
+              <a:t>  • </a:t>
+            </a:r>
+            <a:r>
+              <a:rPr lang="es-ES" noProof="0" dirty="0" err="1"/>
+              <a:t>Logout</a:t>
+            </a:r>
+            <a:r>
+              <a:rPr lang="es-ES" noProof="0" dirty="0"/>
+              <a:t> con revocación de tokens</a:t>
+            </a:r>
+          </a:p>
+          <a:p>
+            <a:pPr>
+              <a:spcBef>
+                <a:spcPts val="400"/>
+              </a:spcBef>
+              <a:spcAft>
+                <a:spcPts val="400"/>
+              </a:spcAft>
+              <a:defRPr sz="1500">
+                <a:solidFill>
+                  <a:srgbClr val="323232"/>
+                </a:solidFill>
+              </a:defRPr>
+            </a:pPr>
+            <a:r>
+              <a:rPr lang="es-ES" noProof="0" dirty="0"/>
+              <a:t>  • Contraseñas </a:t>
+            </a:r>
+            <a:r>
+              <a:rPr lang="es-ES" noProof="0" dirty="0" err="1"/>
+              <a:t>hasheadas</a:t>
+            </a:r>
+            <a:r>
+              <a:rPr lang="es-ES" noProof="0" dirty="0"/>
+              <a:t> con </a:t>
+            </a:r>
+            <a:r>
+              <a:rPr lang="es-ES" noProof="0" dirty="0" err="1"/>
+              <a:t>bcrypt</a:t>
+            </a:r>
+            <a:endParaRPr lang="es-ES" noProof="0" dirty="0"/>
+          </a:p>
+          <a:p>
+            <a:pPr>
+              <a:spcBef>
+                <a:spcPts val="400"/>
+              </a:spcBef>
+              <a:spcAft>
+                <a:spcPts val="400"/>
+              </a:spcAft>
+              <a:defRPr sz="1500">
+                <a:solidFill>
+                  <a:srgbClr val="323232"/>
+                </a:solidFill>
+              </a:defRPr>
+            </a:pPr>
+            <a:endParaRPr lang="es-ES" noProof="0" dirty="0"/>
+          </a:p>
+          <a:p>
+            <a:pPr>
+              <a:spcBef>
+                <a:spcPts val="400"/>
+              </a:spcBef>
+              <a:spcAft>
+                <a:spcPts val="400"/>
+              </a:spcAft>
+              <a:defRPr sz="1500">
+                <a:solidFill>
+                  <a:srgbClr val="323232"/>
+                </a:solidFill>
+              </a:defRPr>
+            </a:pPr>
+            <a:r>
+              <a:rPr lang="es-ES" sz="1600" b="1" noProof="0" dirty="0"/>
+              <a:t>CATÁLOGO DE PELÍCULAS:</a:t>
+            </a:r>
+          </a:p>
+          <a:p>
+            <a:pPr>
+              <a:spcBef>
+                <a:spcPts val="400"/>
+              </a:spcBef>
+              <a:spcAft>
+                <a:spcPts val="400"/>
+              </a:spcAft>
+              <a:defRPr sz="1500">
+                <a:solidFill>
+                  <a:srgbClr val="323232"/>
+                </a:solidFill>
+              </a:defRPr>
+            </a:pPr>
+            <a:r>
+              <a:rPr lang="es-ES" noProof="0" dirty="0"/>
+              <a:t>  • Listado completo con información detallada</a:t>
+            </a:r>
+          </a:p>
+          <a:p>
+            <a:pPr>
+              <a:spcBef>
+                <a:spcPts val="400"/>
+              </a:spcBef>
+              <a:spcAft>
+                <a:spcPts val="400"/>
+              </a:spcAft>
+              <a:defRPr sz="1500">
+                <a:solidFill>
+                  <a:srgbClr val="323232"/>
+                </a:solidFill>
+              </a:defRPr>
+            </a:pPr>
+            <a:r>
+              <a:rPr lang="es-ES" noProof="0" dirty="0"/>
+              <a:t>  • Búsqueda en tiempo real por título</a:t>
+            </a:r>
+          </a:p>
+          <a:p>
+            <a:pPr>
+              <a:spcBef>
+                <a:spcPts val="400"/>
+              </a:spcBef>
+              <a:spcAft>
+                <a:spcPts val="400"/>
+              </a:spcAft>
+              <a:defRPr sz="1500">
+                <a:solidFill>
+                  <a:srgbClr val="323232"/>
+                </a:solidFill>
+              </a:defRPr>
+            </a:pPr>
+            <a:r>
+              <a:rPr lang="es-ES" noProof="0" dirty="0"/>
+              <a:t>  • Filtros por género, año de lanzamiento y valoración</a:t>
+            </a:r>
+          </a:p>
+          <a:p>
+            <a:pPr>
+              <a:spcBef>
+                <a:spcPts val="400"/>
+              </a:spcBef>
+              <a:spcAft>
+                <a:spcPts val="400"/>
+              </a:spcAft>
+              <a:defRPr sz="1500">
+                <a:solidFill>
+                  <a:srgbClr val="323232"/>
+                </a:solidFill>
+              </a:defRPr>
+            </a:pPr>
+            <a:r>
+              <a:rPr lang="es-ES" noProof="0" dirty="0"/>
+              <a:t>  • Vista modal con detalles de película</a:t>
+            </a:r>
+          </a:p>
+          <a:p>
+            <a:pPr>
+              <a:spcBef>
+                <a:spcPts val="400"/>
+              </a:spcBef>
+              <a:spcAft>
+                <a:spcPts val="400"/>
+              </a:spcAft>
+              <a:defRPr sz="1500">
+                <a:solidFill>
+                  <a:srgbClr val="323232"/>
+                </a:solidFill>
+              </a:defRPr>
+            </a:pPr>
+            <a:endParaRPr lang="es-ES" noProof="0" dirty="0"/>
+          </a:p>
+          <a:p>
+            <a:pPr>
+              <a:spcBef>
+                <a:spcPts val="400"/>
+              </a:spcBef>
+              <a:spcAft>
+                <a:spcPts val="400"/>
+              </a:spcAft>
+              <a:defRPr sz="1500">
+                <a:solidFill>
+                  <a:srgbClr val="323232"/>
+                </a:solidFill>
+              </a:defRPr>
+            </a:pPr>
+            <a:r>
+              <a:rPr lang="es-ES" sz="1600" b="1" noProof="0" dirty="0"/>
+              <a:t>SISTEMA DE FAVORITOS:</a:t>
+            </a:r>
+          </a:p>
+          <a:p>
+            <a:pPr>
+              <a:spcBef>
+                <a:spcPts val="400"/>
+              </a:spcBef>
+              <a:spcAft>
+                <a:spcPts val="400"/>
+              </a:spcAft>
+              <a:defRPr sz="1500">
+                <a:solidFill>
+                  <a:srgbClr val="323232"/>
+                </a:solidFill>
+              </a:defRPr>
+            </a:pPr>
+            <a:r>
+              <a:rPr lang="es-ES" noProof="0" dirty="0"/>
+              <a:t>  • Guardar películas como favoritas</a:t>
+            </a:r>
+          </a:p>
+          <a:p>
+            <a:pPr>
+              <a:spcBef>
+                <a:spcPts val="400"/>
+              </a:spcBef>
+              <a:spcAft>
+                <a:spcPts val="400"/>
+              </a:spcAft>
+              <a:defRPr sz="1500">
+                <a:solidFill>
+                  <a:srgbClr val="323232"/>
+                </a:solidFill>
+              </a:defRPr>
+            </a:pPr>
+            <a:r>
+              <a:rPr lang="es-ES" noProof="0" dirty="0"/>
+              <a:t>  • Vista dedicada para favoritos</a:t>
+            </a:r>
+          </a:p>
+          <a:p>
+            <a:pPr>
+              <a:spcBef>
+                <a:spcPts val="400"/>
+              </a:spcBef>
+              <a:spcAft>
+                <a:spcPts val="400"/>
+              </a:spcAft>
+              <a:defRPr sz="1500">
+                <a:solidFill>
+                  <a:srgbClr val="323232"/>
+                </a:solidFill>
+              </a:defRPr>
+            </a:pPr>
+            <a:r>
+              <a:rPr lang="es-ES" noProof="0" dirty="0"/>
+              <a:t>  • Sincronización en tiempo real</a:t>
+            </a:r>
+          </a:p>
+        </p:txBody>
+      </p:sp>
+      <p:sp>
+        <p:nvSpPr>
+          <p:cNvPr id="5" name="CuadroTexto 4">
+            <a:extLst>
+              <a:ext uri="{FF2B5EF4-FFF2-40B4-BE49-F238E27FC236}">
+                <a16:creationId xmlns:a16="http://schemas.microsoft.com/office/drawing/2014/main" id="{FA6FB84E-E914-3794-2E50-98AA5E661E97}"/>
+              </a:ext>
+            </a:extLst>
+          </p:cNvPr>
+          <p:cNvSpPr txBox="1"/>
+          <p:nvPr/>
+        </p:nvSpPr>
+        <p:spPr>
+          <a:xfrm>
+            <a:off x="5093110" y="1097280"/>
+            <a:ext cx="3785419" cy="3447098"/>
+          </a:xfrm>
+          <a:prstGeom prst="rect">
+            <a:avLst/>
+          </a:prstGeom>
+          <a:noFill/>
+        </p:spPr>
+        <p:txBody>
+          <a:bodyPr wrap="square" rtlCol="0">
+            <a:spAutoFit/>
+          </a:bodyPr>
+          <a:lstStyle/>
+          <a:p>
+            <a:pPr>
+              <a:spcBef>
+                <a:spcPts val="400"/>
+              </a:spcBef>
+              <a:spcAft>
+                <a:spcPts val="400"/>
+              </a:spcAft>
+              <a:defRPr sz="1500">
+                <a:solidFill>
+                  <a:srgbClr val="323232"/>
+                </a:solidFill>
+              </a:defRPr>
+            </a:pPr>
+            <a:r>
+              <a:rPr lang="es-ES" sz="1600" b="1" noProof="0" dirty="0"/>
+              <a:t>PANEL ADMINISTRATIVO:</a:t>
+            </a:r>
+          </a:p>
+          <a:p>
+            <a:pPr>
+              <a:spcBef>
+                <a:spcPts val="400"/>
+              </a:spcBef>
+              <a:spcAft>
+                <a:spcPts val="400"/>
+              </a:spcAft>
+              <a:defRPr sz="1500">
+                <a:solidFill>
+                  <a:srgbClr val="323232"/>
+                </a:solidFill>
+              </a:defRPr>
+            </a:pPr>
+            <a:r>
+              <a:rPr lang="es-ES" noProof="0" dirty="0"/>
+              <a:t>  • Listar todos los usuarios del sistema</a:t>
+            </a:r>
+          </a:p>
+          <a:p>
+            <a:pPr>
+              <a:spcBef>
+                <a:spcPts val="400"/>
+              </a:spcBef>
+              <a:spcAft>
+                <a:spcPts val="400"/>
+              </a:spcAft>
+              <a:defRPr sz="1500">
+                <a:solidFill>
+                  <a:srgbClr val="323232"/>
+                </a:solidFill>
+              </a:defRPr>
+            </a:pPr>
+            <a:r>
+              <a:rPr lang="es-ES" noProof="0" dirty="0"/>
+              <a:t>  • Eliminar usuarios</a:t>
+            </a:r>
+          </a:p>
+          <a:p>
+            <a:pPr>
+              <a:spcBef>
+                <a:spcPts val="400"/>
+              </a:spcBef>
+              <a:spcAft>
+                <a:spcPts val="400"/>
+              </a:spcAft>
+              <a:defRPr sz="1500">
+                <a:solidFill>
+                  <a:srgbClr val="323232"/>
+                </a:solidFill>
+              </a:defRPr>
+            </a:pPr>
+            <a:r>
+              <a:rPr lang="es-ES" noProof="0" dirty="0"/>
+              <a:t>  • Control de acceso restringido</a:t>
+            </a:r>
+          </a:p>
+          <a:p>
+            <a:pPr>
+              <a:spcBef>
+                <a:spcPts val="400"/>
+              </a:spcBef>
+              <a:spcAft>
+                <a:spcPts val="400"/>
+              </a:spcAft>
+              <a:defRPr sz="1500">
+                <a:solidFill>
+                  <a:srgbClr val="323232"/>
+                </a:solidFill>
+              </a:defRPr>
+            </a:pPr>
+            <a:endParaRPr lang="es-ES" noProof="0" dirty="0"/>
+          </a:p>
+          <a:p>
+            <a:pPr>
+              <a:spcBef>
+                <a:spcPts val="400"/>
+              </a:spcBef>
+              <a:spcAft>
+                <a:spcPts val="400"/>
+              </a:spcAft>
+              <a:defRPr sz="1500">
+                <a:solidFill>
+                  <a:srgbClr val="323232"/>
+                </a:solidFill>
+              </a:defRPr>
+            </a:pPr>
+            <a:r>
+              <a:rPr lang="es-ES" sz="1600" b="1" noProof="0" dirty="0" err="1"/>
+              <a:t>APIs</a:t>
+            </a:r>
+            <a:r>
+              <a:rPr lang="es-ES" sz="1600" b="1" noProof="0" dirty="0"/>
+              <a:t> REST:</a:t>
+            </a:r>
+          </a:p>
+          <a:p>
+            <a:pPr>
+              <a:spcBef>
+                <a:spcPts val="400"/>
+              </a:spcBef>
+              <a:spcAft>
+                <a:spcPts val="400"/>
+              </a:spcAft>
+              <a:defRPr sz="1500">
+                <a:solidFill>
+                  <a:srgbClr val="323232"/>
+                </a:solidFill>
+              </a:defRPr>
+            </a:pPr>
+            <a:r>
+              <a:rPr lang="es-ES" noProof="0" dirty="0"/>
+              <a:t>  • </a:t>
+            </a:r>
+            <a:r>
+              <a:rPr lang="es-ES" noProof="0" dirty="0" err="1"/>
+              <a:t>UserService</a:t>
+            </a:r>
+            <a:r>
+              <a:rPr lang="es-ES" noProof="0" dirty="0"/>
+              <a:t>: 10+ </a:t>
+            </a:r>
+            <a:r>
+              <a:rPr lang="es-ES" noProof="0" dirty="0" err="1"/>
+              <a:t>endpoints</a:t>
+            </a:r>
+            <a:r>
+              <a:rPr lang="es-ES" noProof="0" dirty="0"/>
+              <a:t> (</a:t>
+            </a:r>
+            <a:r>
+              <a:rPr lang="es-ES" noProof="0" dirty="0" err="1"/>
+              <a:t>FastAPI</a:t>
+            </a:r>
+            <a:r>
+              <a:rPr lang="es-ES" noProof="0" dirty="0"/>
+              <a:t> en Python)</a:t>
+            </a:r>
+          </a:p>
+          <a:p>
+            <a:pPr>
+              <a:spcBef>
+                <a:spcPts val="400"/>
+              </a:spcBef>
+              <a:spcAft>
+                <a:spcPts val="400"/>
+              </a:spcAft>
+              <a:defRPr sz="1500">
+                <a:solidFill>
+                  <a:srgbClr val="323232"/>
+                </a:solidFill>
+              </a:defRPr>
+            </a:pPr>
+            <a:r>
+              <a:rPr lang="es-ES" noProof="0" dirty="0"/>
+              <a:t>  • </a:t>
+            </a:r>
+            <a:r>
+              <a:rPr lang="es-ES" noProof="0" dirty="0" err="1"/>
+              <a:t>MovieService</a:t>
+            </a:r>
+            <a:r>
+              <a:rPr lang="es-ES" noProof="0" dirty="0"/>
+              <a:t>: 4+ </a:t>
+            </a:r>
+            <a:r>
+              <a:rPr lang="es-ES" noProof="0" dirty="0" err="1"/>
+              <a:t>endpoints</a:t>
+            </a:r>
+            <a:r>
+              <a:rPr lang="es-ES" noProof="0" dirty="0"/>
+              <a:t> (Express en Node.js)</a:t>
+            </a:r>
+          </a:p>
+          <a:p>
+            <a:endParaRPr lang="es-ES" noProof="0" dirty="0"/>
           </a:p>
         </p:txBody>
       </p:sp>
@@ -5451,27 +5587,38 @@
 </p:sld>
 </file>
 
-<file path=ppt/slides/slide6.xml><?xml version="1.0" encoding="utf-8"?>
-<p:sld xmlns:a="http://schemas.openxmlformats.org/drawingml/2006/main" xmlns:p="http://schemas.openxmlformats.org/presentationml/2006/main" xmlns:r="http://schemas.openxmlformats.org/officeDocument/2006/relationships">
+<file path=ppt/slides/slide5.xml><?xml version="1.0" encoding="utf-8"?>
+<p:sld xmlns:a="http://schemas.openxmlformats.org/drawingml/2006/main" xmlns:r="http://schemas.openxmlformats.org/officeDocument/2006/relationships" xmlns:p="http://schemas.openxmlformats.org/presentationml/2006/main">
   <p:cSld>
-    <p:bg>
-      <p:bgPr>
-        <a:solidFill>
-          <a:srgbClr val="FFFFFF"/>
-        </a:solidFill>
-        <a:effectLst/>
-      </p:bgPr>
-    </p:bg>
     <p:spTree>
       <p:nvGrpSpPr>
-        <p:cNvPr id="1" name=""/>
+        <p:cNvPr id="1" name="">
+          <a:extLst>
+            <a:ext uri="{FF2B5EF4-FFF2-40B4-BE49-F238E27FC236}">
+              <a16:creationId xmlns:a16="http://schemas.microsoft.com/office/drawing/2014/main" id="{115E549F-D310-63EA-1A24-940498BACE03}"/>
+            </a:ext>
+          </a:extLst>
+        </p:cNvPr>
         <p:cNvGrpSpPr/>
         <p:nvPr/>
       </p:nvGrpSpPr>
-      <p:grpSpPr/>
-      <p:sp>
-        <p:nvSpPr>
-          <p:cNvPr id="2" name="Rectangle 1"/>
+      <p:grpSpPr>
+        <a:xfrm>
+          <a:off x="0" y="0"/>
+          <a:ext cx="0" cy="0"/>
+          <a:chOff x="0" y="0"/>
+          <a:chExt cx="0" cy="0"/>
+        </a:xfrm>
+      </p:grpSpPr>
+      <p:sp>
+        <p:nvSpPr>
+          <p:cNvPr id="2" name="Rectangle 1">
+            <a:extLst>
+              <a:ext uri="{FF2B5EF4-FFF2-40B4-BE49-F238E27FC236}">
+                <a16:creationId xmlns:a16="http://schemas.microsoft.com/office/drawing/2014/main" id="{5144AB3C-6CB7-49CF-E341-1F0369EA5DDD}"/>
+              </a:ext>
+            </a:extLst>
+          </p:cNvPr>
           <p:cNvSpPr/>
           <p:nvPr/>
         </p:nvSpPr>
@@ -5511,12 +5658,19 @@
           <a:lstStyle/>
           <a:p>
             <a:pPr algn="ctr"/>
-          </a:p>
-        </p:txBody>
-      </p:sp>
-      <p:sp>
-        <p:nvSpPr>
-          <p:cNvPr id="3" name="TextBox 2"/>
+            <a:endParaRPr lang="es-ES" noProof="0" dirty="0"/>
+          </a:p>
+        </p:txBody>
+      </p:sp>
+      <p:sp>
+        <p:nvSpPr>
+          <p:cNvPr id="3" name="TextBox 2">
+            <a:extLst>
+              <a:ext uri="{FF2B5EF4-FFF2-40B4-BE49-F238E27FC236}">
+                <a16:creationId xmlns:a16="http://schemas.microsoft.com/office/drawing/2014/main" id="{EA7E7A95-2F9A-0E87-1FBD-3FED4608977D}"/>
+              </a:ext>
+            </a:extLst>
+          </p:cNvPr>
           <p:cNvSpPr txBox="1"/>
           <p:nvPr/>
         </p:nvSpPr>
@@ -5544,21 +5698,28 @@
               </a:defRPr>
             </a:pPr>
             <a:r>
-              <a:t>Lecciones &amp; Aspectos Avanzados</a:t>
-            </a:r>
-          </a:p>
-        </p:txBody>
-      </p:sp>
-      <p:sp>
-        <p:nvSpPr>
-          <p:cNvPr id="4" name="TextBox 3"/>
+              <a:rPr lang="es-ES" noProof="0" dirty="0"/>
+              <a:t>Arquitectura &amp; Tecnologías</a:t>
+            </a:r>
+          </a:p>
+        </p:txBody>
+      </p:sp>
+      <p:sp>
+        <p:nvSpPr>
+          <p:cNvPr id="4" name="TextBox 3">
+            <a:extLst>
+              <a:ext uri="{FF2B5EF4-FFF2-40B4-BE49-F238E27FC236}">
+                <a16:creationId xmlns:a16="http://schemas.microsoft.com/office/drawing/2014/main" id="{DE1C2497-1A5E-3145-D9EA-C746F8B4CD85}"/>
+              </a:ext>
+            </a:extLst>
+          </p:cNvPr>
           <p:cNvSpPr txBox="1"/>
           <p:nvPr/>
         </p:nvSpPr>
         <p:spPr>
           <a:xfrm>
             <a:off x="548640" y="1097280"/>
-            <a:ext cx="8046720" cy="5303520"/>
+            <a:ext cx="8046720" cy="4324261"/>
           </a:xfrm>
           <a:prstGeom prst="rect">
             <a:avLst/>
@@ -5585,438 +5746,336 @@
               </a:defRPr>
             </a:pPr>
             <a:r>
-              <a:t>🎓 LECCIONES APRENDIDAS:</a:t>
-            </a:r>
-          </a:p>
-          <a:p>
-            <a:pPr>
-              <a:spcBef>
-                <a:spcPts val="400"/>
-              </a:spcBef>
-              <a:spcAft>
-                <a:spcPts val="400"/>
-              </a:spcAft>
-              <a:defRPr sz="1500">
-                <a:solidFill>
-                  <a:srgbClr val="323232"/>
-                </a:solidFill>
-              </a:defRPr>
-            </a:pPr>
-            <a:r>
-              <a:t>  • Integración eficiente de múltiples lenguajes (Python + Node.js)</a:t>
-            </a:r>
-          </a:p>
-          <a:p>
-            <a:pPr>
-              <a:spcBef>
-                <a:spcPts val="400"/>
-              </a:spcBef>
-              <a:spcAft>
-                <a:spcPts val="400"/>
-              </a:spcAft>
-              <a:defRPr sz="1500">
-                <a:solidFill>
-                  <a:srgbClr val="323232"/>
-                </a:solidFill>
-              </a:defRPr>
-            </a:pPr>
-            <a:r>
-              <a:t>  • Orquestación compleja con Docker Compose (6 contenedores)</a:t>
-            </a:r>
-          </a:p>
-          <a:p>
-            <a:pPr>
-              <a:spcBef>
-                <a:spcPts val="400"/>
-              </a:spcBef>
-              <a:spcAft>
-                <a:spcPts val="400"/>
-              </a:spcAft>
-              <a:defRPr sz="1500">
-                <a:solidFill>
-                  <a:srgbClr val="323232"/>
-                </a:solidFill>
-              </a:defRPr>
-            </a:pPr>
-            <a:r>
-              <a:t>  • Gestión de dependencias entre servicios</a:t>
-            </a:r>
-          </a:p>
-          <a:p>
-            <a:pPr>
-              <a:spcBef>
-                <a:spcPts val="400"/>
-              </a:spcBef>
-              <a:spcAft>
-                <a:spcPts val="400"/>
-              </a:spcAft>
-              <a:defRPr sz="1500">
-                <a:solidFill>
-                  <a:srgbClr val="323232"/>
-                </a:solidFill>
-              </a:defRPr>
-            </a:pPr>
-            <a:r>
-              <a:t>  • Implementación de API Gateway para centralizar autenticación</a:t>
-            </a:r>
-          </a:p>
-          <a:p>
-            <a:pPr>
-              <a:spcBef>
-                <a:spcPts val="400"/>
-              </a:spcBef>
-              <a:spcAft>
-                <a:spcPts val="400"/>
-              </a:spcAft>
-              <a:defRPr sz="1500">
-                <a:solidFill>
-                  <a:srgbClr val="323232"/>
-                </a:solidFill>
-              </a:defRPr>
-            </a:pPr>
-          </a:p>
-          <a:p>
-            <a:pPr>
-              <a:spcBef>
-                <a:spcPts val="400"/>
-              </a:spcBef>
-              <a:spcAft>
-                <a:spcPts val="400"/>
-              </a:spcAft>
-              <a:defRPr sz="1500">
-                <a:solidFill>
-                  <a:srgbClr val="323232"/>
-                </a:solidFill>
-              </a:defRPr>
-            </a:pPr>
-            <a:r>
-              <a:t>⚡ ASPECTOS AVANZADOS IMPLEMENTADOS:</a:t>
-            </a:r>
-          </a:p>
-          <a:p>
-            <a:pPr>
-              <a:spcBef>
-                <a:spcPts val="400"/>
-              </a:spcBef>
-              <a:spcAft>
-                <a:spcPts val="400"/>
-              </a:spcAft>
-              <a:defRPr sz="1500">
-                <a:solidFill>
-                  <a:srgbClr val="323232"/>
-                </a:solidFill>
-              </a:defRPr>
-            </a:pPr>
-            <a:r>
-              <a:t>  • API Gateway con proxy inverso inteligente (express-http-proxy)</a:t>
-            </a:r>
-          </a:p>
-          <a:p>
-            <a:pPr>
-              <a:spcBef>
-                <a:spcPts val="400"/>
-              </a:spcBef>
-              <a:spcAft>
-                <a:spcPts val="400"/>
-              </a:spcAft>
-              <a:defRPr sz="1500">
-                <a:solidFill>
-                  <a:srgbClr val="323232"/>
-                </a:solidFill>
-              </a:defRPr>
-            </a:pPr>
-            <a:r>
-              <a:t>  • Mapeo de rutas y validación centralizada de JWT</a:t>
-            </a:r>
-          </a:p>
-          <a:p>
-            <a:pPr>
-              <a:spcBef>
-                <a:spcPts val="400"/>
-              </a:spcBef>
-              <a:spcAft>
-                <a:spcPts val="400"/>
-              </a:spcAft>
-              <a:defRPr sz="1500">
-                <a:solidFill>
-                  <a:srgbClr val="323232"/>
-                </a:solidFill>
-              </a:defRPr>
-            </a:pPr>
-            <a:r>
-              <a:t>  • Async/await en FastAPI: operaciones no-bloqueantes</a:t>
-            </a:r>
-          </a:p>
-          <a:p>
-            <a:pPr>
-              <a:spcBef>
-                <a:spcPts val="400"/>
-              </a:spcBef>
-              <a:spcAft>
-                <a:spcPts val="400"/>
-              </a:spcAft>
-              <a:defRPr sz="1500">
-                <a:solidFill>
-                  <a:srgbClr val="323232"/>
-                </a:solidFill>
-              </a:defRPr>
-            </a:pPr>
-            <a:r>
-              <a:t>  • Motor: driver async para MongoDB con alta concurrencia</a:t>
-            </a:r>
-          </a:p>
-          <a:p>
-            <a:pPr>
-              <a:spcBef>
-                <a:spcPts val="400"/>
-              </a:spcBef>
-              <a:spcAft>
-                <a:spcPts val="400"/>
-              </a:spcAft>
-              <a:defRPr sz="1500">
-                <a:solidFill>
-                  <a:srgbClr val="323232"/>
-                </a:solidFill>
-              </a:defRPr>
-            </a:pPr>
-            <a:r>
-              <a:t>  • JWT con tokens con expiración y revocación</a:t>
-            </a:r>
-          </a:p>
-          <a:p>
-            <a:pPr>
-              <a:spcBef>
-                <a:spcPts val="400"/>
-              </a:spcBef>
-              <a:spcAft>
-                <a:spcPts val="400"/>
-              </a:spcAft>
-              <a:defRPr sz="1500">
-                <a:solidFill>
-                  <a:srgbClr val="323232"/>
-                </a:solidFill>
-              </a:defRPr>
-            </a:pPr>
-            <a:r>
-              <a:t>  • CORS configurado en gateway y backends para seguridad</a:t>
-            </a:r>
-          </a:p>
-          <a:p>
-            <a:pPr>
-              <a:spcBef>
-                <a:spcPts val="400"/>
-              </a:spcBef>
-              <a:spcAft>
-                <a:spcPts val="400"/>
-              </a:spcAft>
-              <a:defRPr sz="1500">
-                <a:solidFill>
-                  <a:srgbClr val="323232"/>
-                </a:solidFill>
-              </a:defRPr>
-            </a:pPr>
-            <a:r>
-              <a:t>  • Rutas protegidas: ProtectedRoute y AdminRoute en React</a:t>
-            </a:r>
-          </a:p>
-          <a:p>
-            <a:pPr>
-              <a:spcBef>
-                <a:spcPts val="400"/>
-              </a:spcBef>
-              <a:spcAft>
-                <a:spcPts val="400"/>
-              </a:spcAft>
-              <a:defRPr sz="1500">
-                <a:solidFill>
-                  <a:srgbClr val="323232"/>
-                </a:solidFill>
-              </a:defRPr>
-            </a:pPr>
-            <a:r>
-              <a:t>  • Validación de entrada con Pydantic schemas</a:t>
-            </a:r>
-          </a:p>
-          <a:p>
-            <a:pPr>
-              <a:spcBef>
-                <a:spcPts val="400"/>
-              </a:spcBef>
-              <a:spcAft>
-                <a:spcPts val="400"/>
-              </a:spcAft>
-              <a:defRPr sz="1500">
-                <a:solidFill>
-                  <a:srgbClr val="323232"/>
-                </a:solidFill>
-              </a:defRPr>
-            </a:pPr>
-            <a:r>
-              <a:t>  • Hashing seguro de contraseñas con bcrypt</a:t>
-            </a:r>
-          </a:p>
-          <a:p>
-            <a:pPr>
-              <a:spcBef>
-                <a:spcPts val="400"/>
-              </a:spcBef>
-              <a:spcAft>
-                <a:spcPts val="400"/>
-              </a:spcAft>
-              <a:defRPr sz="1500">
-                <a:solidFill>
-                  <a:srgbClr val="323232"/>
-                </a:solidFill>
-              </a:defRPr>
-            </a:pPr>
-            <a:r>
-              <a:t>  • Control de acceso basado en roles (RBAC)</a:t>
-            </a:r>
-          </a:p>
-          <a:p>
-            <a:pPr>
-              <a:spcBef>
-                <a:spcPts val="400"/>
-              </a:spcBef>
-              <a:spcAft>
-                <a:spcPts val="400"/>
-              </a:spcAft>
-              <a:defRPr sz="1500">
-                <a:solidFill>
-                  <a:srgbClr val="323232"/>
-                </a:solidFill>
-              </a:defRPr>
-            </a:pPr>
-          </a:p>
-          <a:p>
-            <a:pPr>
-              <a:spcBef>
-                <a:spcPts val="400"/>
-              </a:spcBef>
-              <a:spcAft>
-                <a:spcPts val="400"/>
-              </a:spcAft>
-              <a:defRPr sz="1500">
-                <a:solidFill>
-                  <a:srgbClr val="323232"/>
-                </a:solidFill>
-              </a:defRPr>
-            </a:pPr>
-            <a:r>
-              <a:t>⭐ POR QUÉ MERECE BUENA NOTA:</a:t>
-            </a:r>
-          </a:p>
-          <a:p>
-            <a:pPr>
-              <a:spcBef>
-                <a:spcPts val="400"/>
-              </a:spcBef>
-              <a:spcAft>
-                <a:spcPts val="400"/>
-              </a:spcAft>
-              <a:defRPr sz="1500">
-                <a:solidFill>
-                  <a:srgbClr val="323232"/>
-                </a:solidFill>
-              </a:defRPr>
-            </a:pPr>
-            <a:r>
-              <a:t>  ✅ Sistema COMPLETO y FUNCIONAL (Full-Stack + Gateway)</a:t>
-            </a:r>
-          </a:p>
-          <a:p>
-            <a:pPr>
-              <a:spcBef>
-                <a:spcPts val="400"/>
-              </a:spcBef>
-              <a:spcAft>
-                <a:spcPts val="400"/>
-              </a:spcAft>
-              <a:defRPr sz="1500">
-                <a:solidFill>
-                  <a:srgbClr val="323232"/>
-                </a:solidFill>
-              </a:defRPr>
-            </a:pPr>
-            <a:r>
-              <a:t>  ✅ Arquitectura PROFESIONAL (3-tier con API Gateway)</a:t>
-            </a:r>
-          </a:p>
-          <a:p>
-            <a:pPr>
-              <a:spcBef>
-                <a:spcPts val="400"/>
-              </a:spcBef>
-              <a:spcAft>
-                <a:spcPts val="400"/>
-              </a:spcAft>
-              <a:defRPr sz="1500">
-                <a:solidFill>
-                  <a:srgbClr val="323232"/>
-                </a:solidFill>
-              </a:defRPr>
-            </a:pPr>
-            <a:r>
-              <a:t>  ✅ SEGURIDAD en múltiples niveles (JWT + RBAC + CORS)</a:t>
-            </a:r>
-          </a:p>
-          <a:p>
-            <a:pPr>
-              <a:spcBef>
-                <a:spcPts val="400"/>
-              </a:spcBef>
-              <a:spcAft>
-                <a:spcPts val="400"/>
-              </a:spcAft>
-              <a:defRPr sz="1500">
-                <a:solidFill>
-                  <a:srgbClr val="323232"/>
-                </a:solidFill>
-              </a:defRPr>
-            </a:pPr>
-            <a:r>
-              <a:t>  ✅ BUENAS PRÁCTICAS y patrones de diseño actuales</a:t>
-            </a:r>
-          </a:p>
-          <a:p>
-            <a:pPr>
-              <a:spcBef>
-                <a:spcPts val="400"/>
-              </a:spcBef>
-              <a:spcAft>
-                <a:spcPts val="400"/>
-              </a:spcAft>
-              <a:defRPr sz="1500">
-                <a:solidFill>
-                  <a:srgbClr val="323232"/>
-                </a:solidFill>
-              </a:defRPr>
-            </a:pPr>
-            <a:r>
-              <a:t>  ✅ ESCALABLE y MANTENIBLE para producción</a:t>
-            </a:r>
-          </a:p>
-          <a:p>
-            <a:pPr>
-              <a:spcBef>
-                <a:spcPts val="400"/>
-              </a:spcBef>
-              <a:spcAft>
-                <a:spcPts val="400"/>
-              </a:spcAft>
-              <a:defRPr sz="1500">
-                <a:solidFill>
-                  <a:srgbClr val="323232"/>
-                </a:solidFill>
-              </a:defRPr>
-            </a:pPr>
-            <a:r>
-              <a:t>  ✅ Containerizado con Docker para reproducibilidad</a:t>
-            </a:r>
+              <a:rPr lang="es-ES" sz="1600" b="1" noProof="0" dirty="0"/>
+              <a:t>TIPO DE ARQUITECTURA: MICROSERVICIOS CON API GATEWAY:</a:t>
+            </a:r>
+          </a:p>
+          <a:p>
+            <a:pPr>
+              <a:spcBef>
+                <a:spcPts val="400"/>
+              </a:spcBef>
+              <a:spcAft>
+                <a:spcPts val="400"/>
+              </a:spcAft>
+              <a:defRPr sz="1500">
+                <a:solidFill>
+                  <a:srgbClr val="323232"/>
+                </a:solidFill>
+              </a:defRPr>
+            </a:pPr>
+            <a:r>
+              <a:rPr lang="es-ES" noProof="0" dirty="0"/>
+              <a:t>  • API Gateway centralizado (Express.js en Node.js)</a:t>
+            </a:r>
+          </a:p>
+          <a:p>
+            <a:pPr>
+              <a:spcBef>
+                <a:spcPts val="400"/>
+              </a:spcBef>
+              <a:spcAft>
+                <a:spcPts val="400"/>
+              </a:spcAft>
+              <a:defRPr sz="1500">
+                <a:solidFill>
+                  <a:srgbClr val="323232"/>
+                </a:solidFill>
+              </a:defRPr>
+            </a:pPr>
+            <a:r>
+              <a:rPr lang="es-ES" noProof="0" dirty="0"/>
+              <a:t>  • 2 servicios </a:t>
+            </a:r>
+            <a:r>
+              <a:rPr lang="es-ES" noProof="0" dirty="0" err="1"/>
+              <a:t>backend</a:t>
+            </a:r>
+            <a:r>
+              <a:rPr lang="es-ES" noProof="0" dirty="0"/>
+              <a:t> independientes</a:t>
+            </a:r>
+          </a:p>
+          <a:p>
+            <a:pPr>
+              <a:spcBef>
+                <a:spcPts val="400"/>
+              </a:spcBef>
+              <a:spcAft>
+                <a:spcPts val="400"/>
+              </a:spcAft>
+              <a:defRPr sz="1500">
+                <a:solidFill>
+                  <a:srgbClr val="323232"/>
+                </a:solidFill>
+              </a:defRPr>
+            </a:pPr>
+            <a:r>
+              <a:rPr lang="es-ES" noProof="0" dirty="0"/>
+              <a:t>  • 2 bases de datos especializadas</a:t>
+            </a:r>
+          </a:p>
+          <a:p>
+            <a:pPr>
+              <a:spcBef>
+                <a:spcPts val="400"/>
+              </a:spcBef>
+              <a:spcAft>
+                <a:spcPts val="400"/>
+              </a:spcAft>
+              <a:defRPr sz="1500">
+                <a:solidFill>
+                  <a:srgbClr val="323232"/>
+                </a:solidFill>
+              </a:defRPr>
+            </a:pPr>
+            <a:r>
+              <a:rPr lang="es-ES" noProof="0" dirty="0"/>
+              <a:t>  • </a:t>
+            </a:r>
+            <a:r>
+              <a:rPr lang="es-ES" noProof="0" dirty="0" err="1"/>
+              <a:t>Frontend</a:t>
+            </a:r>
+            <a:r>
+              <a:rPr lang="es-ES" noProof="0" dirty="0"/>
+              <a:t> desvinculado de la lógica del servidor</a:t>
+            </a:r>
+          </a:p>
+          <a:p>
+            <a:pPr>
+              <a:spcBef>
+                <a:spcPts val="400"/>
+              </a:spcBef>
+              <a:spcAft>
+                <a:spcPts val="400"/>
+              </a:spcAft>
+              <a:defRPr sz="1500">
+                <a:solidFill>
+                  <a:srgbClr val="323232"/>
+                </a:solidFill>
+              </a:defRPr>
+            </a:pPr>
+            <a:r>
+              <a:rPr lang="es-ES" noProof="0" dirty="0"/>
+              <a:t>  • Cada servicio puede escalarse independientemente</a:t>
+            </a:r>
+          </a:p>
+          <a:p>
+            <a:pPr>
+              <a:spcBef>
+                <a:spcPts val="400"/>
+              </a:spcBef>
+              <a:spcAft>
+                <a:spcPts val="400"/>
+              </a:spcAft>
+              <a:defRPr sz="1500">
+                <a:solidFill>
+                  <a:srgbClr val="323232"/>
+                </a:solidFill>
+              </a:defRPr>
+            </a:pPr>
+            <a:endParaRPr lang="es-ES" noProof="0" dirty="0"/>
+          </a:p>
+          <a:p>
+            <a:pPr>
+              <a:spcBef>
+                <a:spcPts val="400"/>
+              </a:spcBef>
+              <a:spcAft>
+                <a:spcPts val="400"/>
+              </a:spcAft>
+              <a:defRPr sz="1500">
+                <a:solidFill>
+                  <a:srgbClr val="323232"/>
+                </a:solidFill>
+              </a:defRPr>
+            </a:pPr>
+            <a:r>
+              <a:rPr lang="es-ES" sz="1600" b="1" noProof="0" dirty="0"/>
+              <a:t>STACK TECNOLÓGICO:</a:t>
+            </a:r>
+          </a:p>
+          <a:p>
+            <a:pPr>
+              <a:spcBef>
+                <a:spcPts val="400"/>
+              </a:spcBef>
+              <a:spcAft>
+                <a:spcPts val="400"/>
+              </a:spcAft>
+              <a:defRPr sz="1500">
+                <a:solidFill>
+                  <a:srgbClr val="323232"/>
+                </a:solidFill>
+              </a:defRPr>
+            </a:pPr>
+            <a:r>
+              <a:rPr lang="es-ES" noProof="0" dirty="0"/>
+              <a:t>  • API Gateway: Express.js en Node.js (puerto 8080)</a:t>
+            </a:r>
+          </a:p>
+          <a:p>
+            <a:pPr>
+              <a:spcBef>
+                <a:spcPts val="400"/>
+              </a:spcBef>
+              <a:spcAft>
+                <a:spcPts val="400"/>
+              </a:spcAft>
+              <a:defRPr sz="1500">
+                <a:solidFill>
+                  <a:srgbClr val="323232"/>
+                </a:solidFill>
+              </a:defRPr>
+            </a:pPr>
+            <a:r>
+              <a:rPr lang="es-ES" noProof="0" dirty="0"/>
+              <a:t>  • </a:t>
+            </a:r>
+            <a:r>
+              <a:rPr lang="es-ES" noProof="0" dirty="0" err="1"/>
+              <a:t>Backend</a:t>
+            </a:r>
+            <a:r>
+              <a:rPr lang="es-ES" noProof="0" dirty="0"/>
+              <a:t> 1: </a:t>
+            </a:r>
+            <a:r>
+              <a:rPr lang="es-ES" noProof="0" dirty="0" err="1"/>
+              <a:t>FastAPI</a:t>
+            </a:r>
+            <a:r>
+              <a:rPr lang="es-ES" noProof="0" dirty="0"/>
+              <a:t> + Motor (</a:t>
+            </a:r>
+            <a:r>
+              <a:rPr lang="es-ES" noProof="0" dirty="0" err="1"/>
+              <a:t>async</a:t>
+            </a:r>
+            <a:r>
+              <a:rPr lang="es-ES" noProof="0" dirty="0"/>
+              <a:t> MongoDB) en Python</a:t>
+            </a:r>
+          </a:p>
+          <a:p>
+            <a:pPr>
+              <a:spcBef>
+                <a:spcPts val="400"/>
+              </a:spcBef>
+              <a:spcAft>
+                <a:spcPts val="400"/>
+              </a:spcAft>
+              <a:defRPr sz="1500">
+                <a:solidFill>
+                  <a:srgbClr val="323232"/>
+                </a:solidFill>
+              </a:defRPr>
+            </a:pPr>
+            <a:r>
+              <a:rPr lang="es-ES" noProof="0" dirty="0"/>
+              <a:t>  • </a:t>
+            </a:r>
+            <a:r>
+              <a:rPr lang="es-ES" noProof="0" dirty="0" err="1"/>
+              <a:t>Backend</a:t>
+            </a:r>
+            <a:r>
+              <a:rPr lang="es-ES" noProof="0" dirty="0"/>
+              <a:t> 2: Express.js + MySQL en Node.js</a:t>
+            </a:r>
+          </a:p>
+          <a:p>
+            <a:pPr>
+              <a:spcBef>
+                <a:spcPts val="400"/>
+              </a:spcBef>
+              <a:spcAft>
+                <a:spcPts val="400"/>
+              </a:spcAft>
+              <a:defRPr sz="1500">
+                <a:solidFill>
+                  <a:srgbClr val="323232"/>
+                </a:solidFill>
+              </a:defRPr>
+            </a:pPr>
+            <a:r>
+              <a:rPr lang="es-ES" noProof="0" dirty="0"/>
+              <a:t>  • </a:t>
+            </a:r>
+            <a:r>
+              <a:rPr lang="es-ES" noProof="0" dirty="0" err="1"/>
+              <a:t>Frontend</a:t>
+            </a:r>
+            <a:r>
+              <a:rPr lang="es-ES" noProof="0" dirty="0"/>
+              <a:t>: </a:t>
+            </a:r>
+            <a:r>
+              <a:rPr lang="es-ES" noProof="0" dirty="0" err="1"/>
+              <a:t>React</a:t>
+            </a:r>
+            <a:r>
+              <a:rPr lang="es-ES" noProof="0" dirty="0"/>
+              <a:t> 19 + Vite + </a:t>
+            </a:r>
+            <a:r>
+              <a:rPr lang="es-ES" noProof="0" dirty="0" err="1"/>
+              <a:t>React</a:t>
+            </a:r>
+            <a:r>
+              <a:rPr lang="es-ES" noProof="0" dirty="0"/>
+              <a:t> </a:t>
+            </a:r>
+            <a:r>
+              <a:rPr lang="es-ES" noProof="0" dirty="0" err="1"/>
+              <a:t>Router</a:t>
+            </a:r>
+            <a:r>
+              <a:rPr lang="es-ES" noProof="0" dirty="0"/>
+              <a:t> v7</a:t>
+            </a:r>
+          </a:p>
+          <a:p>
+            <a:pPr>
+              <a:spcBef>
+                <a:spcPts val="400"/>
+              </a:spcBef>
+              <a:spcAft>
+                <a:spcPts val="400"/>
+              </a:spcAft>
+              <a:defRPr sz="1500">
+                <a:solidFill>
+                  <a:srgbClr val="323232"/>
+                </a:solidFill>
+              </a:defRPr>
+            </a:pPr>
+            <a:r>
+              <a:rPr lang="es-ES" noProof="0" dirty="0"/>
+              <a:t>  • DevOps: Docker + Docker </a:t>
+            </a:r>
+            <a:r>
+              <a:rPr lang="es-ES" noProof="0" dirty="0" err="1"/>
+              <a:t>Compose</a:t>
+            </a:r>
+            <a:r>
+              <a:rPr lang="es-ES" noProof="0" dirty="0"/>
+              <a:t> + </a:t>
+            </a:r>
+            <a:r>
+              <a:rPr lang="es-ES" noProof="0" dirty="0" err="1"/>
+              <a:t>Nginx</a:t>
+            </a:r>
+            <a:endParaRPr lang="es-ES" noProof="0" dirty="0"/>
           </a:p>
         </p:txBody>
       </p:sp>
     </p:spTree>
+    <p:extLst>
+      <p:ext uri="{BB962C8B-B14F-4D97-AF65-F5344CB8AC3E}">
+        <p14:creationId xmlns:p14="http://schemas.microsoft.com/office/powerpoint/2010/main" val="2086479497"/>
+      </p:ext>
+    </p:extLst>
   </p:cSld>
   <p:clrMapOvr>
     <a:masterClrMapping/>
@@ -6024,8 +6083,8 @@
 </p:sld>
 </file>
 
-<file path=ppt/slides/slide7.xml><?xml version="1.0" encoding="utf-8"?>
-<p:sld xmlns:a="http://schemas.openxmlformats.org/drawingml/2006/main" xmlns:p="http://schemas.openxmlformats.org/presentationml/2006/main" xmlns:r="http://schemas.openxmlformats.org/officeDocument/2006/relationships">
+<file path=ppt/slides/slide6.xml><?xml version="1.0" encoding="utf-8"?>
+<p:sld xmlns:a="http://schemas.openxmlformats.org/drawingml/2006/main" xmlns:r="http://schemas.openxmlformats.org/officeDocument/2006/relationships" xmlns:p="http://schemas.openxmlformats.org/presentationml/2006/main">
   <p:cSld>
     <p:bg>
       <p:bgPr>
@@ -6041,7 +6100,14 @@
         <p:cNvGrpSpPr/>
         <p:nvPr/>
       </p:nvGrpSpPr>
-      <p:grpSpPr/>
+      <p:grpSpPr>
+        <a:xfrm>
+          <a:off x="0" y="0"/>
+          <a:ext cx="0" cy="0"/>
+          <a:chOff x="0" y="0"/>
+          <a:chExt cx="0" cy="0"/>
+        </a:xfrm>
+      </p:grpSpPr>
       <p:sp>
         <p:nvSpPr>
           <p:cNvPr id="2" name="Rectangle 1"/>
@@ -6084,6 +6150,7 @@
           <a:lstStyle/>
           <a:p>
             <a:pPr algn="ctr"/>
+            <a:endParaRPr lang="es-ES" noProof="0" dirty="0"/>
           </a:p>
         </p:txBody>
       </p:sp>
@@ -6117,7 +6184,8 @@
               </a:defRPr>
             </a:pPr>
             <a:r>
-              <a:t>Demo &amp; Conclusiones</a:t>
+              <a:rPr lang="es-ES" noProof="0" dirty="0"/>
+              <a:t>Arquitectura &amp; Tecnologías</a:t>
             </a:r>
           </a:p>
         </p:txBody>
@@ -6131,7 +6199,7 @@
         <p:spPr>
           <a:xfrm>
             <a:off x="548640" y="1097280"/>
-            <a:ext cx="8046720" cy="5303520"/>
+            <a:ext cx="8046720" cy="5324535"/>
           </a:xfrm>
           <a:prstGeom prst="rect">
             <a:avLst/>
@@ -6158,42 +6226,1469 @@
               </a:defRPr>
             </a:pPr>
             <a:r>
-              <a:t>🎬 PASOS DE LA DEMO:</a:t>
-            </a:r>
-          </a:p>
-          <a:p>
-            <a:pPr>
-              <a:spcBef>
-                <a:spcPts val="400"/>
-              </a:spcBef>
-              <a:spcAft>
-                <a:spcPts val="400"/>
-              </a:spcAft>
-              <a:defRPr sz="1500">
-                <a:solidFill>
-                  <a:srgbClr val="323232"/>
-                </a:solidFill>
-              </a:defRPr>
-            </a:pPr>
-            <a:r>
-              <a:t>  1. Acceder a http://localhost:5173 (Frontend React)</a:t>
-            </a:r>
-          </a:p>
-          <a:p>
-            <a:pPr>
-              <a:spcBef>
-                <a:spcPts val="400"/>
-              </a:spcBef>
-              <a:spcAft>
-                <a:spcPts val="400"/>
-              </a:spcAft>
-              <a:defRPr sz="1500">
-                <a:solidFill>
-                  <a:srgbClr val="323232"/>
-                </a:solidFill>
-              </a:defRPr>
-            </a:pPr>
-            <a:r>
+              <a:rPr lang="es-ES" b="1" noProof="0" dirty="0"/>
+              <a:t>API GATEWAY - PUNTO DE ENTRADA ÚNICO:</a:t>
+            </a:r>
+          </a:p>
+          <a:p>
+            <a:pPr>
+              <a:spcBef>
+                <a:spcPts val="400"/>
+              </a:spcBef>
+              <a:spcAft>
+                <a:spcPts val="400"/>
+              </a:spcAft>
+              <a:defRPr sz="1500">
+                <a:solidFill>
+                  <a:srgbClr val="323232"/>
+                </a:solidFill>
+              </a:defRPr>
+            </a:pPr>
+            <a:r>
+              <a:rPr lang="es-ES" noProof="0" dirty="0"/>
+              <a:t>  • Autenticación JWT centralizada</a:t>
+            </a:r>
+          </a:p>
+          <a:p>
+            <a:pPr>
+              <a:spcBef>
+                <a:spcPts val="400"/>
+              </a:spcBef>
+              <a:spcAft>
+                <a:spcPts val="400"/>
+              </a:spcAft>
+              <a:defRPr sz="1500">
+                <a:solidFill>
+                  <a:srgbClr val="323232"/>
+                </a:solidFill>
+              </a:defRPr>
+            </a:pPr>
+            <a:r>
+              <a:rPr lang="es-ES" noProof="0" dirty="0"/>
+              <a:t>  • Proxy inverso inteligente hacia servicios </a:t>
+            </a:r>
+            <a:r>
+              <a:rPr lang="es-ES" noProof="0" dirty="0" err="1"/>
+              <a:t>backend</a:t>
+            </a:r>
+            <a:endParaRPr lang="es-ES" noProof="0" dirty="0"/>
+          </a:p>
+          <a:p>
+            <a:pPr>
+              <a:spcBef>
+                <a:spcPts val="400"/>
+              </a:spcBef>
+              <a:spcAft>
+                <a:spcPts val="400"/>
+              </a:spcAft>
+              <a:defRPr sz="1500">
+                <a:solidFill>
+                  <a:srgbClr val="323232"/>
+                </a:solidFill>
+              </a:defRPr>
+            </a:pPr>
+            <a:r>
+              <a:rPr lang="es-ES" noProof="0" dirty="0"/>
+              <a:t>  • Mapeo de rutas: /</a:t>
+            </a:r>
+            <a:r>
+              <a:rPr lang="es-ES" noProof="0" dirty="0" err="1"/>
+              <a:t>auth</a:t>
+            </a:r>
+            <a:r>
+              <a:rPr lang="es-ES" noProof="0" dirty="0"/>
+              <a:t>/* → /</a:t>
+            </a:r>
+            <a:r>
+              <a:rPr lang="es-ES" noProof="0" dirty="0" err="1"/>
+              <a:t>users</a:t>
+            </a:r>
+            <a:r>
+              <a:rPr lang="es-ES" noProof="0" dirty="0"/>
+              <a:t>/* (</a:t>
+            </a:r>
+            <a:r>
+              <a:rPr lang="es-ES" noProof="0" dirty="0" err="1"/>
+              <a:t>users</a:t>
+            </a:r>
+            <a:r>
+              <a:rPr lang="es-ES" noProof="0" dirty="0"/>
+              <a:t> </a:t>
+            </a:r>
+            <a:r>
+              <a:rPr lang="es-ES" noProof="0" dirty="0" err="1"/>
+              <a:t>service</a:t>
+            </a:r>
+            <a:r>
+              <a:rPr lang="es-ES" noProof="0" dirty="0"/>
+              <a:t>)</a:t>
+            </a:r>
+          </a:p>
+          <a:p>
+            <a:pPr>
+              <a:spcBef>
+                <a:spcPts val="400"/>
+              </a:spcBef>
+              <a:spcAft>
+                <a:spcPts val="400"/>
+              </a:spcAft>
+              <a:defRPr sz="1500">
+                <a:solidFill>
+                  <a:srgbClr val="323232"/>
+                </a:solidFill>
+              </a:defRPr>
+            </a:pPr>
+            <a:r>
+              <a:rPr lang="es-ES" noProof="0" dirty="0"/>
+              <a:t>  • Manejo de rutas públicas y protegidas</a:t>
+            </a:r>
+          </a:p>
+          <a:p>
+            <a:pPr>
+              <a:spcBef>
+                <a:spcPts val="400"/>
+              </a:spcBef>
+              <a:spcAft>
+                <a:spcPts val="400"/>
+              </a:spcAft>
+              <a:defRPr sz="1500">
+                <a:solidFill>
+                  <a:srgbClr val="323232"/>
+                </a:solidFill>
+              </a:defRPr>
+            </a:pPr>
+            <a:r>
+              <a:rPr lang="es-ES" noProof="0" dirty="0"/>
+              <a:t>  • </a:t>
+            </a:r>
+            <a:r>
+              <a:rPr lang="es-ES" noProof="0" dirty="0" err="1"/>
+              <a:t>Logging</a:t>
+            </a:r>
+            <a:r>
+              <a:rPr lang="es-ES" noProof="0" dirty="0"/>
+              <a:t> centralizado con Morgan</a:t>
+            </a:r>
+          </a:p>
+          <a:p>
+            <a:pPr>
+              <a:spcBef>
+                <a:spcPts val="400"/>
+              </a:spcBef>
+              <a:spcAft>
+                <a:spcPts val="400"/>
+              </a:spcAft>
+              <a:defRPr sz="1500">
+                <a:solidFill>
+                  <a:srgbClr val="323232"/>
+                </a:solidFill>
+              </a:defRPr>
+            </a:pPr>
+            <a:r>
+              <a:rPr lang="es-ES" noProof="0" dirty="0"/>
+              <a:t>  • CORS configurado para </a:t>
+            </a:r>
+            <a:r>
+              <a:rPr lang="es-ES" noProof="0" dirty="0" err="1"/>
+              <a:t>frontend</a:t>
+            </a:r>
+            <a:endParaRPr lang="es-ES" noProof="0" dirty="0"/>
+          </a:p>
+          <a:p>
+            <a:pPr>
+              <a:spcBef>
+                <a:spcPts val="400"/>
+              </a:spcBef>
+              <a:spcAft>
+                <a:spcPts val="400"/>
+              </a:spcAft>
+              <a:defRPr sz="1500">
+                <a:solidFill>
+                  <a:srgbClr val="323232"/>
+                </a:solidFill>
+              </a:defRPr>
+            </a:pPr>
+            <a:endParaRPr lang="es-ES" noProof="0" dirty="0"/>
+          </a:p>
+          <a:p>
+            <a:pPr>
+              <a:spcBef>
+                <a:spcPts val="400"/>
+              </a:spcBef>
+              <a:spcAft>
+                <a:spcPts val="400"/>
+              </a:spcAft>
+              <a:defRPr sz="1500">
+                <a:solidFill>
+                  <a:srgbClr val="323232"/>
+                </a:solidFill>
+              </a:defRPr>
+            </a:pPr>
+            <a:r>
+              <a:rPr lang="es-ES" b="1" noProof="0" dirty="0"/>
+              <a:t>ARQUITECTURA DE FRONTEND:</a:t>
+            </a:r>
+          </a:p>
+          <a:p>
+            <a:pPr>
+              <a:spcBef>
+                <a:spcPts val="400"/>
+              </a:spcBef>
+              <a:spcAft>
+                <a:spcPts val="400"/>
+              </a:spcAft>
+              <a:defRPr sz="1500">
+                <a:solidFill>
+                  <a:srgbClr val="323232"/>
+                </a:solidFill>
+              </a:defRPr>
+            </a:pPr>
+            <a:r>
+              <a:rPr lang="es-ES" noProof="0" dirty="0"/>
+              <a:t>  • SPA (Single Page </a:t>
+            </a:r>
+            <a:r>
+              <a:rPr lang="es-ES" noProof="0" dirty="0" err="1"/>
+              <a:t>Application</a:t>
+            </a:r>
+            <a:r>
+              <a:rPr lang="es-ES" noProof="0" dirty="0"/>
+              <a:t>) con </a:t>
+            </a:r>
+            <a:r>
+              <a:rPr lang="es-ES" noProof="0" dirty="0" err="1"/>
+              <a:t>React</a:t>
+            </a:r>
+            <a:endParaRPr lang="es-ES" noProof="0" dirty="0"/>
+          </a:p>
+          <a:p>
+            <a:pPr>
+              <a:spcBef>
+                <a:spcPts val="400"/>
+              </a:spcBef>
+              <a:spcAft>
+                <a:spcPts val="400"/>
+              </a:spcAft>
+              <a:defRPr sz="1500">
+                <a:solidFill>
+                  <a:srgbClr val="323232"/>
+                </a:solidFill>
+              </a:defRPr>
+            </a:pPr>
+            <a:r>
+              <a:rPr lang="es-ES" noProof="0" dirty="0"/>
+              <a:t>  • CSR (Client-</a:t>
+            </a:r>
+            <a:r>
+              <a:rPr lang="es-ES" noProof="0" dirty="0" err="1"/>
+              <a:t>Side</a:t>
+            </a:r>
+            <a:r>
+              <a:rPr lang="es-ES" noProof="0" dirty="0"/>
+              <a:t> </a:t>
+            </a:r>
+            <a:r>
+              <a:rPr lang="es-ES" noProof="0" dirty="0" err="1"/>
+              <a:t>Rendering</a:t>
+            </a:r>
+            <a:r>
+              <a:rPr lang="es-ES" noProof="0" dirty="0"/>
+              <a:t>)</a:t>
+            </a:r>
+          </a:p>
+          <a:p>
+            <a:pPr>
+              <a:spcBef>
+                <a:spcPts val="400"/>
+              </a:spcBef>
+              <a:spcAft>
+                <a:spcPts val="400"/>
+              </a:spcAft>
+              <a:defRPr sz="1500">
+                <a:solidFill>
+                  <a:srgbClr val="323232"/>
+                </a:solidFill>
+              </a:defRPr>
+            </a:pPr>
+            <a:r>
+              <a:rPr lang="es-ES" noProof="0" dirty="0"/>
+              <a:t>  • Enrutamiento con </a:t>
+            </a:r>
+            <a:r>
+              <a:rPr lang="es-ES" noProof="0" dirty="0" err="1"/>
+              <a:t>React</a:t>
+            </a:r>
+            <a:r>
+              <a:rPr lang="es-ES" noProof="0" dirty="0"/>
+              <a:t> </a:t>
+            </a:r>
+            <a:r>
+              <a:rPr lang="es-ES" noProof="0" dirty="0" err="1"/>
+              <a:t>Router</a:t>
+            </a:r>
+            <a:r>
+              <a:rPr lang="es-ES" noProof="0" dirty="0"/>
+              <a:t> v7</a:t>
+            </a:r>
+          </a:p>
+          <a:p>
+            <a:pPr>
+              <a:spcBef>
+                <a:spcPts val="400"/>
+              </a:spcBef>
+              <a:spcAft>
+                <a:spcPts val="400"/>
+              </a:spcAft>
+              <a:defRPr sz="1500">
+                <a:solidFill>
+                  <a:srgbClr val="323232"/>
+                </a:solidFill>
+              </a:defRPr>
+            </a:pPr>
+            <a:r>
+              <a:rPr lang="es-ES" noProof="0" dirty="0"/>
+              <a:t>  • Comunicación con </a:t>
+            </a:r>
+            <a:r>
+              <a:rPr lang="es-ES" noProof="0" dirty="0" err="1"/>
+              <a:t>gateway</a:t>
+            </a:r>
+            <a:r>
+              <a:rPr lang="es-ES" noProof="0" dirty="0"/>
+              <a:t> en puerto 8080</a:t>
+            </a:r>
+          </a:p>
+          <a:p>
+            <a:pPr>
+              <a:spcBef>
+                <a:spcPts val="400"/>
+              </a:spcBef>
+              <a:spcAft>
+                <a:spcPts val="400"/>
+              </a:spcAft>
+              <a:defRPr sz="1500">
+                <a:solidFill>
+                  <a:srgbClr val="323232"/>
+                </a:solidFill>
+              </a:defRPr>
+            </a:pPr>
+            <a:endParaRPr lang="es-ES" noProof="0" dirty="0"/>
+          </a:p>
+          <a:p>
+            <a:pPr>
+              <a:spcBef>
+                <a:spcPts val="400"/>
+              </a:spcBef>
+              <a:spcAft>
+                <a:spcPts val="400"/>
+              </a:spcAft>
+              <a:defRPr sz="1500">
+                <a:solidFill>
+                  <a:srgbClr val="323232"/>
+                </a:solidFill>
+              </a:defRPr>
+            </a:pPr>
+            <a:r>
+              <a:rPr lang="es-ES" b="1" noProof="0" dirty="0"/>
+              <a:t>FLUJO DE COMUNICACIÓN:</a:t>
+            </a:r>
+          </a:p>
+          <a:p>
+            <a:pPr>
+              <a:spcBef>
+                <a:spcPts val="400"/>
+              </a:spcBef>
+              <a:spcAft>
+                <a:spcPts val="400"/>
+              </a:spcAft>
+              <a:defRPr sz="1500">
+                <a:solidFill>
+                  <a:srgbClr val="323232"/>
+                </a:solidFill>
+              </a:defRPr>
+            </a:pPr>
+            <a:r>
+              <a:rPr lang="es-ES" noProof="0" dirty="0"/>
+              <a:t>  </a:t>
+            </a:r>
+            <a:r>
+              <a:rPr lang="es-ES" noProof="0" dirty="0" err="1"/>
+              <a:t>Frontend</a:t>
+            </a:r>
+            <a:r>
+              <a:rPr lang="es-ES" noProof="0" dirty="0"/>
+              <a:t> (5173) → API Gateway (8080) → Servicios (8000, 3001)</a:t>
+            </a:r>
+          </a:p>
+        </p:txBody>
+      </p:sp>
+    </p:spTree>
+  </p:cSld>
+  <p:clrMapOvr>
+    <a:masterClrMapping/>
+  </p:clrMapOvr>
+</p:sld>
+</file>
+
+<file path=ppt/slides/slide7.xml><?xml version="1.0" encoding="utf-8"?>
+<p:sld xmlns:a="http://schemas.openxmlformats.org/drawingml/2006/main" xmlns:r="http://schemas.openxmlformats.org/officeDocument/2006/relationships" xmlns:p="http://schemas.openxmlformats.org/presentationml/2006/main">
+  <p:cSld>
+    <p:bg>
+      <p:bgPr>
+        <a:solidFill>
+          <a:srgbClr val="FFFFFF"/>
+        </a:solidFill>
+        <a:effectLst/>
+      </p:bgPr>
+    </p:bg>
+    <p:spTree>
+      <p:nvGrpSpPr>
+        <p:cNvPr id="1" name=""/>
+        <p:cNvGrpSpPr/>
+        <p:nvPr/>
+      </p:nvGrpSpPr>
+      <p:grpSpPr>
+        <a:xfrm>
+          <a:off x="0" y="0"/>
+          <a:ext cx="0" cy="0"/>
+          <a:chOff x="0" y="0"/>
+          <a:chExt cx="0" cy="0"/>
+        </a:xfrm>
+      </p:grpSpPr>
+      <p:sp>
+        <p:nvSpPr>
+          <p:cNvPr id="2" name="Rectangle 1"/>
+          <p:cNvSpPr/>
+          <p:nvPr/>
+        </p:nvSpPr>
+        <p:spPr>
+          <a:xfrm>
+            <a:off x="0" y="0"/>
+            <a:ext cx="9144000" cy="914400"/>
+          </a:xfrm>
+          <a:prstGeom prst="rect">
+            <a:avLst/>
+          </a:prstGeom>
+          <a:solidFill>
+            <a:srgbClr val="1F4E79"/>
+          </a:solidFill>
+          <a:ln>
+            <a:solidFill>
+              <a:srgbClr val="1F4E79"/>
+            </a:solidFill>
+          </a:ln>
+        </p:spPr>
+        <p:style>
+          <a:lnRef idx="1">
+            <a:schemeClr val="accent1"/>
+          </a:lnRef>
+          <a:fillRef idx="3">
+            <a:schemeClr val="accent1"/>
+          </a:fillRef>
+          <a:effectRef idx="2">
+            <a:schemeClr val="accent1"/>
+          </a:effectRef>
+          <a:fontRef idx="minor">
+            <a:schemeClr val="lt1"/>
+          </a:fontRef>
+        </p:style>
+        <p:txBody>
+          <a:bodyPr rtlCol="0" anchor="ctr"/>
+          <a:lstStyle/>
+          <a:p>
+            <a:pPr algn="ctr"/>
+            <a:endParaRPr lang="es-ES" noProof="0" dirty="0"/>
+          </a:p>
+        </p:txBody>
+      </p:sp>
+      <p:sp>
+        <p:nvSpPr>
+          <p:cNvPr id="3" name="TextBox 2"/>
+          <p:cNvSpPr txBox="1"/>
+          <p:nvPr/>
+        </p:nvSpPr>
+        <p:spPr>
+          <a:xfrm>
+            <a:off x="457200" y="182880"/>
+            <a:ext cx="8229600" cy="731520"/>
+          </a:xfrm>
+          <a:prstGeom prst="rect">
+            <a:avLst/>
+          </a:prstGeom>
+          <a:noFill/>
+        </p:spPr>
+        <p:txBody>
+          <a:bodyPr wrap="none">
+            <a:spAutoFit/>
+          </a:bodyPr>
+          <a:lstStyle/>
+          <a:p>
+            <a:pPr>
+              <a:defRPr sz="4000" b="1">
+                <a:solidFill>
+                  <a:srgbClr val="FFFFFF"/>
+                </a:solidFill>
+              </a:defRPr>
+            </a:pPr>
+            <a:r>
+              <a:rPr lang="es-ES" noProof="0" dirty="0"/>
+              <a:t>Lecciones &amp; Aspectos Avanzados</a:t>
+            </a:r>
+          </a:p>
+        </p:txBody>
+      </p:sp>
+      <p:sp>
+        <p:nvSpPr>
+          <p:cNvPr id="4" name="TextBox 3"/>
+          <p:cNvSpPr txBox="1"/>
+          <p:nvPr/>
+        </p:nvSpPr>
+        <p:spPr>
+          <a:xfrm>
+            <a:off x="548640" y="1097280"/>
+            <a:ext cx="8046720" cy="5355312"/>
+          </a:xfrm>
+          <a:prstGeom prst="rect">
+            <a:avLst/>
+          </a:prstGeom>
+          <a:noFill/>
+        </p:spPr>
+        <p:txBody>
+          <a:bodyPr wrap="square">
+            <a:spAutoFit/>
+          </a:bodyPr>
+          <a:lstStyle/>
+          <a:p>
+            <a:pPr>
+              <a:spcBef>
+                <a:spcPts val="400"/>
+              </a:spcBef>
+              <a:spcAft>
+                <a:spcPts val="400"/>
+              </a:spcAft>
+              <a:defRPr sz="1500">
+                <a:solidFill>
+                  <a:srgbClr val="323232"/>
+                </a:solidFill>
+              </a:defRPr>
+            </a:pPr>
+            <a:r>
+              <a:rPr lang="es-ES" sz="1600" b="1" noProof="0" dirty="0"/>
+              <a:t>LECCIONES APRENDIDAS:</a:t>
+            </a:r>
+          </a:p>
+          <a:p>
+            <a:pPr>
+              <a:spcBef>
+                <a:spcPts val="400"/>
+              </a:spcBef>
+              <a:spcAft>
+                <a:spcPts val="400"/>
+              </a:spcAft>
+              <a:defRPr sz="1500">
+                <a:solidFill>
+                  <a:srgbClr val="323232"/>
+                </a:solidFill>
+              </a:defRPr>
+            </a:pPr>
+            <a:r>
+              <a:rPr lang="es-ES" noProof="0" dirty="0"/>
+              <a:t>  • Integración eficiente de múltiples lenguajes (Python + Node.js)</a:t>
+            </a:r>
+          </a:p>
+          <a:p>
+            <a:pPr>
+              <a:spcBef>
+                <a:spcPts val="400"/>
+              </a:spcBef>
+              <a:spcAft>
+                <a:spcPts val="400"/>
+              </a:spcAft>
+              <a:defRPr sz="1500">
+                <a:solidFill>
+                  <a:srgbClr val="323232"/>
+                </a:solidFill>
+              </a:defRPr>
+            </a:pPr>
+            <a:r>
+              <a:rPr lang="es-ES" noProof="0" dirty="0"/>
+              <a:t>  • Orquestación compleja con Docker </a:t>
+            </a:r>
+            <a:r>
+              <a:rPr lang="es-ES" noProof="0" dirty="0" err="1"/>
+              <a:t>Compose</a:t>
+            </a:r>
+            <a:r>
+              <a:rPr lang="es-ES" noProof="0" dirty="0"/>
+              <a:t> (6 contenedores)</a:t>
+            </a:r>
+          </a:p>
+          <a:p>
+            <a:pPr>
+              <a:spcBef>
+                <a:spcPts val="400"/>
+              </a:spcBef>
+              <a:spcAft>
+                <a:spcPts val="400"/>
+              </a:spcAft>
+              <a:defRPr sz="1500">
+                <a:solidFill>
+                  <a:srgbClr val="323232"/>
+                </a:solidFill>
+              </a:defRPr>
+            </a:pPr>
+            <a:r>
+              <a:rPr lang="es-ES" noProof="0" dirty="0"/>
+              <a:t>  • Gestión de dependencias entre servicios</a:t>
+            </a:r>
+          </a:p>
+          <a:p>
+            <a:pPr>
+              <a:spcBef>
+                <a:spcPts val="400"/>
+              </a:spcBef>
+              <a:spcAft>
+                <a:spcPts val="400"/>
+              </a:spcAft>
+              <a:defRPr sz="1500">
+                <a:solidFill>
+                  <a:srgbClr val="323232"/>
+                </a:solidFill>
+              </a:defRPr>
+            </a:pPr>
+            <a:r>
+              <a:rPr lang="es-ES" noProof="0" dirty="0"/>
+              <a:t>  • Implementación de API Gateway para centralizar autenticación</a:t>
+            </a:r>
+          </a:p>
+          <a:p>
+            <a:pPr>
+              <a:spcBef>
+                <a:spcPts val="400"/>
+              </a:spcBef>
+              <a:spcAft>
+                <a:spcPts val="400"/>
+              </a:spcAft>
+              <a:defRPr sz="1500">
+                <a:solidFill>
+                  <a:srgbClr val="323232"/>
+                </a:solidFill>
+              </a:defRPr>
+            </a:pPr>
+            <a:r>
+              <a:rPr lang="es-ES" sz="1600" b="1" noProof="0" dirty="0"/>
+              <a:t>ASPECTOS AVANZADOS IMPLEMENTADOS:</a:t>
+            </a:r>
+          </a:p>
+          <a:p>
+            <a:pPr>
+              <a:spcBef>
+                <a:spcPts val="400"/>
+              </a:spcBef>
+              <a:spcAft>
+                <a:spcPts val="400"/>
+              </a:spcAft>
+              <a:defRPr sz="1500">
+                <a:solidFill>
+                  <a:srgbClr val="323232"/>
+                </a:solidFill>
+              </a:defRPr>
+            </a:pPr>
+            <a:r>
+              <a:rPr lang="es-ES" noProof="0" dirty="0"/>
+              <a:t>  • API Gateway con proxy inverso inteligente (</a:t>
+            </a:r>
+            <a:r>
+              <a:rPr lang="es-ES" noProof="0" dirty="0" err="1"/>
+              <a:t>express</a:t>
+            </a:r>
+            <a:r>
+              <a:rPr lang="es-ES" noProof="0" dirty="0"/>
+              <a:t>-http-proxy)</a:t>
+            </a:r>
+          </a:p>
+          <a:p>
+            <a:pPr>
+              <a:spcBef>
+                <a:spcPts val="400"/>
+              </a:spcBef>
+              <a:spcAft>
+                <a:spcPts val="400"/>
+              </a:spcAft>
+              <a:defRPr sz="1500">
+                <a:solidFill>
+                  <a:srgbClr val="323232"/>
+                </a:solidFill>
+              </a:defRPr>
+            </a:pPr>
+            <a:r>
+              <a:rPr lang="es-ES" noProof="0" dirty="0"/>
+              <a:t>  • Mapeo de rutas y validación centralizada de JWT</a:t>
+            </a:r>
+          </a:p>
+          <a:p>
+            <a:pPr>
+              <a:spcBef>
+                <a:spcPts val="400"/>
+              </a:spcBef>
+              <a:spcAft>
+                <a:spcPts val="400"/>
+              </a:spcAft>
+              <a:defRPr sz="1500">
+                <a:solidFill>
+                  <a:srgbClr val="323232"/>
+                </a:solidFill>
+              </a:defRPr>
+            </a:pPr>
+            <a:r>
+              <a:rPr lang="es-ES" noProof="0" dirty="0"/>
+              <a:t>  • </a:t>
+            </a:r>
+            <a:r>
+              <a:rPr lang="es-ES" noProof="0" dirty="0" err="1"/>
+              <a:t>Async</a:t>
+            </a:r>
+            <a:r>
+              <a:rPr lang="es-ES" noProof="0" dirty="0"/>
+              <a:t>/</a:t>
+            </a:r>
+            <a:r>
+              <a:rPr lang="es-ES" noProof="0" dirty="0" err="1"/>
+              <a:t>await</a:t>
+            </a:r>
+            <a:r>
+              <a:rPr lang="es-ES" noProof="0" dirty="0"/>
+              <a:t> en </a:t>
+            </a:r>
+            <a:r>
+              <a:rPr lang="es-ES" noProof="0" dirty="0" err="1"/>
+              <a:t>FastAPI</a:t>
+            </a:r>
+            <a:r>
+              <a:rPr lang="es-ES" noProof="0" dirty="0"/>
+              <a:t>: operaciones no-bloqueantes</a:t>
+            </a:r>
+          </a:p>
+          <a:p>
+            <a:pPr>
+              <a:spcBef>
+                <a:spcPts val="400"/>
+              </a:spcBef>
+              <a:spcAft>
+                <a:spcPts val="400"/>
+              </a:spcAft>
+              <a:defRPr sz="1500">
+                <a:solidFill>
+                  <a:srgbClr val="323232"/>
+                </a:solidFill>
+              </a:defRPr>
+            </a:pPr>
+            <a:r>
+              <a:rPr lang="es-ES" noProof="0" dirty="0"/>
+              <a:t>  • Motor: driver </a:t>
+            </a:r>
+            <a:r>
+              <a:rPr lang="es-ES" noProof="0" dirty="0" err="1"/>
+              <a:t>async</a:t>
+            </a:r>
+            <a:r>
+              <a:rPr lang="es-ES" noProof="0" dirty="0"/>
+              <a:t> para MongoDB con alta concurrencia</a:t>
+            </a:r>
+          </a:p>
+          <a:p>
+            <a:pPr>
+              <a:spcBef>
+                <a:spcPts val="400"/>
+              </a:spcBef>
+              <a:spcAft>
+                <a:spcPts val="400"/>
+              </a:spcAft>
+              <a:defRPr sz="1500">
+                <a:solidFill>
+                  <a:srgbClr val="323232"/>
+                </a:solidFill>
+              </a:defRPr>
+            </a:pPr>
+            <a:r>
+              <a:rPr lang="es-ES" noProof="0" dirty="0"/>
+              <a:t>  • JWT con tokens con expiración y revocación</a:t>
+            </a:r>
+          </a:p>
+          <a:p>
+            <a:pPr>
+              <a:spcBef>
+                <a:spcPts val="400"/>
+              </a:spcBef>
+              <a:spcAft>
+                <a:spcPts val="400"/>
+              </a:spcAft>
+              <a:defRPr sz="1500">
+                <a:solidFill>
+                  <a:srgbClr val="323232"/>
+                </a:solidFill>
+              </a:defRPr>
+            </a:pPr>
+            <a:r>
+              <a:rPr lang="es-ES" noProof="0" dirty="0"/>
+              <a:t>  • CORS configurado en </a:t>
+            </a:r>
+            <a:r>
+              <a:rPr lang="es-ES" noProof="0" dirty="0" err="1"/>
+              <a:t>gateway</a:t>
+            </a:r>
+            <a:r>
+              <a:rPr lang="es-ES" noProof="0" dirty="0"/>
+              <a:t> y </a:t>
+            </a:r>
+            <a:r>
+              <a:rPr lang="es-ES" noProof="0" dirty="0" err="1"/>
+              <a:t>backends</a:t>
+            </a:r>
+            <a:r>
+              <a:rPr lang="es-ES" noProof="0" dirty="0"/>
+              <a:t> para seguridad</a:t>
+            </a:r>
+          </a:p>
+          <a:p>
+            <a:pPr>
+              <a:spcBef>
+                <a:spcPts val="400"/>
+              </a:spcBef>
+              <a:spcAft>
+                <a:spcPts val="400"/>
+              </a:spcAft>
+              <a:defRPr sz="1500">
+                <a:solidFill>
+                  <a:srgbClr val="323232"/>
+                </a:solidFill>
+              </a:defRPr>
+            </a:pPr>
+            <a:r>
+              <a:rPr lang="es-ES" noProof="0" dirty="0"/>
+              <a:t>  • Rutas protegidas: </a:t>
+            </a:r>
+            <a:r>
+              <a:rPr lang="es-ES" noProof="0" dirty="0" err="1"/>
+              <a:t>ProtectedRoute</a:t>
+            </a:r>
+            <a:r>
+              <a:rPr lang="es-ES" noProof="0" dirty="0"/>
+              <a:t> y </a:t>
+            </a:r>
+            <a:r>
+              <a:rPr lang="es-ES" noProof="0" dirty="0" err="1"/>
+              <a:t>AdminRoute</a:t>
+            </a:r>
+            <a:r>
+              <a:rPr lang="es-ES" noProof="0" dirty="0"/>
+              <a:t> en </a:t>
+            </a:r>
+            <a:r>
+              <a:rPr lang="es-ES" noProof="0" dirty="0" err="1"/>
+              <a:t>React</a:t>
+            </a:r>
+            <a:endParaRPr lang="es-ES" noProof="0" dirty="0"/>
+          </a:p>
+          <a:p>
+            <a:pPr>
+              <a:spcBef>
+                <a:spcPts val="400"/>
+              </a:spcBef>
+              <a:spcAft>
+                <a:spcPts val="400"/>
+              </a:spcAft>
+              <a:defRPr sz="1500">
+                <a:solidFill>
+                  <a:srgbClr val="323232"/>
+                </a:solidFill>
+              </a:defRPr>
+            </a:pPr>
+            <a:r>
+              <a:rPr lang="es-ES" noProof="0" dirty="0"/>
+              <a:t>  • Validación de entrada con </a:t>
+            </a:r>
+            <a:r>
+              <a:rPr lang="es-ES" noProof="0" dirty="0" err="1"/>
+              <a:t>Pydantic</a:t>
+            </a:r>
+            <a:r>
+              <a:rPr lang="es-ES" noProof="0" dirty="0"/>
+              <a:t> </a:t>
+            </a:r>
+            <a:r>
+              <a:rPr lang="es-ES" noProof="0" dirty="0" err="1"/>
+              <a:t>schemas</a:t>
+            </a:r>
+            <a:endParaRPr lang="es-ES" noProof="0" dirty="0"/>
+          </a:p>
+          <a:p>
+            <a:pPr>
+              <a:spcBef>
+                <a:spcPts val="400"/>
+              </a:spcBef>
+              <a:spcAft>
+                <a:spcPts val="400"/>
+              </a:spcAft>
+              <a:defRPr sz="1500">
+                <a:solidFill>
+                  <a:srgbClr val="323232"/>
+                </a:solidFill>
+              </a:defRPr>
+            </a:pPr>
+            <a:r>
+              <a:rPr lang="es-ES" noProof="0" dirty="0"/>
+              <a:t>  • </a:t>
+            </a:r>
+            <a:r>
+              <a:rPr lang="es-ES" noProof="0" dirty="0" err="1"/>
+              <a:t>Hashing</a:t>
+            </a:r>
+            <a:r>
+              <a:rPr lang="es-ES" noProof="0" dirty="0"/>
+              <a:t> seguro de contraseñas con </a:t>
+            </a:r>
+            <a:r>
+              <a:rPr lang="es-ES" noProof="0" dirty="0" err="1"/>
+              <a:t>bcrypt</a:t>
+            </a:r>
+            <a:endParaRPr lang="es-ES" noProof="0" dirty="0"/>
+          </a:p>
+          <a:p>
+            <a:pPr>
+              <a:spcBef>
+                <a:spcPts val="400"/>
+              </a:spcBef>
+              <a:spcAft>
+                <a:spcPts val="400"/>
+              </a:spcAft>
+              <a:defRPr sz="1500">
+                <a:solidFill>
+                  <a:srgbClr val="323232"/>
+                </a:solidFill>
+              </a:defRPr>
+            </a:pPr>
+            <a:r>
+              <a:rPr lang="es-ES" noProof="0" dirty="0"/>
+              <a:t>  • Control de acceso basado en roles (RBAC)</a:t>
+            </a:r>
+          </a:p>
+        </p:txBody>
+      </p:sp>
+    </p:spTree>
+  </p:cSld>
+  <p:clrMapOvr>
+    <a:masterClrMapping/>
+  </p:clrMapOvr>
+</p:sld>
+</file>
+
+<file path=ppt/slides/slide8.xml><?xml version="1.0" encoding="utf-8"?>
+<p:sld xmlns:a="http://schemas.openxmlformats.org/drawingml/2006/main" xmlns:r="http://schemas.openxmlformats.org/officeDocument/2006/relationships" xmlns:p="http://schemas.openxmlformats.org/presentationml/2006/main">
+  <p:cSld>
+    <p:spTree>
+      <p:nvGrpSpPr>
+        <p:cNvPr id="1" name="">
+          <a:extLst>
+            <a:ext uri="{FF2B5EF4-FFF2-40B4-BE49-F238E27FC236}">
+              <a16:creationId xmlns:a16="http://schemas.microsoft.com/office/drawing/2014/main" id="{7B3B6CEC-3A0A-7E86-359E-F2B7EB5D862C}"/>
+            </a:ext>
+          </a:extLst>
+        </p:cNvPr>
+        <p:cNvGrpSpPr/>
+        <p:nvPr/>
+      </p:nvGrpSpPr>
+      <p:grpSpPr>
+        <a:xfrm>
+          <a:off x="0" y="0"/>
+          <a:ext cx="0" cy="0"/>
+          <a:chOff x="0" y="0"/>
+          <a:chExt cx="0" cy="0"/>
+        </a:xfrm>
+      </p:grpSpPr>
+      <p:sp>
+        <p:nvSpPr>
+          <p:cNvPr id="2" name="Rectangle 1">
+            <a:extLst>
+              <a:ext uri="{FF2B5EF4-FFF2-40B4-BE49-F238E27FC236}">
+                <a16:creationId xmlns:a16="http://schemas.microsoft.com/office/drawing/2014/main" id="{D6A376FE-2887-500A-7FE4-8915C73D39C5}"/>
+              </a:ext>
+            </a:extLst>
+          </p:cNvPr>
+          <p:cNvSpPr/>
+          <p:nvPr/>
+        </p:nvSpPr>
+        <p:spPr>
+          <a:xfrm>
+            <a:off x="0" y="0"/>
+            <a:ext cx="9144000" cy="914400"/>
+          </a:xfrm>
+          <a:prstGeom prst="rect">
+            <a:avLst/>
+          </a:prstGeom>
+          <a:solidFill>
+            <a:srgbClr val="1F4E79"/>
+          </a:solidFill>
+          <a:ln>
+            <a:solidFill>
+              <a:srgbClr val="1F4E79"/>
+            </a:solidFill>
+          </a:ln>
+        </p:spPr>
+        <p:style>
+          <a:lnRef idx="1">
+            <a:schemeClr val="accent1"/>
+          </a:lnRef>
+          <a:fillRef idx="3">
+            <a:schemeClr val="accent1"/>
+          </a:fillRef>
+          <a:effectRef idx="2">
+            <a:schemeClr val="accent1"/>
+          </a:effectRef>
+          <a:fontRef idx="minor">
+            <a:schemeClr val="lt1"/>
+          </a:fontRef>
+        </p:style>
+        <p:txBody>
+          <a:bodyPr rtlCol="0" anchor="ctr"/>
+          <a:lstStyle/>
+          <a:p>
+            <a:pPr algn="ctr"/>
+            <a:endParaRPr lang="es-ES" noProof="0" dirty="0"/>
+          </a:p>
+        </p:txBody>
+      </p:sp>
+      <p:sp>
+        <p:nvSpPr>
+          <p:cNvPr id="3" name="TextBox 2">
+            <a:extLst>
+              <a:ext uri="{FF2B5EF4-FFF2-40B4-BE49-F238E27FC236}">
+                <a16:creationId xmlns:a16="http://schemas.microsoft.com/office/drawing/2014/main" id="{4C04EC49-C050-28A9-3878-B1B0D743B423}"/>
+              </a:ext>
+            </a:extLst>
+          </p:cNvPr>
+          <p:cNvSpPr txBox="1"/>
+          <p:nvPr/>
+        </p:nvSpPr>
+        <p:spPr>
+          <a:xfrm>
+            <a:off x="457200" y="182880"/>
+            <a:ext cx="6142579" cy="707886"/>
+          </a:xfrm>
+          <a:prstGeom prst="rect">
+            <a:avLst/>
+          </a:prstGeom>
+          <a:noFill/>
+        </p:spPr>
+        <p:txBody>
+          <a:bodyPr wrap="none">
+            <a:spAutoFit/>
+          </a:bodyPr>
+          <a:lstStyle/>
+          <a:p>
+            <a:pPr>
+              <a:defRPr sz="4000" b="1">
+                <a:solidFill>
+                  <a:srgbClr val="FFFFFF"/>
+                </a:solidFill>
+              </a:defRPr>
+            </a:pPr>
+            <a:r>
+              <a:rPr lang="es-ES" noProof="0" dirty="0"/>
+              <a:t>Razonamiento sobre la nota</a:t>
+            </a:r>
+          </a:p>
+        </p:txBody>
+      </p:sp>
+      <p:sp>
+        <p:nvSpPr>
+          <p:cNvPr id="4" name="TextBox 3">
+            <a:extLst>
+              <a:ext uri="{FF2B5EF4-FFF2-40B4-BE49-F238E27FC236}">
+                <a16:creationId xmlns:a16="http://schemas.microsoft.com/office/drawing/2014/main" id="{3BC65490-222F-9F8D-8C30-7F19A8B1488A}"/>
+              </a:ext>
+            </a:extLst>
+          </p:cNvPr>
+          <p:cNvSpPr txBox="1"/>
+          <p:nvPr/>
+        </p:nvSpPr>
+        <p:spPr>
+          <a:xfrm>
+            <a:off x="548640" y="1097280"/>
+            <a:ext cx="8046720" cy="2323713"/>
+          </a:xfrm>
+          <a:prstGeom prst="rect">
+            <a:avLst/>
+          </a:prstGeom>
+          <a:noFill/>
+        </p:spPr>
+        <p:txBody>
+          <a:bodyPr wrap="square">
+            <a:spAutoFit/>
+          </a:bodyPr>
+          <a:lstStyle/>
+          <a:p>
+            <a:pPr>
+              <a:spcBef>
+                <a:spcPts val="400"/>
+              </a:spcBef>
+              <a:spcAft>
+                <a:spcPts val="400"/>
+              </a:spcAft>
+              <a:defRPr sz="1500">
+                <a:solidFill>
+                  <a:srgbClr val="323232"/>
+                </a:solidFill>
+              </a:defRPr>
+            </a:pPr>
+            <a:r>
+              <a:rPr lang="es-ES" sz="1600" b="1" noProof="0" dirty="0"/>
+              <a:t>POR QUÉ MERECE MI PROYECTO BUENA NOTA:</a:t>
+            </a:r>
+          </a:p>
+          <a:p>
+            <a:pPr>
+              <a:spcBef>
+                <a:spcPts val="400"/>
+              </a:spcBef>
+              <a:spcAft>
+                <a:spcPts val="400"/>
+              </a:spcAft>
+              <a:defRPr sz="1500">
+                <a:solidFill>
+                  <a:srgbClr val="323232"/>
+                </a:solidFill>
+              </a:defRPr>
+            </a:pPr>
+            <a:r>
+              <a:rPr lang="es-ES" noProof="0" dirty="0"/>
+              <a:t> • Sistema COMPLETO y FUNCIONAL (Full-</a:t>
+            </a:r>
+            <a:r>
+              <a:rPr lang="es-ES" noProof="0" dirty="0" err="1"/>
+              <a:t>Stack</a:t>
+            </a:r>
+            <a:r>
+              <a:rPr lang="es-ES" noProof="0" dirty="0"/>
+              <a:t> + Gateway)</a:t>
+            </a:r>
+          </a:p>
+          <a:p>
+            <a:pPr>
+              <a:spcBef>
+                <a:spcPts val="400"/>
+              </a:spcBef>
+              <a:spcAft>
+                <a:spcPts val="400"/>
+              </a:spcAft>
+              <a:defRPr sz="1500">
+                <a:solidFill>
+                  <a:srgbClr val="323232"/>
+                </a:solidFill>
+              </a:defRPr>
+            </a:pPr>
+            <a:r>
+              <a:rPr lang="es-ES" noProof="0" dirty="0"/>
+              <a:t> • Arquitectura PROFESIONAL (3-tier con API Gateway)</a:t>
+            </a:r>
+          </a:p>
+          <a:p>
+            <a:pPr>
+              <a:spcBef>
+                <a:spcPts val="400"/>
+              </a:spcBef>
+              <a:spcAft>
+                <a:spcPts val="400"/>
+              </a:spcAft>
+              <a:defRPr sz="1500">
+                <a:solidFill>
+                  <a:srgbClr val="323232"/>
+                </a:solidFill>
+              </a:defRPr>
+            </a:pPr>
+            <a:r>
+              <a:rPr lang="es-ES" noProof="0" dirty="0"/>
+              <a:t> • SEGURIDAD en múltiples niveles (JWT + RBAC + CORS)</a:t>
+            </a:r>
+          </a:p>
+          <a:p>
+            <a:pPr>
+              <a:spcBef>
+                <a:spcPts val="400"/>
+              </a:spcBef>
+              <a:spcAft>
+                <a:spcPts val="400"/>
+              </a:spcAft>
+              <a:defRPr sz="1500">
+                <a:solidFill>
+                  <a:srgbClr val="323232"/>
+                </a:solidFill>
+              </a:defRPr>
+            </a:pPr>
+            <a:r>
+              <a:rPr lang="es-ES" noProof="0" dirty="0"/>
+              <a:t> • BUENAS PRÁCTICAS y patrones de diseño actuales</a:t>
+            </a:r>
+          </a:p>
+          <a:p>
+            <a:pPr>
+              <a:spcBef>
+                <a:spcPts val="400"/>
+              </a:spcBef>
+              <a:spcAft>
+                <a:spcPts val="400"/>
+              </a:spcAft>
+              <a:defRPr sz="1500">
+                <a:solidFill>
+                  <a:srgbClr val="323232"/>
+                </a:solidFill>
+              </a:defRPr>
+            </a:pPr>
+            <a:r>
+              <a:rPr lang="es-ES" noProof="0" dirty="0"/>
+              <a:t> • ESCALABLE y MANTENIBLE para producción</a:t>
+            </a:r>
+          </a:p>
+          <a:p>
+            <a:pPr>
+              <a:spcBef>
+                <a:spcPts val="400"/>
+              </a:spcBef>
+              <a:spcAft>
+                <a:spcPts val="400"/>
+              </a:spcAft>
+              <a:defRPr sz="1500">
+                <a:solidFill>
+                  <a:srgbClr val="323232"/>
+                </a:solidFill>
+              </a:defRPr>
+            </a:pPr>
+            <a:r>
+              <a:rPr lang="es-ES" noProof="0" dirty="0"/>
+              <a:t> • </a:t>
+            </a:r>
+            <a:r>
+              <a:rPr lang="es-ES" noProof="0" dirty="0" err="1"/>
+              <a:t>Containerizado</a:t>
+            </a:r>
+            <a:r>
+              <a:rPr lang="es-ES" noProof="0" dirty="0"/>
+              <a:t> con Docker para reproducibilidad</a:t>
+            </a:r>
+          </a:p>
+        </p:txBody>
+      </p:sp>
+    </p:spTree>
+    <p:extLst>
+      <p:ext uri="{BB962C8B-B14F-4D97-AF65-F5344CB8AC3E}">
+        <p14:creationId xmlns:p14="http://schemas.microsoft.com/office/powerpoint/2010/main" val="1324793065"/>
+      </p:ext>
+    </p:extLst>
+  </p:cSld>
+  <p:clrMapOvr>
+    <a:masterClrMapping/>
+  </p:clrMapOvr>
+</p:sld>
+</file>
+
+<file path=ppt/slides/slide9.xml><?xml version="1.0" encoding="utf-8"?>
+<p:sld xmlns:a="http://schemas.openxmlformats.org/drawingml/2006/main" xmlns:r="http://schemas.openxmlformats.org/officeDocument/2006/relationships" xmlns:p="http://schemas.openxmlformats.org/presentationml/2006/main">
+  <p:cSld>
+    <p:bg>
+      <p:bgPr>
+        <a:solidFill>
+          <a:srgbClr val="FFFFFF"/>
+        </a:solidFill>
+        <a:effectLst/>
+      </p:bgPr>
+    </p:bg>
+    <p:spTree>
+      <p:nvGrpSpPr>
+        <p:cNvPr id="1" name=""/>
+        <p:cNvGrpSpPr/>
+        <p:nvPr/>
+      </p:nvGrpSpPr>
+      <p:grpSpPr>
+        <a:xfrm>
+          <a:off x="0" y="0"/>
+          <a:ext cx="0" cy="0"/>
+          <a:chOff x="0" y="0"/>
+          <a:chExt cx="0" cy="0"/>
+        </a:xfrm>
+      </p:grpSpPr>
+      <p:sp>
+        <p:nvSpPr>
+          <p:cNvPr id="2" name="Rectangle 1"/>
+          <p:cNvSpPr/>
+          <p:nvPr/>
+        </p:nvSpPr>
+        <p:spPr>
+          <a:xfrm>
+            <a:off x="0" y="0"/>
+            <a:ext cx="9144000" cy="914400"/>
+          </a:xfrm>
+          <a:prstGeom prst="rect">
+            <a:avLst/>
+          </a:prstGeom>
+          <a:solidFill>
+            <a:srgbClr val="1F4E79"/>
+          </a:solidFill>
+          <a:ln>
+            <a:solidFill>
+              <a:srgbClr val="1F4E79"/>
+            </a:solidFill>
+          </a:ln>
+        </p:spPr>
+        <p:style>
+          <a:lnRef idx="1">
+            <a:schemeClr val="accent1"/>
+          </a:lnRef>
+          <a:fillRef idx="3">
+            <a:schemeClr val="accent1"/>
+          </a:fillRef>
+          <a:effectRef idx="2">
+            <a:schemeClr val="accent1"/>
+          </a:effectRef>
+          <a:fontRef idx="minor">
+            <a:schemeClr val="lt1"/>
+          </a:fontRef>
+        </p:style>
+        <p:txBody>
+          <a:bodyPr rtlCol="0" anchor="ctr"/>
+          <a:lstStyle/>
+          <a:p>
+            <a:pPr algn="ctr"/>
+            <a:endParaRPr lang="es-ES" noProof="0" dirty="0"/>
+          </a:p>
+        </p:txBody>
+      </p:sp>
+      <p:sp>
+        <p:nvSpPr>
+          <p:cNvPr id="3" name="TextBox 2"/>
+          <p:cNvSpPr txBox="1"/>
+          <p:nvPr/>
+        </p:nvSpPr>
+        <p:spPr>
+          <a:xfrm>
+            <a:off x="457200" y="182880"/>
+            <a:ext cx="1459054" cy="707886"/>
+          </a:xfrm>
+          <a:prstGeom prst="rect">
+            <a:avLst/>
+          </a:prstGeom>
+          <a:noFill/>
+        </p:spPr>
+        <p:txBody>
+          <a:bodyPr wrap="none">
+            <a:spAutoFit/>
+          </a:bodyPr>
+          <a:lstStyle/>
+          <a:p>
+            <a:pPr>
+              <a:defRPr sz="4000" b="1">
+                <a:solidFill>
+                  <a:srgbClr val="FFFFFF"/>
+                </a:solidFill>
+              </a:defRPr>
+            </a:pPr>
+            <a:r>
+              <a:rPr lang="es-ES" noProof="0" dirty="0"/>
+              <a:t>Demo</a:t>
+            </a:r>
+          </a:p>
+        </p:txBody>
+      </p:sp>
+      <p:sp>
+        <p:nvSpPr>
+          <p:cNvPr id="4" name="TextBox 3"/>
+          <p:cNvSpPr txBox="1"/>
+          <p:nvPr/>
+        </p:nvSpPr>
+        <p:spPr>
+          <a:xfrm>
+            <a:off x="548640" y="1097280"/>
+            <a:ext cx="8046720" cy="5339923"/>
+          </a:xfrm>
+          <a:prstGeom prst="rect">
+            <a:avLst/>
+          </a:prstGeom>
+          <a:noFill/>
+        </p:spPr>
+        <p:txBody>
+          <a:bodyPr wrap="square">
+            <a:spAutoFit/>
+          </a:bodyPr>
+          <a:lstStyle/>
+          <a:p>
+            <a:pPr>
+              <a:spcBef>
+                <a:spcPts val="400"/>
+              </a:spcBef>
+              <a:spcAft>
+                <a:spcPts val="400"/>
+              </a:spcAft>
+              <a:defRPr sz="1500">
+                <a:solidFill>
+                  <a:srgbClr val="323232"/>
+                </a:solidFill>
+              </a:defRPr>
+            </a:pPr>
+            <a:r>
+              <a:rPr lang="es-ES" sz="1600" b="1" noProof="0" dirty="0"/>
+              <a:t>PASOS DE LA DEMO:</a:t>
+            </a:r>
+          </a:p>
+          <a:p>
+            <a:pPr>
+              <a:spcBef>
+                <a:spcPts val="400"/>
+              </a:spcBef>
+              <a:spcAft>
+                <a:spcPts val="400"/>
+              </a:spcAft>
+              <a:defRPr sz="1500">
+                <a:solidFill>
+                  <a:srgbClr val="323232"/>
+                </a:solidFill>
+              </a:defRPr>
+            </a:pPr>
+            <a:r>
+              <a:rPr lang="es-ES" noProof="0" dirty="0"/>
+              <a:t>  1. Acceder a http://localhost:5173 (</a:t>
+            </a:r>
+            <a:r>
+              <a:rPr lang="es-ES" noProof="0" dirty="0" err="1"/>
+              <a:t>Frontend</a:t>
+            </a:r>
+            <a:r>
+              <a:rPr lang="es-ES" noProof="0" dirty="0"/>
+              <a:t> </a:t>
+            </a:r>
+            <a:r>
+              <a:rPr lang="es-ES" noProof="0" dirty="0" err="1"/>
+              <a:t>React</a:t>
+            </a:r>
+            <a:r>
+              <a:rPr lang="es-ES" noProof="0" dirty="0"/>
+              <a:t>)</a:t>
+            </a:r>
+          </a:p>
+          <a:p>
+            <a:pPr>
+              <a:spcBef>
+                <a:spcPts val="400"/>
+              </a:spcBef>
+              <a:spcAft>
+                <a:spcPts val="400"/>
+              </a:spcAft>
+              <a:defRPr sz="1500">
+                <a:solidFill>
+                  <a:srgbClr val="323232"/>
+                </a:solidFill>
+              </a:defRPr>
+            </a:pPr>
+            <a:r>
+              <a:rPr lang="es-ES" noProof="0" dirty="0"/>
               <a:t>  2. Registrarse con email y contraseña (JWT generado)</a:t>
             </a:r>
           </a:p>
@@ -6212,6 +7707,7 @@
               </a:defRPr>
             </a:pPr>
             <a:r>
+              <a:rPr lang="es-ES" noProof="0" dirty="0"/>
               <a:t>  3. Explorar catálogo completo de películas</a:t>
             </a:r>
           </a:p>
@@ -6230,6 +7726,7 @@
               </a:defRPr>
             </a:pPr>
             <a:r>
+              <a:rPr lang="es-ES" noProof="0" dirty="0"/>
               <a:t>  4. Búsqueda en tiempo real por título de película</a:t>
             </a:r>
           </a:p>
@@ -6248,24 +7745,34 @@
               </a:defRPr>
             </a:pPr>
             <a:r>
-              <a:t>  5. Filtrar películas por género (Action, Drama, etc.)</a:t>
-            </a:r>
-          </a:p>
-          <a:p>
-            <a:pPr>
-              <a:spcBef>
-                <a:spcPts val="400"/>
-              </a:spcBef>
-              <a:spcAft>
-                <a:spcPts val="400"/>
-              </a:spcAft>
-              <a:defRPr sz="1500">
-                <a:solidFill>
-                  <a:srgbClr val="323232"/>
-                </a:solidFill>
-              </a:defRPr>
-            </a:pPr>
-            <a:r>
+              <a:rPr lang="es-ES" noProof="0" dirty="0"/>
+              <a:t>  5. Filtrar películas por género (</a:t>
+            </a:r>
+            <a:r>
+              <a:rPr lang="es-ES" noProof="0" dirty="0" err="1"/>
+              <a:t>Action</a:t>
+            </a:r>
+            <a:r>
+              <a:rPr lang="es-ES" noProof="0" dirty="0"/>
+              <a:t>, Drama, etc.)</a:t>
+            </a:r>
+          </a:p>
+          <a:p>
+            <a:pPr>
+              <a:spcBef>
+                <a:spcPts val="400"/>
+              </a:spcBef>
+              <a:spcAft>
+                <a:spcPts val="400"/>
+              </a:spcAft>
+              <a:defRPr sz="1500">
+                <a:solidFill>
+                  <a:srgbClr val="323232"/>
+                </a:solidFill>
+              </a:defRPr>
+            </a:pPr>
+            <a:r>
+              <a:rPr lang="es-ES" noProof="0" dirty="0"/>
               <a:t>  6. Filtrar películas por año de lanzamiento</a:t>
             </a:r>
           </a:p>
@@ -6284,6 +7791,7 @@
               </a:defRPr>
             </a:pPr>
             <a:r>
+              <a:rPr lang="es-ES" noProof="0" dirty="0"/>
               <a:t>  7. Hacer clic en película para ver detalles en modal</a:t>
             </a:r>
           </a:p>
@@ -6302,6 +7810,7 @@
               </a:defRPr>
             </a:pPr>
             <a:r>
+              <a:rPr lang="es-ES" noProof="0" dirty="0"/>
               <a:t>  8. Guardar/quitar películas de favoritos (⭐)</a:t>
             </a:r>
           </a:p>
@@ -6320,6 +7829,7 @@
               </a:defRPr>
             </a:pPr>
             <a:r>
+              <a:rPr lang="es-ES" noProof="0" dirty="0"/>
               <a:t>  9. Ver sección de películas favoritas</a:t>
             </a:r>
           </a:p>
@@ -6338,167 +7848,122 @@
               </a:defRPr>
             </a:pPr>
             <a:r>
-              <a:t>  10. Panel Admin (usuario admin): ver y eliminar usuarios</a:t>
-            </a:r>
-          </a:p>
-          <a:p>
-            <a:pPr>
-              <a:spcBef>
-                <a:spcPts val="400"/>
-              </a:spcBef>
-              <a:spcAft>
-                <a:spcPts val="400"/>
-              </a:spcAft>
-              <a:defRPr sz="1500">
-                <a:solidFill>
-                  <a:srgbClr val="323232"/>
-                </a:solidFill>
-              </a:defRPr>
-            </a:pPr>
-            <a:r>
-              <a:t>  11. Logout seguro (revocación de token)</a:t>
-            </a:r>
-          </a:p>
-          <a:p>
-            <a:pPr>
-              <a:spcBef>
-                <a:spcPts val="400"/>
-              </a:spcBef>
-              <a:spcAft>
-                <a:spcPts val="400"/>
-              </a:spcAft>
-              <a:defRPr sz="1500">
-                <a:solidFill>
-                  <a:srgbClr val="323232"/>
-                </a:solidFill>
-              </a:defRPr>
-            </a:pPr>
-          </a:p>
-          <a:p>
-            <a:pPr>
-              <a:spcBef>
-                <a:spcPts val="400"/>
-              </a:spcBef>
-              <a:spcAft>
-                <a:spcPts val="400"/>
-              </a:spcAft>
-              <a:defRPr sz="1500">
-                <a:solidFill>
-                  <a:srgbClr val="323232"/>
-                </a:solidFill>
-              </a:defRPr>
-            </a:pPr>
-            <a:r>
-              <a:t>✅ CONCLUSIONES:</a:t>
-            </a:r>
-          </a:p>
-          <a:p>
-            <a:pPr>
-              <a:spcBef>
-                <a:spcPts val="400"/>
-              </a:spcBef>
-              <a:spcAft>
-                <a:spcPts val="400"/>
-              </a:spcAft>
-              <a:defRPr sz="1500">
-                <a:solidFill>
-                  <a:srgbClr val="323232"/>
-                </a:solidFill>
-              </a:defRPr>
-            </a:pPr>
-            <a:r>
-              <a:t>  • Plataforma FUNCIONAL y lista para producción</a:t>
-            </a:r>
-          </a:p>
-          <a:p>
-            <a:pPr>
-              <a:spcBef>
-                <a:spcPts val="400"/>
-              </a:spcBef>
-              <a:spcAft>
-                <a:spcPts val="400"/>
-              </a:spcAft>
-              <a:defRPr sz="1500">
-                <a:solidFill>
-                  <a:srgbClr val="323232"/>
-                </a:solidFill>
-              </a:defRPr>
-            </a:pPr>
-            <a:r>
-              <a:t>  • Stack MODERNO y ESCALABLE</a:t>
-            </a:r>
-          </a:p>
-          <a:p>
-            <a:pPr>
-              <a:spcBef>
-                <a:spcPts val="400"/>
-              </a:spcBef>
-              <a:spcAft>
-                <a:spcPts val="400"/>
-              </a:spcAft>
-              <a:defRPr sz="1500">
-                <a:solidFill>
-                  <a:srgbClr val="323232"/>
-                </a:solidFill>
-              </a:defRPr>
-            </a:pPr>
-            <a:r>
-              <a:t>  • SEGURIDAD implementada en todos los niveles</a:t>
-            </a:r>
-          </a:p>
-          <a:p>
-            <a:pPr>
-              <a:spcBef>
-                <a:spcPts val="400"/>
-              </a:spcBef>
-              <a:spcAft>
-                <a:spcPts val="400"/>
-              </a:spcAft>
-              <a:defRPr sz="1500">
-                <a:solidFill>
-                  <a:srgbClr val="323232"/>
-                </a:solidFill>
-              </a:defRPr>
-            </a:pPr>
-            <a:r>
-              <a:t>  • MANTENIBLE y fácil de extender con nuevas features</a:t>
-            </a:r>
-          </a:p>
-          <a:p>
-            <a:pPr>
-              <a:spcBef>
-                <a:spcPts val="400"/>
-              </a:spcBef>
-              <a:spcAft>
-                <a:spcPts val="400"/>
-              </a:spcAft>
-              <a:defRPr sz="1500">
-                <a:solidFill>
-                  <a:srgbClr val="323232"/>
-                </a:solidFill>
-              </a:defRPr>
-            </a:pPr>
-            <a:r>
-              <a:t>  • Demuestra DOMINIO de múltiples tecnologías</a:t>
-            </a:r>
-          </a:p>
-          <a:p>
-            <a:pPr>
-              <a:spcBef>
-                <a:spcPts val="400"/>
-              </a:spcBef>
-              <a:spcAft>
-                <a:spcPts val="400"/>
-              </a:spcAft>
-              <a:defRPr sz="1500">
-                <a:solidFill>
-                  <a:srgbClr val="323232"/>
-                </a:solidFill>
-              </a:defRPr>
-            </a:pPr>
-            <a:r>
-              <a:t>  • Proyecto que podría comercializarse</a:t>
-            </a:r>
+              <a:rPr lang="es-ES" noProof="0" dirty="0"/>
+              <a:t>  10. Panel </a:t>
+            </a:r>
+            <a:r>
+              <a:rPr lang="es-ES" noProof="0" dirty="0" err="1"/>
+              <a:t>Admin</a:t>
+            </a:r>
+            <a:r>
+              <a:rPr lang="es-ES" noProof="0" dirty="0"/>
+              <a:t> (usuario </a:t>
+            </a:r>
+            <a:r>
+              <a:rPr lang="es-ES" noProof="0" dirty="0" err="1"/>
+              <a:t>admin</a:t>
+            </a:r>
+            <a:r>
+              <a:rPr lang="es-ES" noProof="0" dirty="0"/>
+              <a:t>): ver y eliminar usuarios</a:t>
+            </a:r>
+          </a:p>
+          <a:p>
+            <a:pPr>
+              <a:spcBef>
+                <a:spcPts val="400"/>
+              </a:spcBef>
+              <a:spcAft>
+                <a:spcPts val="400"/>
+              </a:spcAft>
+              <a:defRPr sz="1500">
+                <a:solidFill>
+                  <a:srgbClr val="323232"/>
+                </a:solidFill>
+              </a:defRPr>
+            </a:pPr>
+            <a:r>
+              <a:rPr lang="es-ES" noProof="0" dirty="0"/>
+              <a:t>  11. </a:t>
+            </a:r>
+            <a:r>
+              <a:rPr lang="es-ES" noProof="0" dirty="0" err="1"/>
+              <a:t>Logout</a:t>
+            </a:r>
+            <a:r>
+              <a:rPr lang="es-ES" noProof="0" dirty="0"/>
+              <a:t> seguro (revocación de token)</a:t>
+            </a:r>
+          </a:p>
+          <a:p>
+            <a:pPr>
+              <a:spcBef>
+                <a:spcPts val="400"/>
+              </a:spcBef>
+              <a:spcAft>
+                <a:spcPts val="400"/>
+              </a:spcAft>
+              <a:defRPr sz="1500">
+                <a:solidFill>
+                  <a:srgbClr val="323232"/>
+                </a:solidFill>
+              </a:defRPr>
+            </a:pPr>
+            <a:endParaRPr lang="es-ES" dirty="0"/>
+          </a:p>
+          <a:p>
+            <a:pPr>
+              <a:spcBef>
+                <a:spcPts val="400"/>
+              </a:spcBef>
+              <a:spcAft>
+                <a:spcPts val="400"/>
+              </a:spcAft>
+              <a:defRPr sz="1500">
+                <a:solidFill>
+                  <a:srgbClr val="323232"/>
+                </a:solidFill>
+              </a:defRPr>
+            </a:pPr>
+            <a:r>
+              <a:rPr lang="es-ES" sz="1600" b="1" dirty="0"/>
+              <a:t>ENLACE AL VÍDEO:</a:t>
+            </a:r>
+          </a:p>
+          <a:p>
+            <a:pPr>
+              <a:spcBef>
+                <a:spcPts val="400"/>
+              </a:spcBef>
+              <a:spcAft>
+                <a:spcPts val="400"/>
+              </a:spcAft>
+              <a:defRPr sz="1500">
+                <a:solidFill>
+                  <a:srgbClr val="323232"/>
+                </a:solidFill>
+              </a:defRPr>
+            </a:pPr>
+            <a:r>
+              <a:rPr lang="es-ES" noProof="0" dirty="0"/>
+              <a:t>URL</a:t>
+            </a:r>
+          </a:p>
+          <a:p>
+            <a:pPr>
+              <a:spcBef>
+                <a:spcPts val="400"/>
+              </a:spcBef>
+              <a:spcAft>
+                <a:spcPts val="400"/>
+              </a:spcAft>
+              <a:defRPr sz="1500">
+                <a:solidFill>
+                  <a:srgbClr val="323232"/>
+                </a:solidFill>
+              </a:defRPr>
+            </a:pPr>
+            <a:endParaRPr lang="es-ES" noProof="0" dirty="0"/>
           </a:p>
         </p:txBody>
       </p:sp>

--- a/Presentacion_CineData.pptx
+++ b/Presentacion_CineData.pptx
@@ -14,7 +14,12 @@
     <p:sldId id="261" r:id="rId8"/>
     <p:sldId id="264" r:id="rId9"/>
     <p:sldId id="262" r:id="rId10"/>
-    <p:sldId id="265" r:id="rId11"/>
+    <p:sldId id="266" r:id="rId11"/>
+    <p:sldId id="268" r:id="rId12"/>
+    <p:sldId id="271" r:id="rId13"/>
+    <p:sldId id="269" r:id="rId14"/>
+    <p:sldId id="272" r:id="rId15"/>
+    <p:sldId id="265" r:id="rId16"/>
   </p:sldIdLst>
   <p:sldSz cx="9144000" cy="6858000" type="screen4x3"/>
   <p:notesSz cx="6858000" cy="9144000"/>
@@ -311,7 +316,7 @@
           <a:p>
             <a:fld id="{5BCAD085-E8A6-8845-BD4E-CB4CCA059FC4}" type="datetimeFigureOut">
               <a:rPr lang="en-US" smtClean="0"/>
-              <a:t>1/1/2026</a:t>
+              <a:t>1/2/2026</a:t>
             </a:fld>
             <a:endParaRPr lang="en-US"/>
           </a:p>
@@ -479,7 +484,7 @@
           <a:p>
             <a:fld id="{5BCAD085-E8A6-8845-BD4E-CB4CCA059FC4}" type="datetimeFigureOut">
               <a:rPr lang="en-US" smtClean="0"/>
-              <a:t>1/1/2026</a:t>
+              <a:t>1/2/2026</a:t>
             </a:fld>
             <a:endParaRPr lang="en-US"/>
           </a:p>
@@ -657,7 +662,7 @@
           <a:p>
             <a:fld id="{5BCAD085-E8A6-8845-BD4E-CB4CCA059FC4}" type="datetimeFigureOut">
               <a:rPr lang="en-US" smtClean="0"/>
-              <a:t>1/1/2026</a:t>
+              <a:t>1/2/2026</a:t>
             </a:fld>
             <a:endParaRPr lang="en-US"/>
           </a:p>
@@ -825,7 +830,7 @@
           <a:p>
             <a:fld id="{5BCAD085-E8A6-8845-BD4E-CB4CCA059FC4}" type="datetimeFigureOut">
               <a:rPr lang="en-US" smtClean="0"/>
-              <a:t>1/1/2026</a:t>
+              <a:t>1/2/2026</a:t>
             </a:fld>
             <a:endParaRPr lang="en-US"/>
           </a:p>
@@ -1070,7 +1075,7 @@
           <a:p>
             <a:fld id="{5BCAD085-E8A6-8845-BD4E-CB4CCA059FC4}" type="datetimeFigureOut">
               <a:rPr lang="en-US" smtClean="0"/>
-              <a:t>1/1/2026</a:t>
+              <a:t>1/2/2026</a:t>
             </a:fld>
             <a:endParaRPr lang="en-US"/>
           </a:p>
@@ -1355,7 +1360,7 @@
           <a:p>
             <a:fld id="{5BCAD085-E8A6-8845-BD4E-CB4CCA059FC4}" type="datetimeFigureOut">
               <a:rPr lang="en-US" smtClean="0"/>
-              <a:t>1/1/2026</a:t>
+              <a:t>1/2/2026</a:t>
             </a:fld>
             <a:endParaRPr lang="en-US"/>
           </a:p>
@@ -1774,7 +1779,7 @@
           <a:p>
             <a:fld id="{5BCAD085-E8A6-8845-BD4E-CB4CCA059FC4}" type="datetimeFigureOut">
               <a:rPr lang="en-US" smtClean="0"/>
-              <a:t>1/1/2026</a:t>
+              <a:t>1/2/2026</a:t>
             </a:fld>
             <a:endParaRPr lang="en-US"/>
           </a:p>
@@ -1891,7 +1896,7 @@
           <a:p>
             <a:fld id="{5BCAD085-E8A6-8845-BD4E-CB4CCA059FC4}" type="datetimeFigureOut">
               <a:rPr lang="en-US" smtClean="0"/>
-              <a:t>1/1/2026</a:t>
+              <a:t>1/2/2026</a:t>
             </a:fld>
             <a:endParaRPr lang="en-US"/>
           </a:p>
@@ -1986,7 +1991,7 @@
           <a:p>
             <a:fld id="{5BCAD085-E8A6-8845-BD4E-CB4CCA059FC4}" type="datetimeFigureOut">
               <a:rPr lang="en-US" smtClean="0"/>
-              <a:t>1/1/2026</a:t>
+              <a:t>1/2/2026</a:t>
             </a:fld>
             <a:endParaRPr lang="en-US"/>
           </a:p>
@@ -2261,7 +2266,7 @@
           <a:p>
             <a:fld id="{5BCAD085-E8A6-8845-BD4E-CB4CCA059FC4}" type="datetimeFigureOut">
               <a:rPr lang="en-US" smtClean="0"/>
-              <a:t>1/1/2026</a:t>
+              <a:t>1/2/2026</a:t>
             </a:fld>
             <a:endParaRPr lang="en-US"/>
           </a:p>
@@ -2513,7 +2518,7 @@
           <a:p>
             <a:fld id="{5BCAD085-E8A6-8845-BD4E-CB4CCA059FC4}" type="datetimeFigureOut">
               <a:rPr lang="en-US" smtClean="0"/>
-              <a:t>1/1/2026</a:t>
+              <a:t>1/2/2026</a:t>
             </a:fld>
             <a:endParaRPr lang="en-US"/>
           </a:p>
@@ -2724,7 +2729,7 @@
           <a:p>
             <a:fld id="{5BCAD085-E8A6-8845-BD4E-CB4CCA059FC4}" type="datetimeFigureOut">
               <a:rPr lang="en-US" smtClean="0"/>
-              <a:t>1/1/2026</a:t>
+              <a:t>1/2/2026</a:t>
             </a:fld>
             <a:endParaRPr lang="en-US"/>
           </a:p>
@@ -3229,6 +3234,1016 @@
         <p:cNvPr id="1" name="">
           <a:extLst>
             <a:ext uri="{FF2B5EF4-FFF2-40B4-BE49-F238E27FC236}">
+              <a16:creationId xmlns:a16="http://schemas.microsoft.com/office/drawing/2014/main" id="{85888B1F-D4C8-762D-1E47-DB7279687C5C}"/>
+            </a:ext>
+          </a:extLst>
+        </p:cNvPr>
+        <p:cNvGrpSpPr/>
+        <p:nvPr/>
+      </p:nvGrpSpPr>
+      <p:grpSpPr>
+        <a:xfrm>
+          <a:off x="0" y="0"/>
+          <a:ext cx="0" cy="0"/>
+          <a:chOff x="0" y="0"/>
+          <a:chExt cx="0" cy="0"/>
+        </a:xfrm>
+      </p:grpSpPr>
+      <p:sp>
+        <p:nvSpPr>
+          <p:cNvPr id="2" name="Rectangle 1">
+            <a:extLst>
+              <a:ext uri="{FF2B5EF4-FFF2-40B4-BE49-F238E27FC236}">
+                <a16:creationId xmlns:a16="http://schemas.microsoft.com/office/drawing/2014/main" id="{94D663F8-A7AB-237D-7804-F83D08B8DA59}"/>
+              </a:ext>
+            </a:extLst>
+          </p:cNvPr>
+          <p:cNvSpPr/>
+          <p:nvPr/>
+        </p:nvSpPr>
+        <p:spPr>
+          <a:xfrm>
+            <a:off x="0" y="0"/>
+            <a:ext cx="9144000" cy="914400"/>
+          </a:xfrm>
+          <a:prstGeom prst="rect">
+            <a:avLst/>
+          </a:prstGeom>
+          <a:solidFill>
+            <a:srgbClr val="1F4E79"/>
+          </a:solidFill>
+          <a:ln>
+            <a:solidFill>
+              <a:srgbClr val="1F4E79"/>
+            </a:solidFill>
+          </a:ln>
+        </p:spPr>
+        <p:style>
+          <a:lnRef idx="1">
+            <a:schemeClr val="accent1"/>
+          </a:lnRef>
+          <a:fillRef idx="3">
+            <a:schemeClr val="accent1"/>
+          </a:fillRef>
+          <a:effectRef idx="2">
+            <a:schemeClr val="accent1"/>
+          </a:effectRef>
+          <a:fontRef idx="minor">
+            <a:schemeClr val="lt1"/>
+          </a:fontRef>
+        </p:style>
+        <p:txBody>
+          <a:bodyPr rtlCol="0" anchor="ctr"/>
+          <a:lstStyle/>
+          <a:p>
+            <a:pPr algn="ctr"/>
+            <a:endParaRPr lang="es-ES" noProof="0" dirty="0"/>
+          </a:p>
+        </p:txBody>
+      </p:sp>
+      <p:sp>
+        <p:nvSpPr>
+          <p:cNvPr id="3" name="TextBox 2">
+            <a:extLst>
+              <a:ext uri="{FF2B5EF4-FFF2-40B4-BE49-F238E27FC236}">
+                <a16:creationId xmlns:a16="http://schemas.microsoft.com/office/drawing/2014/main" id="{478EC842-9F23-D642-0771-6D649C4E3BEC}"/>
+              </a:ext>
+            </a:extLst>
+          </p:cNvPr>
+          <p:cNvSpPr txBox="1"/>
+          <p:nvPr/>
+        </p:nvSpPr>
+        <p:spPr>
+          <a:xfrm>
+            <a:off x="457200" y="182880"/>
+            <a:ext cx="4573240" cy="707886"/>
+          </a:xfrm>
+          <a:prstGeom prst="rect">
+            <a:avLst/>
+          </a:prstGeom>
+          <a:noFill/>
+        </p:spPr>
+        <p:txBody>
+          <a:bodyPr wrap="none">
+            <a:spAutoFit/>
+          </a:bodyPr>
+          <a:lstStyle/>
+          <a:p>
+            <a:pPr>
+              <a:defRPr sz="4000" b="1">
+                <a:solidFill>
+                  <a:srgbClr val="FFFFFF"/>
+                </a:solidFill>
+              </a:defRPr>
+            </a:pPr>
+            <a:r>
+              <a:rPr lang="es-ES" noProof="0" dirty="0"/>
+              <a:t>Capturas adicionales</a:t>
+            </a:r>
+          </a:p>
+        </p:txBody>
+      </p:sp>
+      <p:pic>
+        <p:nvPicPr>
+          <p:cNvPr id="6" name="Imagen 5" descr="Interfaz de usuario gráfica, Aplicación&#10;&#10;El contenido generado por IA puede ser incorrecto.">
+            <a:extLst>
+              <a:ext uri="{FF2B5EF4-FFF2-40B4-BE49-F238E27FC236}">
+                <a16:creationId xmlns:a16="http://schemas.microsoft.com/office/drawing/2014/main" id="{D1890B94-EC06-E719-44A7-6A8CEC6CDE2A}"/>
+              </a:ext>
+            </a:extLst>
+          </p:cNvPr>
+          <p:cNvPicPr>
+            <a:picLocks noChangeAspect="1"/>
+          </p:cNvPicPr>
+          <p:nvPr/>
+        </p:nvPicPr>
+        <p:blipFill>
+          <a:blip r:embed="rId2"/>
+          <a:stretch>
+            <a:fillRect/>
+          </a:stretch>
+        </p:blipFill>
+        <p:spPr>
+          <a:xfrm>
+            <a:off x="1563329" y="1415186"/>
+            <a:ext cx="6017342" cy="3201514"/>
+          </a:xfrm>
+          <a:prstGeom prst="rect">
+            <a:avLst/>
+          </a:prstGeom>
+        </p:spPr>
+      </p:pic>
+      <p:sp>
+        <p:nvSpPr>
+          <p:cNvPr id="7" name="CuadroTexto 6">
+            <a:extLst>
+              <a:ext uri="{FF2B5EF4-FFF2-40B4-BE49-F238E27FC236}">
+                <a16:creationId xmlns:a16="http://schemas.microsoft.com/office/drawing/2014/main" id="{B51245B9-1A11-047A-EAE0-141C297BD04B}"/>
+              </a:ext>
+            </a:extLst>
+          </p:cNvPr>
+          <p:cNvSpPr txBox="1"/>
+          <p:nvPr/>
+        </p:nvSpPr>
+        <p:spPr>
+          <a:xfrm>
+            <a:off x="0" y="1022555"/>
+            <a:ext cx="9144000" cy="338554"/>
+          </a:xfrm>
+          <a:prstGeom prst="rect">
+            <a:avLst/>
+          </a:prstGeom>
+          <a:noFill/>
+        </p:spPr>
+        <p:txBody>
+          <a:bodyPr wrap="square" rtlCol="0">
+            <a:spAutoFit/>
+          </a:bodyPr>
+          <a:lstStyle/>
+          <a:p>
+            <a:pPr algn="ctr"/>
+            <a:r>
+              <a:rPr lang="es-ES" sz="1600" b="1" dirty="0"/>
+              <a:t>DOCUMENTACIÓN</a:t>
+            </a:r>
+          </a:p>
+        </p:txBody>
+      </p:sp>
+      <p:pic>
+        <p:nvPicPr>
+          <p:cNvPr id="8" name="Imagen 7" descr="Aplicación&#10;&#10;El contenido generado por IA puede ser incorrecto.">
+            <a:extLst>
+              <a:ext uri="{FF2B5EF4-FFF2-40B4-BE49-F238E27FC236}">
+                <a16:creationId xmlns:a16="http://schemas.microsoft.com/office/drawing/2014/main" id="{1F27C335-6B19-B118-34D6-6D49F79F83AF}"/>
+              </a:ext>
+            </a:extLst>
+          </p:cNvPr>
+          <p:cNvPicPr>
+            <a:picLocks noChangeAspect="1"/>
+          </p:cNvPicPr>
+          <p:nvPr/>
+        </p:nvPicPr>
+        <p:blipFill>
+          <a:blip r:embed="rId3"/>
+          <a:stretch>
+            <a:fillRect/>
+          </a:stretch>
+        </p:blipFill>
+        <p:spPr>
+          <a:xfrm>
+            <a:off x="1563329" y="4613054"/>
+            <a:ext cx="6017342" cy="1659520"/>
+          </a:xfrm>
+          <a:prstGeom prst="rect">
+            <a:avLst/>
+          </a:prstGeom>
+        </p:spPr>
+      </p:pic>
+    </p:spTree>
+    <p:extLst>
+      <p:ext uri="{BB962C8B-B14F-4D97-AF65-F5344CB8AC3E}">
+        <p14:creationId xmlns:p14="http://schemas.microsoft.com/office/powerpoint/2010/main" val="4133968270"/>
+      </p:ext>
+    </p:extLst>
+  </p:cSld>
+  <p:clrMapOvr>
+    <a:masterClrMapping/>
+  </p:clrMapOvr>
+</p:sld>
+</file>
+
+<file path=ppt/slides/slide11.xml><?xml version="1.0" encoding="utf-8"?>
+<p:sld xmlns:a="http://schemas.openxmlformats.org/drawingml/2006/main" xmlns:r="http://schemas.openxmlformats.org/officeDocument/2006/relationships" xmlns:p="http://schemas.openxmlformats.org/presentationml/2006/main">
+  <p:cSld>
+    <p:spTree>
+      <p:nvGrpSpPr>
+        <p:cNvPr id="1" name="">
+          <a:extLst>
+            <a:ext uri="{FF2B5EF4-FFF2-40B4-BE49-F238E27FC236}">
+              <a16:creationId xmlns:a16="http://schemas.microsoft.com/office/drawing/2014/main" id="{CCC2D9ED-94F5-6E42-6FF0-2DBA411A4608}"/>
+            </a:ext>
+          </a:extLst>
+        </p:cNvPr>
+        <p:cNvGrpSpPr/>
+        <p:nvPr/>
+      </p:nvGrpSpPr>
+      <p:grpSpPr>
+        <a:xfrm>
+          <a:off x="0" y="0"/>
+          <a:ext cx="0" cy="0"/>
+          <a:chOff x="0" y="0"/>
+          <a:chExt cx="0" cy="0"/>
+        </a:xfrm>
+      </p:grpSpPr>
+      <p:sp>
+        <p:nvSpPr>
+          <p:cNvPr id="2" name="Rectangle 1">
+            <a:extLst>
+              <a:ext uri="{FF2B5EF4-FFF2-40B4-BE49-F238E27FC236}">
+                <a16:creationId xmlns:a16="http://schemas.microsoft.com/office/drawing/2014/main" id="{103A7751-14B3-7B3A-3E60-7EE3A6876E7E}"/>
+              </a:ext>
+            </a:extLst>
+          </p:cNvPr>
+          <p:cNvSpPr/>
+          <p:nvPr/>
+        </p:nvSpPr>
+        <p:spPr>
+          <a:xfrm>
+            <a:off x="0" y="0"/>
+            <a:ext cx="9144000" cy="914400"/>
+          </a:xfrm>
+          <a:prstGeom prst="rect">
+            <a:avLst/>
+          </a:prstGeom>
+          <a:solidFill>
+            <a:srgbClr val="1F4E79"/>
+          </a:solidFill>
+          <a:ln>
+            <a:solidFill>
+              <a:srgbClr val="1F4E79"/>
+            </a:solidFill>
+          </a:ln>
+        </p:spPr>
+        <p:style>
+          <a:lnRef idx="1">
+            <a:schemeClr val="accent1"/>
+          </a:lnRef>
+          <a:fillRef idx="3">
+            <a:schemeClr val="accent1"/>
+          </a:fillRef>
+          <a:effectRef idx="2">
+            <a:schemeClr val="accent1"/>
+          </a:effectRef>
+          <a:fontRef idx="minor">
+            <a:schemeClr val="lt1"/>
+          </a:fontRef>
+        </p:style>
+        <p:txBody>
+          <a:bodyPr rtlCol="0" anchor="ctr"/>
+          <a:lstStyle/>
+          <a:p>
+            <a:pPr algn="ctr"/>
+            <a:endParaRPr lang="es-ES" noProof="0" dirty="0"/>
+          </a:p>
+        </p:txBody>
+      </p:sp>
+      <p:sp>
+        <p:nvSpPr>
+          <p:cNvPr id="3" name="TextBox 2">
+            <a:extLst>
+              <a:ext uri="{FF2B5EF4-FFF2-40B4-BE49-F238E27FC236}">
+                <a16:creationId xmlns:a16="http://schemas.microsoft.com/office/drawing/2014/main" id="{868EF7AA-D62E-9B45-00D1-75CE3577AFB9}"/>
+              </a:ext>
+            </a:extLst>
+          </p:cNvPr>
+          <p:cNvSpPr txBox="1"/>
+          <p:nvPr/>
+        </p:nvSpPr>
+        <p:spPr>
+          <a:xfrm>
+            <a:off x="457200" y="182880"/>
+            <a:ext cx="4573240" cy="707886"/>
+          </a:xfrm>
+          <a:prstGeom prst="rect">
+            <a:avLst/>
+          </a:prstGeom>
+          <a:noFill/>
+        </p:spPr>
+        <p:txBody>
+          <a:bodyPr wrap="none">
+            <a:spAutoFit/>
+          </a:bodyPr>
+          <a:lstStyle/>
+          <a:p>
+            <a:pPr>
+              <a:defRPr sz="4000" b="1">
+                <a:solidFill>
+                  <a:srgbClr val="FFFFFF"/>
+                </a:solidFill>
+              </a:defRPr>
+            </a:pPr>
+            <a:r>
+              <a:rPr lang="es-ES" noProof="0" dirty="0"/>
+              <a:t>Capturas adicionales</a:t>
+            </a:r>
+          </a:p>
+        </p:txBody>
+      </p:sp>
+      <p:pic>
+        <p:nvPicPr>
+          <p:cNvPr id="5" name="Imagen 4" descr="Captura de pantalla de un celular&#10;&#10;El contenido generado por IA puede ser incorrecto.">
+            <a:extLst>
+              <a:ext uri="{FF2B5EF4-FFF2-40B4-BE49-F238E27FC236}">
+                <a16:creationId xmlns:a16="http://schemas.microsoft.com/office/drawing/2014/main" id="{A7F72D41-566C-7461-614B-77FE392E06BF}"/>
+              </a:ext>
+            </a:extLst>
+          </p:cNvPr>
+          <p:cNvPicPr>
+            <a:picLocks noChangeAspect="1"/>
+          </p:cNvPicPr>
+          <p:nvPr/>
+        </p:nvPicPr>
+        <p:blipFill>
+          <a:blip r:embed="rId2"/>
+          <a:stretch>
+            <a:fillRect/>
+          </a:stretch>
+        </p:blipFill>
+        <p:spPr>
+          <a:xfrm>
+            <a:off x="0" y="1645406"/>
+            <a:ext cx="9144000" cy="4865046"/>
+          </a:xfrm>
+          <a:prstGeom prst="rect">
+            <a:avLst/>
+          </a:prstGeom>
+        </p:spPr>
+      </p:pic>
+      <p:sp>
+        <p:nvSpPr>
+          <p:cNvPr id="7" name="CuadroTexto 6">
+            <a:extLst>
+              <a:ext uri="{FF2B5EF4-FFF2-40B4-BE49-F238E27FC236}">
+                <a16:creationId xmlns:a16="http://schemas.microsoft.com/office/drawing/2014/main" id="{3BFFCA1E-4B00-54A2-B1D9-195456983FB1}"/>
+              </a:ext>
+            </a:extLst>
+          </p:cNvPr>
+          <p:cNvSpPr txBox="1"/>
+          <p:nvPr/>
+        </p:nvSpPr>
+        <p:spPr>
+          <a:xfrm>
+            <a:off x="0" y="1093311"/>
+            <a:ext cx="9144000" cy="338554"/>
+          </a:xfrm>
+          <a:prstGeom prst="rect">
+            <a:avLst/>
+          </a:prstGeom>
+          <a:noFill/>
+        </p:spPr>
+        <p:txBody>
+          <a:bodyPr wrap="square" rtlCol="0">
+            <a:spAutoFit/>
+          </a:bodyPr>
+          <a:lstStyle/>
+          <a:p>
+            <a:pPr algn="ctr"/>
+            <a:r>
+              <a:rPr lang="es-ES" sz="1600" b="1" dirty="0"/>
+              <a:t>DOCUMENTACIÓN</a:t>
+            </a:r>
+          </a:p>
+        </p:txBody>
+      </p:sp>
+    </p:spTree>
+    <p:extLst>
+      <p:ext uri="{BB962C8B-B14F-4D97-AF65-F5344CB8AC3E}">
+        <p14:creationId xmlns:p14="http://schemas.microsoft.com/office/powerpoint/2010/main" val="1085575870"/>
+      </p:ext>
+    </p:extLst>
+  </p:cSld>
+  <p:clrMapOvr>
+    <a:masterClrMapping/>
+  </p:clrMapOvr>
+</p:sld>
+</file>
+
+<file path=ppt/slides/slide12.xml><?xml version="1.0" encoding="utf-8"?>
+<p:sld xmlns:a="http://schemas.openxmlformats.org/drawingml/2006/main" xmlns:r="http://schemas.openxmlformats.org/officeDocument/2006/relationships" xmlns:p="http://schemas.openxmlformats.org/presentationml/2006/main">
+  <p:cSld>
+    <p:spTree>
+      <p:nvGrpSpPr>
+        <p:cNvPr id="1" name="">
+          <a:extLst>
+            <a:ext uri="{FF2B5EF4-FFF2-40B4-BE49-F238E27FC236}">
+              <a16:creationId xmlns:a16="http://schemas.microsoft.com/office/drawing/2014/main" id="{B3CB4518-735F-8FD6-0781-9116ECE1A1BB}"/>
+            </a:ext>
+          </a:extLst>
+        </p:cNvPr>
+        <p:cNvGrpSpPr/>
+        <p:nvPr/>
+      </p:nvGrpSpPr>
+      <p:grpSpPr>
+        <a:xfrm>
+          <a:off x="0" y="0"/>
+          <a:ext cx="0" cy="0"/>
+          <a:chOff x="0" y="0"/>
+          <a:chExt cx="0" cy="0"/>
+        </a:xfrm>
+      </p:grpSpPr>
+      <p:sp>
+        <p:nvSpPr>
+          <p:cNvPr id="2" name="Rectangle 1">
+            <a:extLst>
+              <a:ext uri="{FF2B5EF4-FFF2-40B4-BE49-F238E27FC236}">
+                <a16:creationId xmlns:a16="http://schemas.microsoft.com/office/drawing/2014/main" id="{DA510697-8046-A679-4FF9-768EBF92F723}"/>
+              </a:ext>
+            </a:extLst>
+          </p:cNvPr>
+          <p:cNvSpPr/>
+          <p:nvPr/>
+        </p:nvSpPr>
+        <p:spPr>
+          <a:xfrm>
+            <a:off x="0" y="0"/>
+            <a:ext cx="9144000" cy="914400"/>
+          </a:xfrm>
+          <a:prstGeom prst="rect">
+            <a:avLst/>
+          </a:prstGeom>
+          <a:solidFill>
+            <a:srgbClr val="1F4E79"/>
+          </a:solidFill>
+          <a:ln>
+            <a:solidFill>
+              <a:srgbClr val="1F4E79"/>
+            </a:solidFill>
+          </a:ln>
+        </p:spPr>
+        <p:style>
+          <a:lnRef idx="1">
+            <a:schemeClr val="accent1"/>
+          </a:lnRef>
+          <a:fillRef idx="3">
+            <a:schemeClr val="accent1"/>
+          </a:fillRef>
+          <a:effectRef idx="2">
+            <a:schemeClr val="accent1"/>
+          </a:effectRef>
+          <a:fontRef idx="minor">
+            <a:schemeClr val="lt1"/>
+          </a:fontRef>
+        </p:style>
+        <p:txBody>
+          <a:bodyPr rtlCol="0" anchor="ctr"/>
+          <a:lstStyle/>
+          <a:p>
+            <a:pPr algn="ctr"/>
+            <a:endParaRPr lang="es-ES" noProof="0" dirty="0"/>
+          </a:p>
+        </p:txBody>
+      </p:sp>
+      <p:sp>
+        <p:nvSpPr>
+          <p:cNvPr id="3" name="TextBox 2">
+            <a:extLst>
+              <a:ext uri="{FF2B5EF4-FFF2-40B4-BE49-F238E27FC236}">
+                <a16:creationId xmlns:a16="http://schemas.microsoft.com/office/drawing/2014/main" id="{87B149BB-2921-EBE1-8890-984BDFF4F196}"/>
+              </a:ext>
+            </a:extLst>
+          </p:cNvPr>
+          <p:cNvSpPr txBox="1"/>
+          <p:nvPr/>
+        </p:nvSpPr>
+        <p:spPr>
+          <a:xfrm>
+            <a:off x="457200" y="182880"/>
+            <a:ext cx="4573240" cy="707886"/>
+          </a:xfrm>
+          <a:prstGeom prst="rect">
+            <a:avLst/>
+          </a:prstGeom>
+          <a:noFill/>
+        </p:spPr>
+        <p:txBody>
+          <a:bodyPr wrap="none">
+            <a:spAutoFit/>
+          </a:bodyPr>
+          <a:lstStyle/>
+          <a:p>
+            <a:pPr>
+              <a:defRPr sz="4000" b="1">
+                <a:solidFill>
+                  <a:srgbClr val="FFFFFF"/>
+                </a:solidFill>
+              </a:defRPr>
+            </a:pPr>
+            <a:r>
+              <a:rPr lang="es-ES" noProof="0" dirty="0"/>
+              <a:t>Capturas adicionales</a:t>
+            </a:r>
+          </a:p>
+        </p:txBody>
+      </p:sp>
+      <p:sp>
+        <p:nvSpPr>
+          <p:cNvPr id="7" name="CuadroTexto 6">
+            <a:extLst>
+              <a:ext uri="{FF2B5EF4-FFF2-40B4-BE49-F238E27FC236}">
+                <a16:creationId xmlns:a16="http://schemas.microsoft.com/office/drawing/2014/main" id="{E2200F2A-E9BF-9CB0-064B-F645E5C9CDC8}"/>
+              </a:ext>
+            </a:extLst>
+          </p:cNvPr>
+          <p:cNvSpPr txBox="1"/>
+          <p:nvPr/>
+        </p:nvSpPr>
+        <p:spPr>
+          <a:xfrm>
+            <a:off x="0" y="1093311"/>
+            <a:ext cx="9144000" cy="338554"/>
+          </a:xfrm>
+          <a:prstGeom prst="rect">
+            <a:avLst/>
+          </a:prstGeom>
+          <a:noFill/>
+        </p:spPr>
+        <p:txBody>
+          <a:bodyPr wrap="square" rtlCol="0">
+            <a:spAutoFit/>
+          </a:bodyPr>
+          <a:lstStyle/>
+          <a:p>
+            <a:pPr algn="ctr"/>
+            <a:r>
+              <a:rPr lang="es-ES" sz="1600" b="1" dirty="0"/>
+              <a:t>DOCUMENTACIÓN</a:t>
+            </a:r>
+          </a:p>
+        </p:txBody>
+      </p:sp>
+      <p:pic>
+        <p:nvPicPr>
+          <p:cNvPr id="4" name="Imagen 3" descr="Interfaz de usuario gráfica, Aplicación, Sitio web&#10;&#10;El contenido generado por IA puede ser incorrecto.">
+            <a:extLst>
+              <a:ext uri="{FF2B5EF4-FFF2-40B4-BE49-F238E27FC236}">
+                <a16:creationId xmlns:a16="http://schemas.microsoft.com/office/drawing/2014/main" id="{67AB3161-996B-6208-DA65-1483D37EF58F}"/>
+              </a:ext>
+            </a:extLst>
+          </p:cNvPr>
+          <p:cNvPicPr>
+            <a:picLocks noChangeAspect="1"/>
+          </p:cNvPicPr>
+          <p:nvPr/>
+        </p:nvPicPr>
+        <p:blipFill>
+          <a:blip r:embed="rId2"/>
+          <a:stretch>
+            <a:fillRect/>
+          </a:stretch>
+        </p:blipFill>
+        <p:spPr>
+          <a:xfrm>
+            <a:off x="0" y="1637815"/>
+            <a:ext cx="9144000" cy="4865046"/>
+          </a:xfrm>
+          <a:prstGeom prst="rect">
+            <a:avLst/>
+          </a:prstGeom>
+        </p:spPr>
+      </p:pic>
+    </p:spTree>
+    <p:extLst>
+      <p:ext uri="{BB962C8B-B14F-4D97-AF65-F5344CB8AC3E}">
+        <p14:creationId xmlns:p14="http://schemas.microsoft.com/office/powerpoint/2010/main" val="130930250"/>
+      </p:ext>
+    </p:extLst>
+  </p:cSld>
+  <p:clrMapOvr>
+    <a:masterClrMapping/>
+  </p:clrMapOvr>
+</p:sld>
+</file>
+
+<file path=ppt/slides/slide13.xml><?xml version="1.0" encoding="utf-8"?>
+<p:sld xmlns:a="http://schemas.openxmlformats.org/drawingml/2006/main" xmlns:r="http://schemas.openxmlformats.org/officeDocument/2006/relationships" xmlns:p="http://schemas.openxmlformats.org/presentationml/2006/main">
+  <p:cSld>
+    <p:spTree>
+      <p:nvGrpSpPr>
+        <p:cNvPr id="1" name="">
+          <a:extLst>
+            <a:ext uri="{FF2B5EF4-FFF2-40B4-BE49-F238E27FC236}">
+              <a16:creationId xmlns:a16="http://schemas.microsoft.com/office/drawing/2014/main" id="{F1C86F48-E85E-20B1-C45F-BD6FA10DC02B}"/>
+            </a:ext>
+          </a:extLst>
+        </p:cNvPr>
+        <p:cNvGrpSpPr/>
+        <p:nvPr/>
+      </p:nvGrpSpPr>
+      <p:grpSpPr>
+        <a:xfrm>
+          <a:off x="0" y="0"/>
+          <a:ext cx="0" cy="0"/>
+          <a:chOff x="0" y="0"/>
+          <a:chExt cx="0" cy="0"/>
+        </a:xfrm>
+      </p:grpSpPr>
+      <p:sp>
+        <p:nvSpPr>
+          <p:cNvPr id="2" name="Rectangle 1">
+            <a:extLst>
+              <a:ext uri="{FF2B5EF4-FFF2-40B4-BE49-F238E27FC236}">
+                <a16:creationId xmlns:a16="http://schemas.microsoft.com/office/drawing/2014/main" id="{F60F4C22-CBD1-03DE-861A-059012F3264A}"/>
+              </a:ext>
+            </a:extLst>
+          </p:cNvPr>
+          <p:cNvSpPr/>
+          <p:nvPr/>
+        </p:nvSpPr>
+        <p:spPr>
+          <a:xfrm>
+            <a:off x="0" y="0"/>
+            <a:ext cx="9144000" cy="914400"/>
+          </a:xfrm>
+          <a:prstGeom prst="rect">
+            <a:avLst/>
+          </a:prstGeom>
+          <a:solidFill>
+            <a:srgbClr val="1F4E79"/>
+          </a:solidFill>
+          <a:ln>
+            <a:solidFill>
+              <a:srgbClr val="1F4E79"/>
+            </a:solidFill>
+          </a:ln>
+        </p:spPr>
+        <p:style>
+          <a:lnRef idx="1">
+            <a:schemeClr val="accent1"/>
+          </a:lnRef>
+          <a:fillRef idx="3">
+            <a:schemeClr val="accent1"/>
+          </a:fillRef>
+          <a:effectRef idx="2">
+            <a:schemeClr val="accent1"/>
+          </a:effectRef>
+          <a:fontRef idx="minor">
+            <a:schemeClr val="lt1"/>
+          </a:fontRef>
+        </p:style>
+        <p:txBody>
+          <a:bodyPr rtlCol="0" anchor="ctr"/>
+          <a:lstStyle/>
+          <a:p>
+            <a:pPr algn="ctr"/>
+            <a:endParaRPr lang="es-ES" noProof="0" dirty="0"/>
+          </a:p>
+        </p:txBody>
+      </p:sp>
+      <p:sp>
+        <p:nvSpPr>
+          <p:cNvPr id="3" name="TextBox 2">
+            <a:extLst>
+              <a:ext uri="{FF2B5EF4-FFF2-40B4-BE49-F238E27FC236}">
+                <a16:creationId xmlns:a16="http://schemas.microsoft.com/office/drawing/2014/main" id="{BCC97626-4D6E-8A80-18CF-85B96F3A1B88}"/>
+              </a:ext>
+            </a:extLst>
+          </p:cNvPr>
+          <p:cNvSpPr txBox="1"/>
+          <p:nvPr/>
+        </p:nvSpPr>
+        <p:spPr>
+          <a:xfrm>
+            <a:off x="457200" y="182880"/>
+            <a:ext cx="4573240" cy="707886"/>
+          </a:xfrm>
+          <a:prstGeom prst="rect">
+            <a:avLst/>
+          </a:prstGeom>
+          <a:noFill/>
+        </p:spPr>
+        <p:txBody>
+          <a:bodyPr wrap="none">
+            <a:spAutoFit/>
+          </a:bodyPr>
+          <a:lstStyle/>
+          <a:p>
+            <a:pPr>
+              <a:defRPr sz="4000" b="1">
+                <a:solidFill>
+                  <a:srgbClr val="FFFFFF"/>
+                </a:solidFill>
+              </a:defRPr>
+            </a:pPr>
+            <a:r>
+              <a:rPr lang="es-ES" noProof="0" dirty="0"/>
+              <a:t>Capturas adicionales</a:t>
+            </a:r>
+          </a:p>
+        </p:txBody>
+      </p:sp>
+      <p:pic>
+        <p:nvPicPr>
+          <p:cNvPr id="8" name="Imagen 7" descr="Captura de pantalla de un celular&#10;&#10;El contenido generado por IA puede ser incorrecto.">
+            <a:extLst>
+              <a:ext uri="{FF2B5EF4-FFF2-40B4-BE49-F238E27FC236}">
+                <a16:creationId xmlns:a16="http://schemas.microsoft.com/office/drawing/2014/main" id="{79D79DF2-7AEF-5AC7-A42B-36EA110C46FC}"/>
+              </a:ext>
+            </a:extLst>
+          </p:cNvPr>
+          <p:cNvPicPr>
+            <a:picLocks noChangeAspect="1"/>
+          </p:cNvPicPr>
+          <p:nvPr/>
+        </p:nvPicPr>
+        <p:blipFill>
+          <a:blip r:embed="rId2"/>
+          <a:stretch>
+            <a:fillRect/>
+          </a:stretch>
+        </p:blipFill>
+        <p:spPr>
+          <a:xfrm>
+            <a:off x="0" y="1657621"/>
+            <a:ext cx="9144000" cy="4860281"/>
+          </a:xfrm>
+          <a:prstGeom prst="rect">
+            <a:avLst/>
+          </a:prstGeom>
+        </p:spPr>
+      </p:pic>
+      <p:sp>
+        <p:nvSpPr>
+          <p:cNvPr id="9" name="CuadroTexto 8">
+            <a:extLst>
+              <a:ext uri="{FF2B5EF4-FFF2-40B4-BE49-F238E27FC236}">
+                <a16:creationId xmlns:a16="http://schemas.microsoft.com/office/drawing/2014/main" id="{3396056C-CDAC-FA97-4A7F-6647E2E5A772}"/>
+              </a:ext>
+            </a:extLst>
+          </p:cNvPr>
+          <p:cNvSpPr txBox="1"/>
+          <p:nvPr/>
+        </p:nvSpPr>
+        <p:spPr>
+          <a:xfrm>
+            <a:off x="0" y="1093311"/>
+            <a:ext cx="9144000" cy="338554"/>
+          </a:xfrm>
+          <a:prstGeom prst="rect">
+            <a:avLst/>
+          </a:prstGeom>
+          <a:noFill/>
+        </p:spPr>
+        <p:txBody>
+          <a:bodyPr wrap="square" rtlCol="0">
+            <a:spAutoFit/>
+          </a:bodyPr>
+          <a:lstStyle/>
+          <a:p>
+            <a:pPr algn="ctr"/>
+            <a:r>
+              <a:rPr lang="es-ES" sz="1600" b="1" dirty="0"/>
+              <a:t>API GATEWAY</a:t>
+            </a:r>
+          </a:p>
+        </p:txBody>
+      </p:sp>
+    </p:spTree>
+    <p:extLst>
+      <p:ext uri="{BB962C8B-B14F-4D97-AF65-F5344CB8AC3E}">
+        <p14:creationId xmlns:p14="http://schemas.microsoft.com/office/powerpoint/2010/main" val="1637937684"/>
+      </p:ext>
+    </p:extLst>
+  </p:cSld>
+  <p:clrMapOvr>
+    <a:masterClrMapping/>
+  </p:clrMapOvr>
+</p:sld>
+</file>
+
+<file path=ppt/slides/slide14.xml><?xml version="1.0" encoding="utf-8"?>
+<p:sld xmlns:a="http://schemas.openxmlformats.org/drawingml/2006/main" xmlns:r="http://schemas.openxmlformats.org/officeDocument/2006/relationships" xmlns:p="http://schemas.openxmlformats.org/presentationml/2006/main">
+  <p:cSld>
+    <p:spTree>
+      <p:nvGrpSpPr>
+        <p:cNvPr id="1" name="">
+          <a:extLst>
+            <a:ext uri="{FF2B5EF4-FFF2-40B4-BE49-F238E27FC236}">
+              <a16:creationId xmlns:a16="http://schemas.microsoft.com/office/drawing/2014/main" id="{4D71B13A-C2E5-7481-70C9-BFF7B2182236}"/>
+            </a:ext>
+          </a:extLst>
+        </p:cNvPr>
+        <p:cNvGrpSpPr/>
+        <p:nvPr/>
+      </p:nvGrpSpPr>
+      <p:grpSpPr>
+        <a:xfrm>
+          <a:off x="0" y="0"/>
+          <a:ext cx="0" cy="0"/>
+          <a:chOff x="0" y="0"/>
+          <a:chExt cx="0" cy="0"/>
+        </a:xfrm>
+      </p:grpSpPr>
+      <p:sp>
+        <p:nvSpPr>
+          <p:cNvPr id="2" name="Rectangle 1">
+            <a:extLst>
+              <a:ext uri="{FF2B5EF4-FFF2-40B4-BE49-F238E27FC236}">
+                <a16:creationId xmlns:a16="http://schemas.microsoft.com/office/drawing/2014/main" id="{9D966B80-942D-2C79-1D96-FE314FFF4B0C}"/>
+              </a:ext>
+            </a:extLst>
+          </p:cNvPr>
+          <p:cNvSpPr/>
+          <p:nvPr/>
+        </p:nvSpPr>
+        <p:spPr>
+          <a:xfrm>
+            <a:off x="0" y="0"/>
+            <a:ext cx="9144000" cy="914400"/>
+          </a:xfrm>
+          <a:prstGeom prst="rect">
+            <a:avLst/>
+          </a:prstGeom>
+          <a:solidFill>
+            <a:srgbClr val="1F4E79"/>
+          </a:solidFill>
+          <a:ln>
+            <a:solidFill>
+              <a:srgbClr val="1F4E79"/>
+            </a:solidFill>
+          </a:ln>
+        </p:spPr>
+        <p:style>
+          <a:lnRef idx="1">
+            <a:schemeClr val="accent1"/>
+          </a:lnRef>
+          <a:fillRef idx="3">
+            <a:schemeClr val="accent1"/>
+          </a:fillRef>
+          <a:effectRef idx="2">
+            <a:schemeClr val="accent1"/>
+          </a:effectRef>
+          <a:fontRef idx="minor">
+            <a:schemeClr val="lt1"/>
+          </a:fontRef>
+        </p:style>
+        <p:txBody>
+          <a:bodyPr rtlCol="0" anchor="ctr"/>
+          <a:lstStyle/>
+          <a:p>
+            <a:pPr algn="ctr"/>
+            <a:endParaRPr lang="es-ES" noProof="0" dirty="0"/>
+          </a:p>
+        </p:txBody>
+      </p:sp>
+      <p:sp>
+        <p:nvSpPr>
+          <p:cNvPr id="3" name="TextBox 2">
+            <a:extLst>
+              <a:ext uri="{FF2B5EF4-FFF2-40B4-BE49-F238E27FC236}">
+                <a16:creationId xmlns:a16="http://schemas.microsoft.com/office/drawing/2014/main" id="{B14ECBC1-D04E-1098-AB2D-8205357561EE}"/>
+              </a:ext>
+            </a:extLst>
+          </p:cNvPr>
+          <p:cNvSpPr txBox="1"/>
+          <p:nvPr/>
+        </p:nvSpPr>
+        <p:spPr>
+          <a:xfrm>
+            <a:off x="457200" y="182880"/>
+            <a:ext cx="4573240" cy="707886"/>
+          </a:xfrm>
+          <a:prstGeom prst="rect">
+            <a:avLst/>
+          </a:prstGeom>
+          <a:noFill/>
+        </p:spPr>
+        <p:txBody>
+          <a:bodyPr wrap="none">
+            <a:spAutoFit/>
+          </a:bodyPr>
+          <a:lstStyle/>
+          <a:p>
+            <a:pPr>
+              <a:defRPr sz="4000" b="1">
+                <a:solidFill>
+                  <a:srgbClr val="FFFFFF"/>
+                </a:solidFill>
+              </a:defRPr>
+            </a:pPr>
+            <a:r>
+              <a:rPr lang="es-ES" noProof="0" dirty="0"/>
+              <a:t>Capturas adicionales</a:t>
+            </a:r>
+          </a:p>
+        </p:txBody>
+      </p:sp>
+      <p:sp>
+        <p:nvSpPr>
+          <p:cNvPr id="9" name="CuadroTexto 8">
+            <a:extLst>
+              <a:ext uri="{FF2B5EF4-FFF2-40B4-BE49-F238E27FC236}">
+                <a16:creationId xmlns:a16="http://schemas.microsoft.com/office/drawing/2014/main" id="{9A2F493E-0A86-0504-BF0F-DF90A7FA2C04}"/>
+              </a:ext>
+            </a:extLst>
+          </p:cNvPr>
+          <p:cNvSpPr txBox="1"/>
+          <p:nvPr/>
+        </p:nvSpPr>
+        <p:spPr>
+          <a:xfrm>
+            <a:off x="0" y="1093311"/>
+            <a:ext cx="9144000" cy="338554"/>
+          </a:xfrm>
+          <a:prstGeom prst="rect">
+            <a:avLst/>
+          </a:prstGeom>
+          <a:noFill/>
+        </p:spPr>
+        <p:txBody>
+          <a:bodyPr wrap="square" rtlCol="0">
+            <a:spAutoFit/>
+          </a:bodyPr>
+          <a:lstStyle/>
+          <a:p>
+            <a:pPr algn="ctr"/>
+            <a:r>
+              <a:rPr lang="es-ES" sz="1600" b="1" dirty="0"/>
+              <a:t>API GATEWAY</a:t>
+            </a:r>
+          </a:p>
+        </p:txBody>
+      </p:sp>
+      <p:pic>
+        <p:nvPicPr>
+          <p:cNvPr id="5" name="Imagen 4" descr="Captura de pantalla de un celular&#10;&#10;El contenido generado por IA puede ser incorrecto.">
+            <a:extLst>
+              <a:ext uri="{FF2B5EF4-FFF2-40B4-BE49-F238E27FC236}">
+                <a16:creationId xmlns:a16="http://schemas.microsoft.com/office/drawing/2014/main" id="{6E27B1A6-3131-38BE-AB33-11FE88584976}"/>
+              </a:ext>
+            </a:extLst>
+          </p:cNvPr>
+          <p:cNvPicPr>
+            <a:picLocks noChangeAspect="1"/>
+          </p:cNvPicPr>
+          <p:nvPr/>
+        </p:nvPicPr>
+        <p:blipFill>
+          <a:blip r:embed="rId2"/>
+          <a:stretch>
+            <a:fillRect/>
+          </a:stretch>
+        </p:blipFill>
+        <p:spPr>
+          <a:xfrm>
+            <a:off x="0" y="1659939"/>
+            <a:ext cx="9144000" cy="4841222"/>
+          </a:xfrm>
+          <a:prstGeom prst="rect">
+            <a:avLst/>
+          </a:prstGeom>
+        </p:spPr>
+      </p:pic>
+    </p:spTree>
+    <p:extLst>
+      <p:ext uri="{BB962C8B-B14F-4D97-AF65-F5344CB8AC3E}">
+        <p14:creationId xmlns:p14="http://schemas.microsoft.com/office/powerpoint/2010/main" val="2155473319"/>
+      </p:ext>
+    </p:extLst>
+  </p:cSld>
+  <p:clrMapOvr>
+    <a:masterClrMapping/>
+  </p:clrMapOvr>
+</p:sld>
+</file>
+
+<file path=ppt/slides/slide15.xml><?xml version="1.0" encoding="utf-8"?>
+<p:sld xmlns:a="http://schemas.openxmlformats.org/drawingml/2006/main" xmlns:r="http://schemas.openxmlformats.org/officeDocument/2006/relationships" xmlns:p="http://schemas.openxmlformats.org/presentationml/2006/main">
+  <p:cSld>
+    <p:spTree>
+      <p:nvGrpSpPr>
+        <p:cNvPr id="1" name="">
+          <a:extLst>
+            <a:ext uri="{FF2B5EF4-FFF2-40B4-BE49-F238E27FC236}">
               <a16:creationId xmlns:a16="http://schemas.microsoft.com/office/drawing/2014/main" id="{35A3F220-0603-5F30-28C4-579FEF38599B}"/>
             </a:ext>
           </a:extLst>
@@ -7607,7 +8622,7 @@
         <p:spPr>
           <a:xfrm>
             <a:off x="548640" y="1097280"/>
-            <a:ext cx="8046720" cy="5339923"/>
+            <a:ext cx="8046720" cy="5355312"/>
           </a:xfrm>
           <a:prstGeom prst="rect">
             <a:avLst/>
@@ -7945,9 +8960,12 @@
               </a:defRPr>
             </a:pPr>
             <a:r>
-              <a:rPr lang="es-ES" noProof="0" dirty="0"/>
-              <a:t>URL</a:t>
-            </a:r>
+              <a:rPr lang="es-ES" dirty="0">
+                <a:hlinkClick r:id="rId2"/>
+              </a:rPr>
+              <a:t>https://drive.google.com/file/d/1XqorDGc-5C1Yj5Pb2dmk6uzF_oAiHNNT/view?usp=sharing</a:t>
+            </a:r>
+            <a:endParaRPr lang="es-ES" dirty="0"/>
           </a:p>
           <a:p>
             <a:pPr>
